--- a/Presentation.pptx
+++ b/Presentation.pptx
@@ -5,7 +5,7 @@
     <p:sldMasterId id="2147483648" r:id="rId1"/>
   </p:sldMasterIdLst>
   <p:notesMasterIdLst>
-    <p:notesMasterId r:id="rId16"/>
+    <p:notesMasterId r:id="rId17"/>
   </p:notesMasterIdLst>
   <p:sldIdLst>
     <p:sldId id="3640" r:id="rId2"/>
@@ -15,13 +15,14 @@
     <p:sldId id="3707" r:id="rId6"/>
     <p:sldId id="3700" r:id="rId7"/>
     <p:sldId id="3712" r:id="rId8"/>
-    <p:sldId id="3711" r:id="rId9"/>
-    <p:sldId id="3701" r:id="rId10"/>
-    <p:sldId id="3702" r:id="rId11"/>
-    <p:sldId id="3710" r:id="rId12"/>
-    <p:sldId id="3709" r:id="rId13"/>
-    <p:sldId id="3706" r:id="rId14"/>
-    <p:sldId id="3641" r:id="rId15"/>
+    <p:sldId id="3713" r:id="rId9"/>
+    <p:sldId id="3711" r:id="rId10"/>
+    <p:sldId id="3701" r:id="rId11"/>
+    <p:sldId id="3702" r:id="rId12"/>
+    <p:sldId id="3710" r:id="rId13"/>
+    <p:sldId id="3709" r:id="rId14"/>
+    <p:sldId id="3706" r:id="rId15"/>
+    <p:sldId id="3641" r:id="rId16"/>
   </p:sldIdLst>
   <p:sldSz cx="12192000" cy="6858000"/>
   <p:notesSz cx="6858000" cy="9144000"/>
@@ -233,7 +234,7 @@
           <a:p>
             <a:fld id="{73E9D15D-1C13-CC45-BE09-4D54E9A973B4}" type="datetimeFigureOut">
               <a:rPr lang="en-US" smtClean="0"/>
-              <a:t>2/20/2024</a:t>
+              <a:t>2/21/2024</a:t>
             </a:fld>
             <a:endParaRPr lang="en-US" dirty="0"/>
           </a:p>
@@ -663,7 +664,7 @@
           <a:p>
             <a:fld id="{FD3D9895-3AFC-9E49-BB6B-D5AF81433D95}" type="datetimeFigureOut">
               <a:rPr lang="en-US" smtClean="0"/>
-              <a:t>2/20/2024</a:t>
+              <a:t>2/21/2024</a:t>
             </a:fld>
             <a:endParaRPr lang="en-US" dirty="0"/>
           </a:p>
@@ -824,7 +825,7 @@
           <a:p>
             <a:fld id="{1703F520-AAB7-4D20-958E-A456239933B0}" type="datetimeFigureOut">
               <a:rPr lang="en-US" smtClean="0"/>
-              <a:t>2/20/2024</a:t>
+              <a:t>2/21/2024</a:t>
             </a:fld>
             <a:endParaRPr lang="en-US" dirty="0"/>
           </a:p>
@@ -1635,6 +1636,220 @@
         </p:nvSpPr>
         <p:spPr>
           <a:xfrm>
+            <a:off x="325927" y="248626"/>
+            <a:ext cx="7530363" cy="584775"/>
+          </a:xfrm>
+          <a:prstGeom prst="rect">
+            <a:avLst/>
+          </a:prstGeom>
+          <a:noFill/>
+        </p:spPr>
+        <p:txBody>
+          <a:bodyPr wrap="square" rtlCol="0">
+            <a:spAutoFit/>
+          </a:bodyPr>
+          <a:lstStyle/>
+          <a:p>
+            <a:r>
+              <a:rPr lang="en-US" sz="3200" b="1" dirty="0">
+                <a:solidFill>
+                  <a:srgbClr val="46B0FA"/>
+                </a:solidFill>
+                <a:latin typeface="Arial" panose="020B0604020202020204" pitchFamily="34" charset="0"/>
+                <a:cs typeface="Arial" panose="020B0604020202020204" pitchFamily="34" charset="0"/>
+              </a:rPr>
+              <a:t>Objective</a:t>
+            </a:r>
+            <a:endParaRPr lang="en-IN" sz="3200" b="1" dirty="0">
+              <a:solidFill>
+                <a:srgbClr val="46B0FA"/>
+              </a:solidFill>
+              <a:latin typeface="Arial" panose="020B0604020202020204" pitchFamily="34" charset="0"/>
+              <a:cs typeface="Arial" panose="020B0604020202020204" pitchFamily="34" charset="0"/>
+            </a:endParaRPr>
+          </a:p>
+        </p:txBody>
+      </p:sp>
+      <p:sp>
+        <p:nvSpPr>
+          <p:cNvPr id="3" name="TextBox 2">
+            <a:extLst>
+              <a:ext uri="{FF2B5EF4-FFF2-40B4-BE49-F238E27FC236}">
+                <a16:creationId xmlns:a16="http://schemas.microsoft.com/office/drawing/2014/main" id="{66168532-D141-4AB0-BD29-1663F2877B3E}"/>
+              </a:ext>
+            </a:extLst>
+          </p:cNvPr>
+          <p:cNvSpPr txBox="1"/>
+          <p:nvPr/>
+        </p:nvSpPr>
+        <p:spPr>
+          <a:xfrm>
+            <a:off x="447869" y="1064470"/>
+            <a:ext cx="10524287" cy="4278094"/>
+          </a:xfrm>
+          <a:prstGeom prst="rect">
+            <a:avLst/>
+          </a:prstGeom>
+          <a:noFill/>
+        </p:spPr>
+        <p:txBody>
+          <a:bodyPr wrap="square" rtlCol="0">
+            <a:spAutoFit/>
+          </a:bodyPr>
+          <a:lstStyle/>
+          <a:p>
+            <a:r>
+              <a:rPr lang="en-US" sz="2000" dirty="0">
+                <a:solidFill>
+                  <a:srgbClr val="FF0000"/>
+                </a:solidFill>
+                <a:latin typeface="Arial" panose="020B0604020202020204" pitchFamily="34" charset="0"/>
+                <a:cs typeface="Arial" panose="020B0604020202020204" pitchFamily="34" charset="0"/>
+              </a:rPr>
+              <a:t>Main Objective:</a:t>
+            </a:r>
+          </a:p>
+          <a:p>
+            <a:r>
+              <a:rPr lang="en-US" dirty="0">
+                <a:latin typeface="Arial" panose="020B0604020202020204" pitchFamily="34" charset="0"/>
+                <a:cs typeface="Arial" panose="020B0604020202020204" pitchFamily="34" charset="0"/>
+              </a:rPr>
+              <a:t>The primary goal of this project can be categorized into the following points:</a:t>
+            </a:r>
+          </a:p>
+          <a:p>
+            <a:endParaRPr lang="en-US" dirty="0">
+              <a:latin typeface="Arial" panose="020B0604020202020204" pitchFamily="34" charset="0"/>
+              <a:cs typeface="Arial" panose="020B0604020202020204" pitchFamily="34" charset="0"/>
+            </a:endParaRPr>
+          </a:p>
+          <a:p>
+            <a:pPr marL="285750" indent="-285750">
+              <a:buFont typeface="Arial" panose="020B0604020202020204" pitchFamily="34" charset="0"/>
+              <a:buChar char="•"/>
+            </a:pPr>
+            <a:r>
+              <a:rPr lang="en-US" b="1" dirty="0">
+                <a:latin typeface="Arial" panose="020B0604020202020204" pitchFamily="34" charset="0"/>
+                <a:cs typeface="Arial" panose="020B0604020202020204" pitchFamily="34" charset="0"/>
+              </a:rPr>
+              <a:t>Feature Extraction from Image Dataset:</a:t>
+            </a:r>
+            <a:r>
+              <a:rPr lang="en-US" dirty="0">
+                <a:latin typeface="Arial" panose="020B0604020202020204" pitchFamily="34" charset="0"/>
+                <a:cs typeface="Arial" panose="020B0604020202020204" pitchFamily="34" charset="0"/>
+              </a:rPr>
+              <a:t> Utilize image processing techniques to identify and extract relevant features from the image dataset. This aims to enhance the model's accuracy and adaptability to variations in images.</a:t>
+            </a:r>
+          </a:p>
+          <a:p>
+            <a:pPr marL="285750" indent="-285750">
+              <a:buFont typeface="Arial" panose="020B0604020202020204" pitchFamily="34" charset="0"/>
+              <a:buChar char="•"/>
+            </a:pPr>
+            <a:endParaRPr lang="en-US" dirty="0">
+              <a:latin typeface="Arial" panose="020B0604020202020204" pitchFamily="34" charset="0"/>
+              <a:cs typeface="Arial" panose="020B0604020202020204" pitchFamily="34" charset="0"/>
+            </a:endParaRPr>
+          </a:p>
+          <a:p>
+            <a:pPr marL="285750" indent="-285750">
+              <a:buFont typeface="Arial" panose="020B0604020202020204" pitchFamily="34" charset="0"/>
+              <a:buChar char="•"/>
+            </a:pPr>
+            <a:r>
+              <a:rPr lang="en-US" b="1" dirty="0">
+                <a:latin typeface="Arial" panose="020B0604020202020204" pitchFamily="34" charset="0"/>
+                <a:cs typeface="Arial" panose="020B0604020202020204" pitchFamily="34" charset="0"/>
+              </a:rPr>
+              <a:t>Data Augmentation for Model Training: </a:t>
+            </a:r>
+            <a:r>
+              <a:rPr lang="en-US" dirty="0">
+                <a:latin typeface="Arial" panose="020B0604020202020204" pitchFamily="34" charset="0"/>
+                <a:cs typeface="Arial" panose="020B0604020202020204" pitchFamily="34" charset="0"/>
+              </a:rPr>
+              <a:t>Implement data augmentation strategies to expand the training dataset. This step is crucial for enhancing the model's generalization and performance by exposing it to a diverse set of images.</a:t>
+            </a:r>
+          </a:p>
+          <a:p>
+            <a:pPr marL="285750" indent="-285750">
+              <a:buFont typeface="Arial" panose="020B0604020202020204" pitchFamily="34" charset="0"/>
+              <a:buChar char="•"/>
+            </a:pPr>
+            <a:endParaRPr lang="en-US" dirty="0">
+              <a:latin typeface="Arial" panose="020B0604020202020204" pitchFamily="34" charset="0"/>
+              <a:cs typeface="Arial" panose="020B0604020202020204" pitchFamily="34" charset="0"/>
+            </a:endParaRPr>
+          </a:p>
+          <a:p>
+            <a:pPr marL="285750" indent="-285750">
+              <a:buFont typeface="Arial" panose="020B0604020202020204" pitchFamily="34" charset="0"/>
+              <a:buChar char="•"/>
+            </a:pPr>
+            <a:r>
+              <a:rPr lang="en-US" b="1" dirty="0">
+                <a:latin typeface="Arial" panose="020B0604020202020204" pitchFamily="34" charset="0"/>
+                <a:cs typeface="Arial" panose="020B0604020202020204" pitchFamily="34" charset="0"/>
+              </a:rPr>
+              <a:t>Conduct Comparative Analysis of Deep Learning Models: </a:t>
+            </a:r>
+            <a:r>
+              <a:rPr lang="en-US" dirty="0">
+                <a:latin typeface="Arial" panose="020B0604020202020204" pitchFamily="34" charset="0"/>
+                <a:cs typeface="Arial" panose="020B0604020202020204" pitchFamily="34" charset="0"/>
+              </a:rPr>
+              <a:t>Perform a comprehensive comparative analysis of various deep learning models. Evaluate their performance based on the accuracy of the results they produce. This analysis will provide insights into the effectiveness of different models under specific conditions.</a:t>
+            </a:r>
+          </a:p>
+        </p:txBody>
+      </p:sp>
+    </p:spTree>
+    <p:extLst>
+      <p:ext uri="{BB962C8B-B14F-4D97-AF65-F5344CB8AC3E}">
+        <p14:creationId xmlns:p14="http://schemas.microsoft.com/office/powerpoint/2010/main" val="2314005441"/>
+      </p:ext>
+    </p:extLst>
+  </p:cSld>
+  <p:clrMapOvr>
+    <a:masterClrMapping/>
+  </p:clrMapOvr>
+</p:sld>
+</file>
+
+<file path=ppt/slides/slide11.xml><?xml version="1.0" encoding="utf-8"?>
+<p:sld xmlns:a="http://schemas.openxmlformats.org/drawingml/2006/main" xmlns:r="http://schemas.openxmlformats.org/officeDocument/2006/relationships" xmlns:p="http://schemas.openxmlformats.org/presentationml/2006/main">
+  <p:cSld>
+    <p:spTree>
+      <p:nvGrpSpPr>
+        <p:cNvPr id="1" name=""/>
+        <p:cNvGrpSpPr/>
+        <p:nvPr/>
+      </p:nvGrpSpPr>
+      <p:grpSpPr>
+        <a:xfrm>
+          <a:off x="0" y="0"/>
+          <a:ext cx="0" cy="0"/>
+          <a:chOff x="0" y="0"/>
+          <a:chExt cx="0" cy="0"/>
+        </a:xfrm>
+      </p:grpSpPr>
+      <p:sp>
+        <p:nvSpPr>
+          <p:cNvPr id="2" name="TextBox 1">
+            <a:extLst>
+              <a:ext uri="{FF2B5EF4-FFF2-40B4-BE49-F238E27FC236}">
+                <a16:creationId xmlns:a16="http://schemas.microsoft.com/office/drawing/2014/main" id="{B2EC635B-D8A3-4A72-8304-20FFBA5D21A3}"/>
+              </a:ext>
+            </a:extLst>
+          </p:cNvPr>
+          <p:cNvSpPr txBox="1"/>
+          <p:nvPr/>
+        </p:nvSpPr>
+        <p:spPr>
+          <a:xfrm>
             <a:off x="1161801" y="413438"/>
             <a:ext cx="7530363" cy="584775"/>
           </a:xfrm>
@@ -2023,7 +2238,7 @@
 </p:sld>
 </file>
 
-<file path=ppt/slides/slide11.xml><?xml version="1.0" encoding="utf-8"?>
+<file path=ppt/slides/slide12.xml><?xml version="1.0" encoding="utf-8"?>
 <p:sld xmlns:a="http://schemas.openxmlformats.org/drawingml/2006/main" xmlns:r="http://schemas.openxmlformats.org/officeDocument/2006/relationships" xmlns:p="http://schemas.openxmlformats.org/presentationml/2006/main">
   <p:cSld>
     <p:spTree>
@@ -2199,7 +2414,7 @@
 </p:sld>
 </file>
 
-<file path=ppt/slides/slide12.xml><?xml version="1.0" encoding="utf-8"?>
+<file path=ppt/slides/slide13.xml><?xml version="1.0" encoding="utf-8"?>
 <p:sld xmlns:a="http://schemas.openxmlformats.org/drawingml/2006/main" xmlns:r="http://schemas.openxmlformats.org/officeDocument/2006/relationships" xmlns:p="http://schemas.openxmlformats.org/presentationml/2006/main">
   <p:cSld>
     <p:spTree>
@@ -2363,7 +2578,7 @@
 </p:sld>
 </file>
 
-<file path=ppt/slides/slide13.xml><?xml version="1.0" encoding="utf-8"?>
+<file path=ppt/slides/slide14.xml><?xml version="1.0" encoding="utf-8"?>
 <p:sld xmlns:a="http://schemas.openxmlformats.org/drawingml/2006/main" xmlns:r="http://schemas.openxmlformats.org/officeDocument/2006/relationships" xmlns:p="http://schemas.openxmlformats.org/presentationml/2006/main">
   <p:cSld>
     <p:spTree>
@@ -2435,7 +2650,7 @@
         </p:nvSpPr>
         <p:spPr>
           <a:xfrm>
-            <a:off x="822959" y="1312664"/>
+            <a:off x="325927" y="986093"/>
             <a:ext cx="9901002" cy="984885"/>
           </a:xfrm>
           <a:prstGeom prst="rect">
@@ -2487,7 +2702,7 @@
 </p:sld>
 </file>
 
-<file path=ppt/slides/slide14.xml><?xml version="1.0" encoding="utf-8"?>
+<file path=ppt/slides/slide15.xml><?xml version="1.0" encoding="utf-8"?>
 <p:sld xmlns:a="http://schemas.openxmlformats.org/drawingml/2006/main" xmlns:r="http://schemas.openxmlformats.org/officeDocument/2006/relationships" xmlns:p="http://schemas.openxmlformats.org/presentationml/2006/main">
   <p:cSld>
     <p:spTree>
@@ -3611,8 +3826,8 @@
         </p:nvSpPr>
         <p:spPr>
           <a:xfrm>
-            <a:off x="234487" y="833401"/>
-            <a:ext cx="11056775" cy="5940088"/>
+            <a:off x="234487" y="1278485"/>
+            <a:ext cx="11056775" cy="5324535"/>
           </a:xfrm>
           <a:prstGeom prst="rect">
             <a:avLst/>
@@ -3624,82 +3839,6 @@
             <a:spAutoFit/>
           </a:bodyPr>
           <a:lstStyle/>
-          <a:p>
-            <a:pPr marL="0" marR="0" lvl="0" indent="0" algn="l" defTabSz="914400" rtl="0" eaLnBrk="1" fontAlgn="auto" latinLnBrk="0" hangingPunct="1">
-              <a:lnSpc>
-                <a:spcPct val="100000"/>
-              </a:lnSpc>
-              <a:spcBef>
-                <a:spcPts val="0"/>
-              </a:spcBef>
-              <a:spcAft>
-                <a:spcPts val="0"/>
-              </a:spcAft>
-              <a:buClrTx/>
-              <a:buSzTx/>
-              <a:buFontTx/>
-              <a:buNone/>
-              <a:tabLst/>
-              <a:defRPr/>
-            </a:pPr>
-            <a:r>
-              <a:rPr kumimoji="0" lang="en-US" sz="2000" b="0" i="0" u="none" strike="noStrike" kern="1200" cap="none" spc="0" normalizeH="0" baseline="0" noProof="0" dirty="0">
-                <a:ln>
-                  <a:noFill/>
-                </a:ln>
-                <a:solidFill>
-                  <a:srgbClr val="FF0000"/>
-                </a:solidFill>
-                <a:effectLst/>
-                <a:uLnTx/>
-                <a:uFillTx/>
-                <a:latin typeface="Arial" panose="020B0604020202020204" pitchFamily="34" charset="0"/>
-                <a:ea typeface="+mn-ea"/>
-                <a:cs typeface="Arial" panose="020B0604020202020204" pitchFamily="34" charset="0"/>
-              </a:rPr>
-              <a:t>Cite Related work</a:t>
-            </a:r>
-            <a:endParaRPr lang="en-US" sz="2000" dirty="0">
-              <a:solidFill>
-                <a:srgbClr val="FF0000"/>
-              </a:solidFill>
-              <a:latin typeface="Arial" panose="020B0604020202020204" pitchFamily="34" charset="0"/>
-              <a:cs typeface="Arial" panose="020B0604020202020204" pitchFamily="34" charset="0"/>
-            </a:endParaRPr>
-          </a:p>
-          <a:p>
-            <a:pPr marL="0" marR="0" lvl="0" indent="0" algn="l" defTabSz="914400" rtl="0" eaLnBrk="1" fontAlgn="auto" latinLnBrk="0" hangingPunct="1">
-              <a:lnSpc>
-                <a:spcPct val="100000"/>
-              </a:lnSpc>
-              <a:spcBef>
-                <a:spcPts val="0"/>
-              </a:spcBef>
-              <a:spcAft>
-                <a:spcPts val="0"/>
-              </a:spcAft>
-              <a:buClrTx/>
-              <a:buSzTx/>
-              <a:buFontTx/>
-              <a:buNone/>
-              <a:tabLst/>
-              <a:defRPr/>
-            </a:pPr>
-            <a:endParaRPr kumimoji="0" lang="en-US" sz="2000" b="0" i="0" u="none" strike="noStrike" kern="1200" cap="none" spc="0" normalizeH="0" baseline="0" noProof="0" dirty="0">
-              <a:ln>
-                <a:noFill/>
-              </a:ln>
-              <a:solidFill>
-                <a:srgbClr val="FF0000"/>
-              </a:solidFill>
-              <a:effectLst/>
-              <a:uLnTx/>
-              <a:uFillTx/>
-              <a:latin typeface="Arial" panose="020B0604020202020204" pitchFamily="34" charset="0"/>
-              <a:ea typeface="+mn-ea"/>
-              <a:cs typeface="Arial" panose="020B0604020202020204" pitchFamily="34" charset="0"/>
-            </a:endParaRPr>
-          </a:p>
           <a:p>
             <a:pPr marL="0" marR="0" lvl="0" indent="0" algn="l" defTabSz="914400" rtl="0" eaLnBrk="1" fontAlgn="auto" latinLnBrk="0" hangingPunct="1">
               <a:lnSpc>
@@ -3788,6 +3927,64 @@
               </a:rPr>
               <a:t>Generative Adversarial Networks (GANs) [2] in image processing, emphasizing their role in generating realistic images through adversarial training. One of the impactful applications of Generative Adversarial Networks (GANs) in medical imaging, specifically in enhancing ultrasound image resolution. GANs integrated with deep learning models facilitate end-to-end encoding and decoding processes, enabling the generation of high-resolution images from routinely captured prostate ultrasound scans. Moreover, GANs are useful in creating different types of abnormalities in medical images, even when there are only a few examples available for each abnormality. The incorporation of deep convolutional GANs further enables the transformation of 2D images into 3D, expediting the analysis of medical images.</a:t>
             </a:r>
+          </a:p>
+        </p:txBody>
+      </p:sp>
+      <p:sp>
+        <p:nvSpPr>
+          <p:cNvPr id="4" name="TextBox 3">
+            <a:extLst>
+              <a:ext uri="{FF2B5EF4-FFF2-40B4-BE49-F238E27FC236}">
+                <a16:creationId xmlns:a16="http://schemas.microsoft.com/office/drawing/2014/main" id="{CE493412-7885-790A-0754-EDA71876BFAE}"/>
+              </a:ext>
+            </a:extLst>
+          </p:cNvPr>
+          <p:cNvSpPr txBox="1"/>
+          <p:nvPr/>
+        </p:nvSpPr>
+        <p:spPr>
+          <a:xfrm>
+            <a:off x="234487" y="861393"/>
+            <a:ext cx="2005677" cy="646331"/>
+          </a:xfrm>
+          <a:prstGeom prst="rect">
+            <a:avLst/>
+          </a:prstGeom>
+          <a:noFill/>
+        </p:spPr>
+        <p:txBody>
+          <a:bodyPr wrap="none" rtlCol="0">
+            <a:spAutoFit/>
+          </a:bodyPr>
+          <a:lstStyle/>
+          <a:p>
+            <a:r>
+              <a:rPr kumimoji="0" lang="en-US" sz="1800" b="0" i="0" u="none" strike="noStrike" kern="1200" cap="none" spc="0" normalizeH="0" baseline="0" noProof="0" dirty="0">
+                <a:ln>
+                  <a:noFill/>
+                </a:ln>
+                <a:solidFill>
+                  <a:srgbClr val="FF0000"/>
+                </a:solidFill>
+                <a:effectLst/>
+                <a:uLnTx/>
+                <a:uFillTx/>
+                <a:latin typeface="Arial" panose="020B0604020202020204" pitchFamily="34" charset="0"/>
+                <a:ea typeface="+mn-ea"/>
+                <a:cs typeface="Arial" panose="020B0604020202020204" pitchFamily="34" charset="0"/>
+              </a:rPr>
+              <a:t>Cite Related work</a:t>
+            </a:r>
+            <a:endParaRPr lang="en-US" sz="1800" dirty="0">
+              <a:solidFill>
+                <a:srgbClr val="FF0000"/>
+              </a:solidFill>
+              <a:latin typeface="Arial" panose="020B0604020202020204" pitchFamily="34" charset="0"/>
+              <a:cs typeface="Arial" panose="020B0604020202020204" pitchFamily="34" charset="0"/>
+            </a:endParaRPr>
+          </a:p>
+          <a:p>
+            <a:endParaRPr lang="en-IN" dirty="0"/>
           </a:p>
         </p:txBody>
       </p:sp>
@@ -3882,7 +4079,7 @@
         </p:nvSpPr>
         <p:spPr>
           <a:xfrm>
-            <a:off x="234487" y="833401"/>
+            <a:off x="234487" y="992022"/>
             <a:ext cx="11056775" cy="5324535"/>
           </a:xfrm>
           <a:prstGeom prst="rect">
@@ -3918,7 +4115,7 @@
                 <a:latin typeface="Arial" panose="020B0604020202020204" pitchFamily="34" charset="0"/>
                 <a:cs typeface="Arial" panose="020B0604020202020204" pitchFamily="34" charset="0"/>
               </a:rPr>
-              <a:t>In [1], Principal Component Analysis (PCA) as a pivotal tool for enhancing image classification in computer vision. PCA efficiently reduces the dimensionality of high-dimensional datasets, improving interpretability and visualization. The integration of PCA with convolutional neural networks (CNNs) demonstrates its role in optimizing computational efficiency and accuracy in classifying diverse datasets. Overall, PCA emerges as a crucial technique, simplifying complex data representations and contributing to the advancement of image classification methodologies in artificial intelligence applications.</a:t>
+              <a:t>Research paper [3] proposes a pioneering approach for Polycystic Ovary Syndrome (PCOS) detection using a hybrid method that combines deep learning and traditional machine learning techniques. The study utilizes transfer learning with a pre-trained VGG16 model for feature extraction from ultrasound images. Compared to existing methods, the proposed approach achieves a remarkable accuracy in PCOS detection with efficient execution. While the method shows certain limitations that include a small dataset and challenges in explaining the model's decisions. The main aim of this research is to address such health issues and explore applications in detecting other clinical disorders.</a:t>
             </a:r>
           </a:p>
           <a:p>
@@ -3939,15 +4136,8 @@
               <a:tabLst/>
               <a:defRPr/>
             </a:pPr>
-            <a:endParaRPr kumimoji="0" lang="en-US" sz="2000" b="0" i="0" u="none" strike="noStrike" kern="1200" cap="none" spc="0" normalizeH="0" baseline="0" noProof="0" dirty="0">
-              <a:ln>
-                <a:noFill/>
-              </a:ln>
-              <a:effectLst/>
-              <a:uLnTx/>
-              <a:uFillTx/>
+            <a:endParaRPr lang="en-US" sz="2000" dirty="0">
               <a:latin typeface="Arial" panose="020B0604020202020204" pitchFamily="34" charset="0"/>
-              <a:ea typeface="+mn-ea"/>
               <a:cs typeface="Arial" panose="020B0604020202020204" pitchFamily="34" charset="0"/>
             </a:endParaRPr>
           </a:p>
@@ -3970,18 +4160,11 @@
               <a:defRPr/>
             </a:pPr>
             <a:r>
-              <a:rPr kumimoji="0" lang="en-US" sz="2000" b="0" i="0" u="none" strike="noStrike" kern="1200" cap="none" spc="0" normalizeH="0" baseline="0" noProof="0" dirty="0">
-                <a:ln>
-                  <a:noFill/>
-                </a:ln>
-                <a:effectLst/>
-                <a:uLnTx/>
-                <a:uFillTx/>
-                <a:latin typeface="Arial" panose="020B0604020202020204" pitchFamily="34" charset="0"/>
-                <a:ea typeface="+mn-ea"/>
-                <a:cs typeface="Arial" panose="020B0604020202020204" pitchFamily="34" charset="0"/>
-              </a:rPr>
-              <a:t>Generative Adversarial Networks (GANs) [2] in image processing, emphasizing their role in generating realistic images through adversarial training. One of the impactful applications of Generative Adversarial Networks (GANs) in medical imaging, specifically in enhancing ultrasound image resolution. GANs integrated with deep learning models facilitate end-to-end encoding and decoding processes, enabling the generation of high-resolution images from routinely captured prostate ultrasound scans. Moreover, GANs are useful in creating different types of abnormalities in medical images, even when there are only a few examples available for each abnormality. The incorporation of deep convolutional GANs further enables the transformation of 2D images into 3D, expediting the analysis of medical images.</a:t>
+              <a:rPr lang="en-US" sz="2000" dirty="0">
+                <a:latin typeface="Arial" panose="020B0604020202020204" pitchFamily="34" charset="0"/>
+                <a:cs typeface="Arial" panose="020B0604020202020204" pitchFamily="34" charset="0"/>
+              </a:rPr>
+              <a:t>Using Convolutional Neural Networks (CNN) as an image classifier, utilizing feature extraction [4] methods to effectively detect ovarian cysts in ultrasound images. The algorithm is trained on a dataset, using input ultrasound images as training data. It classifies test data within the dataset to determine if the ovary is affected, providing critical information on parameters such as area, solidity, extent, and perimeter affected by the cysts. This approach enhances diagnostic capabilities, showcasing the potential of CNNs in medical image analysis for precise identification and characterization of ovarian abnormalities, particularly in the context of disorders like Polycystic Ovary Syndrome (PCOS).</a:t>
             </a:r>
           </a:p>
         </p:txBody>
@@ -4000,6 +4183,152 @@
 </file>
 
 <file path=ppt/slides/slide8.xml><?xml version="1.0" encoding="utf-8"?>
+<p:sld xmlns:a="http://schemas.openxmlformats.org/drawingml/2006/main" xmlns:r="http://schemas.openxmlformats.org/officeDocument/2006/relationships" xmlns:p="http://schemas.openxmlformats.org/presentationml/2006/main">
+  <p:cSld>
+    <p:spTree>
+      <p:nvGrpSpPr>
+        <p:cNvPr id="1" name="">
+          <a:extLst>
+            <a:ext uri="{FF2B5EF4-FFF2-40B4-BE49-F238E27FC236}">
+              <a16:creationId xmlns:a16="http://schemas.microsoft.com/office/drawing/2014/main" id="{ACEC4197-24B3-F493-B8C0-E706F1A35DA4}"/>
+            </a:ext>
+          </a:extLst>
+        </p:cNvPr>
+        <p:cNvGrpSpPr/>
+        <p:nvPr/>
+      </p:nvGrpSpPr>
+      <p:grpSpPr>
+        <a:xfrm>
+          <a:off x="0" y="0"/>
+          <a:ext cx="0" cy="0"/>
+          <a:chOff x="0" y="0"/>
+          <a:chExt cx="0" cy="0"/>
+        </a:xfrm>
+      </p:grpSpPr>
+      <p:sp>
+        <p:nvSpPr>
+          <p:cNvPr id="2" name="TextBox 1">
+            <a:extLst>
+              <a:ext uri="{FF2B5EF4-FFF2-40B4-BE49-F238E27FC236}">
+                <a16:creationId xmlns:a16="http://schemas.microsoft.com/office/drawing/2014/main" id="{C53A8571-FB86-F623-979B-19F66BBEDA06}"/>
+              </a:ext>
+            </a:extLst>
+          </p:cNvPr>
+          <p:cNvSpPr txBox="1"/>
+          <p:nvPr/>
+        </p:nvSpPr>
+        <p:spPr>
+          <a:xfrm>
+            <a:off x="234487" y="248626"/>
+            <a:ext cx="7530363" cy="584775"/>
+          </a:xfrm>
+          <a:prstGeom prst="rect">
+            <a:avLst/>
+          </a:prstGeom>
+          <a:noFill/>
+        </p:spPr>
+        <p:txBody>
+          <a:bodyPr wrap="square" rtlCol="0">
+            <a:spAutoFit/>
+          </a:bodyPr>
+          <a:lstStyle/>
+          <a:p>
+            <a:r>
+              <a:rPr lang="en-US" sz="3200" b="1" dirty="0">
+                <a:solidFill>
+                  <a:srgbClr val="46B0FA"/>
+                </a:solidFill>
+                <a:latin typeface="Arial" panose="020B0604020202020204" pitchFamily="34" charset="0"/>
+                <a:cs typeface="Arial" panose="020B0604020202020204" pitchFamily="34" charset="0"/>
+              </a:rPr>
+              <a:t>Literature Review</a:t>
+            </a:r>
+          </a:p>
+        </p:txBody>
+      </p:sp>
+      <p:sp>
+        <p:nvSpPr>
+          <p:cNvPr id="3" name="TextBox 2">
+            <a:extLst>
+              <a:ext uri="{FF2B5EF4-FFF2-40B4-BE49-F238E27FC236}">
+                <a16:creationId xmlns:a16="http://schemas.microsoft.com/office/drawing/2014/main" id="{AC5F1411-EFBD-DBD3-22E2-9F49AD30672D}"/>
+              </a:ext>
+            </a:extLst>
+          </p:cNvPr>
+          <p:cNvSpPr txBox="1"/>
+          <p:nvPr/>
+        </p:nvSpPr>
+        <p:spPr>
+          <a:xfrm>
+            <a:off x="234487" y="1048005"/>
+            <a:ext cx="11056775" cy="2554545"/>
+          </a:xfrm>
+          <a:prstGeom prst="rect">
+            <a:avLst/>
+          </a:prstGeom>
+          <a:noFill/>
+        </p:spPr>
+        <p:txBody>
+          <a:bodyPr wrap="square" rtlCol="0">
+            <a:spAutoFit/>
+          </a:bodyPr>
+          <a:lstStyle/>
+          <a:p>
+            <a:pPr marL="0" marR="0" lvl="0" indent="0" algn="l" defTabSz="914400" rtl="0" eaLnBrk="1" fontAlgn="auto" latinLnBrk="0" hangingPunct="1">
+              <a:lnSpc>
+                <a:spcPct val="100000"/>
+              </a:lnSpc>
+              <a:spcBef>
+                <a:spcPts val="0"/>
+              </a:spcBef>
+              <a:spcAft>
+                <a:spcPts val="0"/>
+              </a:spcAft>
+              <a:buClrTx/>
+              <a:buSzTx/>
+              <a:buFontTx/>
+              <a:buNone/>
+              <a:tabLst/>
+              <a:defRPr/>
+            </a:pPr>
+            <a:r>
+              <a:rPr lang="en-US" sz="2000" dirty="0">
+                <a:latin typeface="Arial" panose="020B0604020202020204" pitchFamily="34" charset="0"/>
+                <a:cs typeface="Arial" panose="020B0604020202020204" pitchFamily="34" charset="0"/>
+              </a:rPr>
+              <a:t>The research [5] underscores the potential of advanced deep learning models, including </a:t>
+            </a:r>
+            <a:r>
+              <a:rPr lang="en-US" sz="2000" dirty="0" err="1">
+                <a:latin typeface="Arial" panose="020B0604020202020204" pitchFamily="34" charset="0"/>
+                <a:cs typeface="Arial" panose="020B0604020202020204" pitchFamily="34" charset="0"/>
+              </a:rPr>
+              <a:t>Alexnet</a:t>
+            </a:r>
+            <a:r>
+              <a:rPr lang="en-US" sz="2000" dirty="0">
+                <a:latin typeface="Arial" panose="020B0604020202020204" pitchFamily="34" charset="0"/>
+                <a:cs typeface="Arial" panose="020B0604020202020204" pitchFamily="34" charset="0"/>
+              </a:rPr>
+              <a:t>, Inception V3, Resnet50, and VGG16, in enhancing the accuracy of Polycystic Ovary Syndrome (PCOS) diagnosis from ultrasound images. The utilization of transfer learning techniques, particularly in the medical field, showcases the effectiveness of pre-trained models in image analysis. Additionally, feature selection, image pre-processing, and evaluation metrics like precision, recall, sensitivity, specificity, and F1 score play crucial roles in fine-tuning and evaluating the models. This research contributes significantly to advancing automated PCOS diagnosis, offering potential benefits for timely and accurate medical interventions.</a:t>
+            </a:r>
+          </a:p>
+        </p:txBody>
+      </p:sp>
+    </p:spTree>
+    <p:extLst>
+      <p:ext uri="{BB962C8B-B14F-4D97-AF65-F5344CB8AC3E}">
+        <p14:creationId xmlns:p14="http://schemas.microsoft.com/office/powerpoint/2010/main" val="1692998959"/>
+      </p:ext>
+    </p:extLst>
+  </p:cSld>
+  <p:clrMapOvr>
+    <a:masterClrMapping/>
+  </p:clrMapOvr>
+</p:sld>
+</file>
+
+<file path=ppt/slides/slide9.xml><?xml version="1.0" encoding="utf-8"?>
 <p:sld xmlns:a="http://schemas.openxmlformats.org/drawingml/2006/main" xmlns:r="http://schemas.openxmlformats.org/officeDocument/2006/relationships" xmlns:p="http://schemas.openxmlformats.org/presentationml/2006/main">
   <p:cSld>
     <p:spTree>
@@ -4172,220 +4501,6 @@
     <p:extLst>
       <p:ext uri="{BB962C8B-B14F-4D97-AF65-F5344CB8AC3E}">
         <p14:creationId xmlns:p14="http://schemas.microsoft.com/office/powerpoint/2010/main" val="863450321"/>
-      </p:ext>
-    </p:extLst>
-  </p:cSld>
-  <p:clrMapOvr>
-    <a:masterClrMapping/>
-  </p:clrMapOvr>
-</p:sld>
-</file>
-
-<file path=ppt/slides/slide9.xml><?xml version="1.0" encoding="utf-8"?>
-<p:sld xmlns:a="http://schemas.openxmlformats.org/drawingml/2006/main" xmlns:r="http://schemas.openxmlformats.org/officeDocument/2006/relationships" xmlns:p="http://schemas.openxmlformats.org/presentationml/2006/main">
-  <p:cSld>
-    <p:spTree>
-      <p:nvGrpSpPr>
-        <p:cNvPr id="1" name=""/>
-        <p:cNvGrpSpPr/>
-        <p:nvPr/>
-      </p:nvGrpSpPr>
-      <p:grpSpPr>
-        <a:xfrm>
-          <a:off x="0" y="0"/>
-          <a:ext cx="0" cy="0"/>
-          <a:chOff x="0" y="0"/>
-          <a:chExt cx="0" cy="0"/>
-        </a:xfrm>
-      </p:grpSpPr>
-      <p:sp>
-        <p:nvSpPr>
-          <p:cNvPr id="2" name="TextBox 1">
-            <a:extLst>
-              <a:ext uri="{FF2B5EF4-FFF2-40B4-BE49-F238E27FC236}">
-                <a16:creationId xmlns:a16="http://schemas.microsoft.com/office/drawing/2014/main" id="{B2EC635B-D8A3-4A72-8304-20FFBA5D21A3}"/>
-              </a:ext>
-            </a:extLst>
-          </p:cNvPr>
-          <p:cNvSpPr txBox="1"/>
-          <p:nvPr/>
-        </p:nvSpPr>
-        <p:spPr>
-          <a:xfrm>
-            <a:off x="325927" y="248626"/>
-            <a:ext cx="7530363" cy="584775"/>
-          </a:xfrm>
-          <a:prstGeom prst="rect">
-            <a:avLst/>
-          </a:prstGeom>
-          <a:noFill/>
-        </p:spPr>
-        <p:txBody>
-          <a:bodyPr wrap="square" rtlCol="0">
-            <a:spAutoFit/>
-          </a:bodyPr>
-          <a:lstStyle/>
-          <a:p>
-            <a:r>
-              <a:rPr lang="en-US" sz="3200" b="1" dirty="0">
-                <a:solidFill>
-                  <a:srgbClr val="46B0FA"/>
-                </a:solidFill>
-                <a:latin typeface="Arial" panose="020B0604020202020204" pitchFamily="34" charset="0"/>
-                <a:cs typeface="Arial" panose="020B0604020202020204" pitchFamily="34" charset="0"/>
-              </a:rPr>
-              <a:t>Objective</a:t>
-            </a:r>
-            <a:endParaRPr lang="en-IN" sz="3200" b="1" dirty="0">
-              <a:solidFill>
-                <a:srgbClr val="46B0FA"/>
-              </a:solidFill>
-              <a:latin typeface="Arial" panose="020B0604020202020204" pitchFamily="34" charset="0"/>
-              <a:cs typeface="Arial" panose="020B0604020202020204" pitchFamily="34" charset="0"/>
-            </a:endParaRPr>
-          </a:p>
-        </p:txBody>
-      </p:sp>
-      <p:sp>
-        <p:nvSpPr>
-          <p:cNvPr id="3" name="TextBox 2">
-            <a:extLst>
-              <a:ext uri="{FF2B5EF4-FFF2-40B4-BE49-F238E27FC236}">
-                <a16:creationId xmlns:a16="http://schemas.microsoft.com/office/drawing/2014/main" id="{66168532-D141-4AB0-BD29-1663F2877B3E}"/>
-              </a:ext>
-            </a:extLst>
-          </p:cNvPr>
-          <p:cNvSpPr txBox="1"/>
-          <p:nvPr/>
-        </p:nvSpPr>
-        <p:spPr>
-          <a:xfrm>
-            <a:off x="447869" y="1064470"/>
-            <a:ext cx="10524287" cy="4278094"/>
-          </a:xfrm>
-          <a:prstGeom prst="rect">
-            <a:avLst/>
-          </a:prstGeom>
-          <a:noFill/>
-        </p:spPr>
-        <p:txBody>
-          <a:bodyPr wrap="square" rtlCol="0">
-            <a:spAutoFit/>
-          </a:bodyPr>
-          <a:lstStyle/>
-          <a:p>
-            <a:r>
-              <a:rPr lang="en-US" sz="2000" dirty="0">
-                <a:solidFill>
-                  <a:srgbClr val="FF0000"/>
-                </a:solidFill>
-                <a:latin typeface="Arial" panose="020B0604020202020204" pitchFamily="34" charset="0"/>
-                <a:cs typeface="Arial" panose="020B0604020202020204" pitchFamily="34" charset="0"/>
-              </a:rPr>
-              <a:t>Main Objective:</a:t>
-            </a:r>
-          </a:p>
-          <a:p>
-            <a:r>
-              <a:rPr lang="en-US" dirty="0">
-                <a:latin typeface="Arial" panose="020B0604020202020204" pitchFamily="34" charset="0"/>
-                <a:cs typeface="Arial" panose="020B0604020202020204" pitchFamily="34" charset="0"/>
-              </a:rPr>
-              <a:t>The primary goal of this project can be categorized into the following points:</a:t>
-            </a:r>
-          </a:p>
-          <a:p>
-            <a:endParaRPr lang="en-US" dirty="0">
-              <a:latin typeface="Arial" panose="020B0604020202020204" pitchFamily="34" charset="0"/>
-              <a:cs typeface="Arial" panose="020B0604020202020204" pitchFamily="34" charset="0"/>
-            </a:endParaRPr>
-          </a:p>
-          <a:p>
-            <a:pPr marL="285750" indent="-285750">
-              <a:buFont typeface="Arial" panose="020B0604020202020204" pitchFamily="34" charset="0"/>
-              <a:buChar char="•"/>
-            </a:pPr>
-            <a:r>
-              <a:rPr lang="en-US" b="1" dirty="0">
-                <a:latin typeface="Arial" panose="020B0604020202020204" pitchFamily="34" charset="0"/>
-                <a:cs typeface="Arial" panose="020B0604020202020204" pitchFamily="34" charset="0"/>
-              </a:rPr>
-              <a:t>Feature Extraction from Image Dataset:</a:t>
-            </a:r>
-            <a:r>
-              <a:rPr lang="en-US" dirty="0">
-                <a:latin typeface="Arial" panose="020B0604020202020204" pitchFamily="34" charset="0"/>
-                <a:cs typeface="Arial" panose="020B0604020202020204" pitchFamily="34" charset="0"/>
-              </a:rPr>
-              <a:t> Utilize image processing techniques to identify and extract relevant features from the image dataset. This aims to enhance the model's accuracy and adaptability to variations in images.</a:t>
-            </a:r>
-          </a:p>
-          <a:p>
-            <a:pPr marL="285750" indent="-285750">
-              <a:buFont typeface="Arial" panose="020B0604020202020204" pitchFamily="34" charset="0"/>
-              <a:buChar char="•"/>
-            </a:pPr>
-            <a:endParaRPr lang="en-US" dirty="0">
-              <a:latin typeface="Arial" panose="020B0604020202020204" pitchFamily="34" charset="0"/>
-              <a:cs typeface="Arial" panose="020B0604020202020204" pitchFamily="34" charset="0"/>
-            </a:endParaRPr>
-          </a:p>
-          <a:p>
-            <a:pPr marL="285750" indent="-285750">
-              <a:buFont typeface="Arial" panose="020B0604020202020204" pitchFamily="34" charset="0"/>
-              <a:buChar char="•"/>
-            </a:pPr>
-            <a:r>
-              <a:rPr lang="en-US" b="1" dirty="0">
-                <a:latin typeface="Arial" panose="020B0604020202020204" pitchFamily="34" charset="0"/>
-                <a:cs typeface="Arial" panose="020B0604020202020204" pitchFamily="34" charset="0"/>
-              </a:rPr>
-              <a:t>Data Augmentation for Model Training: </a:t>
-            </a:r>
-            <a:r>
-              <a:rPr lang="en-US" dirty="0">
-                <a:latin typeface="Arial" panose="020B0604020202020204" pitchFamily="34" charset="0"/>
-                <a:cs typeface="Arial" panose="020B0604020202020204" pitchFamily="34" charset="0"/>
-              </a:rPr>
-              <a:t>Implement data augmentation strategies to expand the training dataset. This step is crucial for enhancing the model's generalization and performance by exposing it to a diverse set of images.</a:t>
-            </a:r>
-          </a:p>
-          <a:p>
-            <a:pPr marL="285750" indent="-285750">
-              <a:buFont typeface="Arial" panose="020B0604020202020204" pitchFamily="34" charset="0"/>
-              <a:buChar char="•"/>
-            </a:pPr>
-            <a:endParaRPr lang="en-US" dirty="0">
-              <a:latin typeface="Arial" panose="020B0604020202020204" pitchFamily="34" charset="0"/>
-              <a:cs typeface="Arial" panose="020B0604020202020204" pitchFamily="34" charset="0"/>
-            </a:endParaRPr>
-          </a:p>
-          <a:p>
-            <a:pPr marL="285750" indent="-285750">
-              <a:buFont typeface="Arial" panose="020B0604020202020204" pitchFamily="34" charset="0"/>
-              <a:buChar char="•"/>
-            </a:pPr>
-            <a:r>
-              <a:rPr lang="en-US" b="1" dirty="0">
-                <a:latin typeface="Arial" panose="020B0604020202020204" pitchFamily="34" charset="0"/>
-                <a:cs typeface="Arial" panose="020B0604020202020204" pitchFamily="34" charset="0"/>
-              </a:rPr>
-              <a:t>Conduct Comparative Analysis of Deep Learning Models: </a:t>
-            </a:r>
-            <a:r>
-              <a:rPr lang="en-US" dirty="0">
-                <a:latin typeface="Arial" panose="020B0604020202020204" pitchFamily="34" charset="0"/>
-                <a:cs typeface="Arial" panose="020B0604020202020204" pitchFamily="34" charset="0"/>
-              </a:rPr>
-              <a:t>Perform a comprehensive comparative analysis of various deep learning models. Evaluate their performance based on the accuracy of the results they produce. This analysis will provide insights into the effectiveness of different models under specific conditions.</a:t>
-            </a:r>
-          </a:p>
-        </p:txBody>
-      </p:sp>
-    </p:spTree>
-    <p:extLst>
-      <p:ext uri="{BB962C8B-B14F-4D97-AF65-F5344CB8AC3E}">
-        <p14:creationId xmlns:p14="http://schemas.microsoft.com/office/powerpoint/2010/main" val="2314005441"/>
       </p:ext>
     </p:extLst>
   </p:cSld>

--- a/Presentation.pptx
+++ b/Presentation.pptx
@@ -2651,7 +2651,7 @@
         <p:spPr>
           <a:xfrm>
             <a:off x="325927" y="986093"/>
-            <a:ext cx="9901002" cy="984885"/>
+            <a:ext cx="9901002" cy="1138773"/>
           </a:xfrm>
           <a:prstGeom prst="rect">
             <a:avLst/>
@@ -2665,7 +2665,7 @@
           <a:lstStyle/>
           <a:p>
             <a:r>
-              <a:rPr lang="en-US" sz="2000" dirty="0">
+              <a:rPr lang="en-US" sz="2400" dirty="0">
                 <a:solidFill>
                   <a:srgbClr val="FF0000"/>
                 </a:solidFill>
@@ -2676,14 +2676,350 @@
             </a:r>
           </a:p>
           <a:p>
-            <a:endParaRPr lang="en-US" sz="2000" dirty="0">
+            <a:endParaRPr lang="en-US" sz="2400" dirty="0">
               <a:latin typeface="Arial" panose="020B0604020202020204" pitchFamily="34" charset="0"/>
               <a:cs typeface="Arial" panose="020B0604020202020204" pitchFamily="34" charset="0"/>
             </a:endParaRPr>
           </a:p>
           <a:p>
-            <a:endParaRPr lang="en-IN" dirty="0">
+            <a:endParaRPr lang="en-IN" sz="2000" dirty="0">
               <a:latin typeface="Arial" panose="020B0604020202020204" pitchFamily="34" charset="0"/>
+              <a:cs typeface="Arial" panose="020B0604020202020204" pitchFamily="34" charset="0"/>
+            </a:endParaRPr>
+          </a:p>
+        </p:txBody>
+      </p:sp>
+      <p:sp>
+        <p:nvSpPr>
+          <p:cNvPr id="5" name="TextBox 4">
+            <a:extLst>
+              <a:ext uri="{FF2B5EF4-FFF2-40B4-BE49-F238E27FC236}">
+                <a16:creationId xmlns:a16="http://schemas.microsoft.com/office/drawing/2014/main" id="{29BBE328-515D-7FB3-4863-C98E9D182DCF}"/>
+              </a:ext>
+            </a:extLst>
+          </p:cNvPr>
+          <p:cNvSpPr txBox="1"/>
+          <p:nvPr/>
+        </p:nvSpPr>
+        <p:spPr>
+          <a:xfrm>
+            <a:off x="325927" y="1571955"/>
+            <a:ext cx="11305900" cy="4524315"/>
+          </a:xfrm>
+          <a:prstGeom prst="rect">
+            <a:avLst/>
+          </a:prstGeom>
+          <a:noFill/>
+        </p:spPr>
+        <p:txBody>
+          <a:bodyPr wrap="square">
+            <a:spAutoFit/>
+          </a:bodyPr>
+          <a:lstStyle/>
+          <a:p>
+            <a:pPr marL="0" marR="0" lvl="0" indent="0" algn="l" defTabSz="914400" rtl="0" eaLnBrk="1" fontAlgn="auto" latinLnBrk="0" hangingPunct="1">
+              <a:lnSpc>
+                <a:spcPct val="100000"/>
+              </a:lnSpc>
+              <a:spcBef>
+                <a:spcPts val="0"/>
+              </a:spcBef>
+              <a:spcAft>
+                <a:spcPts val="0"/>
+              </a:spcAft>
+              <a:buClrTx/>
+              <a:buSzTx/>
+              <a:buFontTx/>
+              <a:buNone/>
+              <a:tabLst/>
+              <a:defRPr/>
+            </a:pPr>
+            <a:r>
+              <a:rPr lang="en-US" dirty="0">
+                <a:latin typeface="Arial" panose="020B0604020202020204" pitchFamily="34" charset="0"/>
+                <a:cs typeface="Arial" panose="020B0604020202020204" pitchFamily="34" charset="0"/>
+                <a:hlinkClick r:id="rId2"/>
+              </a:rPr>
+              <a:t>[1]Aslam, S., &amp; Rabie, T. F. (2023, February). Principal Component Analysis in Image Classification: A review. In 2023 Advances in Science and Engineering Technology International Conferences (ASET) (pp. 1-7). </a:t>
+            </a:r>
+            <a:r>
+              <a:rPr lang="en-US">
+                <a:latin typeface="Arial" panose="020B0604020202020204" pitchFamily="34" charset="0"/>
+                <a:cs typeface="Arial" panose="020B0604020202020204" pitchFamily="34" charset="0"/>
+                <a:hlinkClick r:id="rId2"/>
+              </a:rPr>
+              <a:t>IEEE.</a:t>
+            </a:r>
+            <a:endParaRPr lang="en-US" dirty="0">
+              <a:latin typeface="Arial" panose="020B0604020202020204" pitchFamily="34" charset="0"/>
+              <a:cs typeface="Arial" panose="020B0604020202020204" pitchFamily="34" charset="0"/>
+            </a:endParaRPr>
+          </a:p>
+          <a:p>
+            <a:pPr marL="0" marR="0" lvl="0" indent="0" algn="l" defTabSz="914400" rtl="0" eaLnBrk="1" fontAlgn="auto" latinLnBrk="0" hangingPunct="1">
+              <a:lnSpc>
+                <a:spcPct val="100000"/>
+              </a:lnSpc>
+              <a:spcBef>
+                <a:spcPts val="0"/>
+              </a:spcBef>
+              <a:spcAft>
+                <a:spcPts val="0"/>
+              </a:spcAft>
+              <a:buClrTx/>
+              <a:buSzTx/>
+              <a:buFontTx/>
+              <a:buNone/>
+              <a:tabLst/>
+              <a:defRPr/>
+            </a:pPr>
+            <a:endParaRPr kumimoji="0" lang="en-US" b="0" i="0" u="none" strike="noStrike" kern="1200" cap="none" spc="0" normalizeH="0" baseline="0" noProof="0" dirty="0">
+              <a:ln>
+                <a:noFill/>
+              </a:ln>
+              <a:effectLst/>
+              <a:uLnTx/>
+              <a:uFillTx/>
+              <a:latin typeface="Arial" panose="020B0604020202020204" pitchFamily="34" charset="0"/>
+              <a:ea typeface="+mn-ea"/>
+              <a:cs typeface="Arial" panose="020B0604020202020204" pitchFamily="34" charset="0"/>
+            </a:endParaRPr>
+          </a:p>
+          <a:p>
+            <a:pPr>
+              <a:defRPr/>
+            </a:pPr>
+            <a:r>
+              <a:rPr lang="en-US" dirty="0">
+                <a:latin typeface="Arial" panose="020B0604020202020204" pitchFamily="34" charset="0"/>
+                <a:cs typeface="Arial" panose="020B0604020202020204" pitchFamily="34" charset="0"/>
+                <a:hlinkClick r:id="rId3"/>
+              </a:rPr>
+              <a:t>[2] Chitra, P., Srilatha, K., Sumathi, M., </a:t>
+            </a:r>
+            <a:r>
+              <a:rPr lang="en-US" dirty="0" err="1">
+                <a:latin typeface="Arial" panose="020B0604020202020204" pitchFamily="34" charset="0"/>
+                <a:cs typeface="Arial" panose="020B0604020202020204" pitchFamily="34" charset="0"/>
+                <a:hlinkClick r:id="rId3"/>
+              </a:rPr>
+              <a:t>Jayasudha</a:t>
+            </a:r>
+            <a:r>
+              <a:rPr lang="en-US" dirty="0">
+                <a:latin typeface="Arial" panose="020B0604020202020204" pitchFamily="34" charset="0"/>
+                <a:cs typeface="Arial" panose="020B0604020202020204" pitchFamily="34" charset="0"/>
+                <a:hlinkClick r:id="rId3"/>
+              </a:rPr>
+              <a:t>, F. V., </a:t>
+            </a:r>
+            <a:r>
+              <a:rPr lang="en-US" dirty="0" err="1">
+                <a:latin typeface="Arial" panose="020B0604020202020204" pitchFamily="34" charset="0"/>
+                <a:cs typeface="Arial" panose="020B0604020202020204" pitchFamily="34" charset="0"/>
+                <a:hlinkClick r:id="rId3"/>
+              </a:rPr>
+              <a:t>Bernatin</a:t>
+            </a:r>
+            <a:r>
+              <a:rPr lang="en-US" dirty="0">
+                <a:latin typeface="Arial" panose="020B0604020202020204" pitchFamily="34" charset="0"/>
+                <a:cs typeface="Arial" panose="020B0604020202020204" pitchFamily="34" charset="0"/>
+                <a:hlinkClick r:id="rId3"/>
+              </a:rPr>
+              <a:t>, T., &amp; Jagadeesh, M. (2023, March). Classification of Ultrasound PCOS Image using Deep Learning based Hybrid Models. In 2023 Second International Conference on Electronics and Renewable Systems (ICEARS) (pp. 1389-1394). IEEE.</a:t>
+            </a:r>
+            <a:endParaRPr kumimoji="0" lang="en-US" b="0" i="0" u="none" strike="noStrike" kern="1200" cap="none" spc="0" normalizeH="0" baseline="0" noProof="0" dirty="0">
+              <a:ln>
+                <a:noFill/>
+              </a:ln>
+              <a:effectLst/>
+              <a:uLnTx/>
+              <a:uFillTx/>
+              <a:latin typeface="Arial" panose="020B0604020202020204" pitchFamily="34" charset="0"/>
+              <a:ea typeface="+mn-ea"/>
+              <a:cs typeface="Arial" panose="020B0604020202020204" pitchFamily="34" charset="0"/>
+            </a:endParaRPr>
+          </a:p>
+          <a:p>
+            <a:pPr marL="0" marR="0" lvl="0" indent="0" algn="l" defTabSz="914400" rtl="0" eaLnBrk="1" fontAlgn="auto" latinLnBrk="0" hangingPunct="1">
+              <a:lnSpc>
+                <a:spcPct val="100000"/>
+              </a:lnSpc>
+              <a:spcBef>
+                <a:spcPts val="0"/>
+              </a:spcBef>
+              <a:spcAft>
+                <a:spcPts val="0"/>
+              </a:spcAft>
+              <a:buClrTx/>
+              <a:buSzTx/>
+              <a:buFontTx/>
+              <a:buNone/>
+              <a:tabLst/>
+              <a:defRPr/>
+            </a:pPr>
+            <a:endParaRPr kumimoji="0" lang="en-US" b="0" i="0" u="none" strike="noStrike" kern="1200" cap="none" spc="0" normalizeH="0" baseline="0" noProof="0" dirty="0">
+              <a:ln>
+                <a:noFill/>
+              </a:ln>
+              <a:effectLst/>
+              <a:uLnTx/>
+              <a:uFillTx/>
+              <a:latin typeface="Arial" panose="020B0604020202020204" pitchFamily="34" charset="0"/>
+              <a:ea typeface="+mn-ea"/>
+              <a:cs typeface="Arial" panose="020B0604020202020204" pitchFamily="34" charset="0"/>
+            </a:endParaRPr>
+          </a:p>
+          <a:p>
+            <a:pPr>
+              <a:defRPr/>
+            </a:pPr>
+            <a:r>
+              <a:rPr lang="en-US" dirty="0">
+                <a:latin typeface="Arial" panose="020B0604020202020204" pitchFamily="34" charset="0"/>
+                <a:cs typeface="Arial" panose="020B0604020202020204" pitchFamily="34" charset="0"/>
+                <a:hlinkClick r:id="rId4"/>
+              </a:rPr>
+              <a:t>[3] </a:t>
+            </a:r>
+            <a:r>
+              <a:rPr lang="en-US" dirty="0" err="1">
+                <a:latin typeface="Arial" panose="020B0604020202020204" pitchFamily="34" charset="0"/>
+                <a:cs typeface="Arial" panose="020B0604020202020204" pitchFamily="34" charset="0"/>
+                <a:hlinkClick r:id="rId4"/>
+              </a:rPr>
+              <a:t>Suha</a:t>
+            </a:r>
+            <a:r>
+              <a:rPr lang="en-US" dirty="0">
+                <a:latin typeface="Arial" panose="020B0604020202020204" pitchFamily="34" charset="0"/>
+                <a:cs typeface="Arial" panose="020B0604020202020204" pitchFamily="34" charset="0"/>
+                <a:hlinkClick r:id="rId4"/>
+              </a:rPr>
+              <a:t>, S. A., &amp; Islam, M. N. (2022). An extended machine learning technique for polycystic ovary syndrome detection using ovary ultrasound image. Scientific Reports, 12(1), 17123.</a:t>
+            </a:r>
+            <a:endParaRPr lang="en-US" dirty="0">
+              <a:latin typeface="Arial" panose="020B0604020202020204" pitchFamily="34" charset="0"/>
+              <a:cs typeface="Arial" panose="020B0604020202020204" pitchFamily="34" charset="0"/>
+            </a:endParaRPr>
+          </a:p>
+          <a:p>
+            <a:pPr>
+              <a:defRPr/>
+            </a:pPr>
+            <a:endParaRPr lang="en-US" dirty="0">
+              <a:latin typeface="Arial" panose="020B0604020202020204" pitchFamily="34" charset="0"/>
+              <a:cs typeface="Arial" panose="020B0604020202020204" pitchFamily="34" charset="0"/>
+              <a:hlinkClick r:id="rId5"/>
+            </a:endParaRPr>
+          </a:p>
+          <a:p>
+            <a:pPr>
+              <a:defRPr/>
+            </a:pPr>
+            <a:r>
+              <a:rPr lang="en-US" dirty="0">
+                <a:latin typeface="Arial" panose="020B0604020202020204" pitchFamily="34" charset="0"/>
+                <a:cs typeface="Arial" panose="020B0604020202020204" pitchFamily="34" charset="0"/>
+                <a:hlinkClick r:id="rId5"/>
+              </a:rPr>
+              <a:t>[4] </a:t>
+            </a:r>
+            <a:r>
+              <a:rPr lang="en-US" dirty="0">
+                <a:latin typeface="Arial" panose="020B0604020202020204" pitchFamily="34" charset="0"/>
+                <a:cs typeface="Arial" panose="020B0604020202020204" pitchFamily="34" charset="0"/>
+                <a:hlinkClick r:id="rId5"/>
+              </a:rPr>
+              <a:t>Aggarwal, A., Mittal, M., &amp; </a:t>
+            </a:r>
+            <a:r>
+              <a:rPr lang="en-US" dirty="0" err="1">
+                <a:latin typeface="Arial" panose="020B0604020202020204" pitchFamily="34" charset="0"/>
+                <a:cs typeface="Arial" panose="020B0604020202020204" pitchFamily="34" charset="0"/>
+                <a:hlinkClick r:id="rId5"/>
+              </a:rPr>
+              <a:t>Battineni</a:t>
+            </a:r>
+            <a:r>
+              <a:rPr lang="en-US" dirty="0">
+                <a:latin typeface="Arial" panose="020B0604020202020204" pitchFamily="34" charset="0"/>
+                <a:cs typeface="Arial" panose="020B0604020202020204" pitchFamily="34" charset="0"/>
+                <a:hlinkClick r:id="rId5"/>
+              </a:rPr>
+              <a:t>, G. (2021). Generative adversarial network: An overview of theory and applications. International Journal of Information Management Data Insights, 1(1), 100004.</a:t>
+            </a:r>
+            <a:endParaRPr lang="en-US" dirty="0">
+              <a:latin typeface="Arial" panose="020B0604020202020204" pitchFamily="34" charset="0"/>
+              <a:cs typeface="Arial" panose="020B0604020202020204" pitchFamily="34" charset="0"/>
+            </a:endParaRPr>
+          </a:p>
+          <a:p>
+            <a:pPr>
+              <a:defRPr/>
+            </a:pPr>
+            <a:endParaRPr lang="en-US" dirty="0">
+              <a:latin typeface="Arial" panose="020B0604020202020204" pitchFamily="34" charset="0"/>
+              <a:cs typeface="Arial" panose="020B0604020202020204" pitchFamily="34" charset="0"/>
+            </a:endParaRPr>
+          </a:p>
+          <a:p>
+            <a:pPr>
+              <a:defRPr/>
+            </a:pPr>
+            <a:r>
+              <a:rPr lang="en-US" dirty="0">
+                <a:latin typeface="Arial" panose="020B0604020202020204" pitchFamily="34" charset="0"/>
+                <a:cs typeface="Arial" panose="020B0604020202020204" pitchFamily="34" charset="0"/>
+                <a:hlinkClick r:id="rId6"/>
+              </a:rPr>
+              <a:t>[5]</a:t>
+            </a:r>
+            <a:r>
+              <a:rPr lang="en-US" dirty="0">
+                <a:hlinkClick r:id="rId6"/>
+              </a:rPr>
+              <a:t> </a:t>
+            </a:r>
+            <a:r>
+              <a:rPr lang="en-US" dirty="0">
+                <a:hlinkClick r:id="rId6"/>
+              </a:rPr>
+              <a:t>Sumathi, M., Chitra, P., Prabha, R. S., &amp; Srilatha, K. (2021, February). Study and detection of PCOS related diseases using CNN. In IOP Conference Series: Materials Science and Engineering (Vol. 1070, No. 1, p. 012062). IOP Publishing.</a:t>
+            </a:r>
+            <a:endParaRPr lang="en-US" dirty="0">
+              <a:latin typeface="Arial" panose="020B0604020202020204" pitchFamily="34" charset="0"/>
+              <a:cs typeface="Arial" panose="020B0604020202020204" pitchFamily="34" charset="0"/>
+            </a:endParaRPr>
+          </a:p>
+          <a:p>
+            <a:pPr marL="0" marR="0" lvl="0" indent="0" algn="l" defTabSz="914400" rtl="0" eaLnBrk="1" fontAlgn="auto" latinLnBrk="0" hangingPunct="1">
+              <a:lnSpc>
+                <a:spcPct val="100000"/>
+              </a:lnSpc>
+              <a:spcBef>
+                <a:spcPts val="0"/>
+              </a:spcBef>
+              <a:spcAft>
+                <a:spcPts val="0"/>
+              </a:spcAft>
+              <a:buClrTx/>
+              <a:buSzTx/>
+              <a:buFontTx/>
+              <a:buNone/>
+              <a:tabLst/>
+              <a:defRPr/>
+            </a:pPr>
+            <a:endParaRPr kumimoji="0" lang="en-US" b="0" i="0" u="none" strike="noStrike" kern="1200" cap="none" spc="0" normalizeH="0" baseline="0" noProof="0" dirty="0">
+              <a:ln>
+                <a:noFill/>
+              </a:ln>
+              <a:effectLst/>
+              <a:uLnTx/>
+              <a:uFillTx/>
+              <a:latin typeface="Arial" panose="020B0604020202020204" pitchFamily="34" charset="0"/>
+              <a:ea typeface="+mn-ea"/>
               <a:cs typeface="Arial" panose="020B0604020202020204" pitchFamily="34" charset="0"/>
             </a:endParaRPr>
           </a:p>
@@ -3826,8 +4162,8 @@
         </p:nvSpPr>
         <p:spPr>
           <a:xfrm>
-            <a:off x="234487" y="1278485"/>
-            <a:ext cx="11056775" cy="5324535"/>
+            <a:off x="234487" y="1558574"/>
+            <a:ext cx="11056775" cy="3970318"/>
           </a:xfrm>
           <a:prstGeom prst="rect">
             <a:avLst/>
@@ -3858,7 +4194,7 @@
               <a:defRPr/>
             </a:pPr>
             <a:r>
-              <a:rPr lang="en-US" sz="2000" dirty="0">
+              <a:rPr lang="en-US" dirty="0">
                 <a:latin typeface="Arial" panose="020B0604020202020204" pitchFamily="34" charset="0"/>
                 <a:cs typeface="Arial" panose="020B0604020202020204" pitchFamily="34" charset="0"/>
               </a:rPr>
@@ -3883,49 +4219,35 @@
               <a:tabLst/>
               <a:defRPr/>
             </a:pPr>
-            <a:endParaRPr kumimoji="0" lang="en-US" sz="2000" b="0" i="0" u="none" strike="noStrike" kern="1200" cap="none" spc="0" normalizeH="0" baseline="0" noProof="0" dirty="0">
-              <a:ln>
-                <a:noFill/>
-              </a:ln>
-              <a:effectLst/>
-              <a:uLnTx/>
-              <a:uFillTx/>
+            <a:endParaRPr lang="en-US" dirty="0">
               <a:latin typeface="Arial" panose="020B0604020202020204" pitchFamily="34" charset="0"/>
-              <a:ea typeface="+mn-ea"/>
               <a:cs typeface="Arial" panose="020B0604020202020204" pitchFamily="34" charset="0"/>
             </a:endParaRPr>
           </a:p>
           <a:p>
-            <a:pPr marL="0" marR="0" lvl="0" indent="0" algn="l" defTabSz="914400" rtl="0" eaLnBrk="1" fontAlgn="auto" latinLnBrk="0" hangingPunct="1">
-              <a:lnSpc>
-                <a:spcPct val="100000"/>
-              </a:lnSpc>
-              <a:spcBef>
-                <a:spcPts val="0"/>
-              </a:spcBef>
-              <a:spcAft>
-                <a:spcPts val="0"/>
-              </a:spcAft>
-              <a:buClrTx/>
-              <a:buSzTx/>
-              <a:buFontTx/>
-              <a:buNone/>
-              <a:tabLst/>
+            <a:pPr>
               <a:defRPr/>
             </a:pPr>
             <a:r>
-              <a:rPr kumimoji="0" lang="en-US" sz="2000" b="0" i="0" u="none" strike="noStrike" kern="1200" cap="none" spc="0" normalizeH="0" baseline="0" noProof="0" dirty="0">
-                <a:ln>
-                  <a:noFill/>
-                </a:ln>
-                <a:effectLst/>
-                <a:uLnTx/>
-                <a:uFillTx/>
-                <a:latin typeface="Arial" panose="020B0604020202020204" pitchFamily="34" charset="0"/>
-                <a:ea typeface="+mn-ea"/>
-                <a:cs typeface="Arial" panose="020B0604020202020204" pitchFamily="34" charset="0"/>
-              </a:rPr>
-              <a:t>Generative Adversarial Networks (GANs) [2] in image processing, emphasizing their role in generating realistic images through adversarial training. One of the impactful applications of Generative Adversarial Networks (GANs) in medical imaging, specifically in enhancing ultrasound image resolution. GANs integrated with deep learning models facilitate end-to-end encoding and decoding processes, enabling the generation of high-resolution images from routinely captured prostate ultrasound scans. Moreover, GANs are useful in creating different types of abnormalities in medical images, even when there are only a few examples available for each abnormality. The incorporation of deep convolutional GANs further enables the transformation of 2D images into 3D, expediting the analysis of medical images.</a:t>
+              <a:rPr lang="en-US" dirty="0">
+                <a:latin typeface="Arial" panose="020B0604020202020204" pitchFamily="34" charset="0"/>
+                <a:cs typeface="Arial" panose="020B0604020202020204" pitchFamily="34" charset="0"/>
+              </a:rPr>
+              <a:t>[2] underscores the potential of advanced deep learning models, including </a:t>
+            </a:r>
+            <a:r>
+              <a:rPr lang="en-US" dirty="0" err="1">
+                <a:latin typeface="Arial" panose="020B0604020202020204" pitchFamily="34" charset="0"/>
+                <a:cs typeface="Arial" panose="020B0604020202020204" pitchFamily="34" charset="0"/>
+              </a:rPr>
+              <a:t>Alexnet</a:t>
+            </a:r>
+            <a:r>
+              <a:rPr lang="en-US" dirty="0">
+                <a:latin typeface="Arial" panose="020B0604020202020204" pitchFamily="34" charset="0"/>
+                <a:cs typeface="Arial" panose="020B0604020202020204" pitchFamily="34" charset="0"/>
+              </a:rPr>
+              <a:t>, Inception V3, Resnet50, and VGG16, in enhancing the accuracy of Polycystic Ovary Syndrome (PCOS) diagnosis from ultrasound images. The utilization of transfer learning techniques, particularly in the medical field, showcases the effectiveness of pre-trained models in image analysis. Additionally, feature selection, image pre-processing, and evaluation metrics like precision, recall, sensitivity, specificity, and F1 score play crucial roles in fine-tuning and evaluating the models. This research contributes significantly to advancing automated PCOS diagnosis, offering potential benefits for timely and accurate medical interventions.</a:t>
             </a:r>
           </a:p>
         </p:txBody>
@@ -3945,7 +4267,7 @@
         <p:spPr>
           <a:xfrm>
             <a:off x="234487" y="861393"/>
-            <a:ext cx="2005677" cy="646331"/>
+            <a:ext cx="2616422" cy="830997"/>
           </a:xfrm>
           <a:prstGeom prst="rect">
             <a:avLst/>
@@ -3959,7 +4281,7 @@
           <a:lstStyle/>
           <a:p>
             <a:r>
-              <a:rPr kumimoji="0" lang="en-US" sz="1800" b="0" i="0" u="none" strike="noStrike" kern="1200" cap="none" spc="0" normalizeH="0" baseline="0" noProof="0" dirty="0">
+              <a:rPr kumimoji="0" lang="en-US" sz="2400" b="0" i="0" u="none" strike="noStrike" kern="1200" cap="none" spc="0" normalizeH="0" baseline="0" noProof="0" dirty="0">
                 <a:ln>
                   <a:noFill/>
                 </a:ln>
@@ -3975,7 +4297,7 @@
               </a:rPr>
               <a:t>Cite Related work</a:t>
             </a:r>
-            <a:endParaRPr lang="en-US" sz="1800" dirty="0">
+            <a:endParaRPr lang="en-US" sz="2400" dirty="0">
               <a:solidFill>
                 <a:srgbClr val="FF0000"/>
               </a:solidFill>
@@ -3984,7 +4306,7 @@
             </a:endParaRPr>
           </a:p>
           <a:p>
-            <a:endParaRPr lang="en-IN" dirty="0"/>
+            <a:endParaRPr lang="en-IN" sz="2400" dirty="0"/>
           </a:p>
         </p:txBody>
       </p:sp>
@@ -4079,8 +4401,8 @@
         </p:nvSpPr>
         <p:spPr>
           <a:xfrm>
-            <a:off x="234487" y="992022"/>
-            <a:ext cx="11056775" cy="5324535"/>
+            <a:off x="234487" y="1140304"/>
+            <a:ext cx="11056775" cy="5078313"/>
           </a:xfrm>
           <a:prstGeom prst="rect">
             <a:avLst/>
@@ -4111,11 +4433,11 @@
               <a:defRPr/>
             </a:pPr>
             <a:r>
-              <a:rPr lang="en-US" sz="2000" dirty="0">
-                <a:latin typeface="Arial" panose="020B0604020202020204" pitchFamily="34" charset="0"/>
-                <a:cs typeface="Arial" panose="020B0604020202020204" pitchFamily="34" charset="0"/>
-              </a:rPr>
-              <a:t>Research paper [3] proposes a pioneering approach for Polycystic Ovary Syndrome (PCOS) detection using a hybrid method that combines deep learning and traditional machine learning techniques. The study utilizes transfer learning with a pre-trained VGG16 model for feature extraction from ultrasound images. Compared to existing methods, the proposed approach achieves a remarkable accuracy in PCOS detection with efficient execution. While the method shows certain limitations that include a small dataset and challenges in explaining the model's decisions. The main aim of this research is to address such health issues and explore applications in detecting other clinical disorders.</a:t>
+              <a:rPr lang="en-US" dirty="0">
+                <a:latin typeface="Arial" panose="020B0604020202020204" pitchFamily="34" charset="0"/>
+                <a:cs typeface="Arial" panose="020B0604020202020204" pitchFamily="34" charset="0"/>
+              </a:rPr>
+              <a:t> [3] proposes a pioneering approach for Polycystic Ovary Syndrome (PCOS) detection using a hybrid method that combines deep learning and traditional machine learning techniques. The study utilizes transfer learning with a pre-trained VGG16 model for feature extraction from ultrasound images. Compared to existing methods, the proposed approach achieves a remarkable accuracy in PCOS detection with efficient execution. While the method shows certain limitations that include a small dataset and challenges in explaining the model's decisions. The main aim of this research is to address such health issues and explore applications in detecting other clinical disorders.</a:t>
             </a:r>
           </a:p>
           <a:p>
@@ -4136,10 +4458,50 @@
               <a:tabLst/>
               <a:defRPr/>
             </a:pPr>
-            <a:endParaRPr lang="en-US" sz="2000" dirty="0">
+            <a:endParaRPr lang="en-US" dirty="0">
               <a:latin typeface="Arial" panose="020B0604020202020204" pitchFamily="34" charset="0"/>
               <a:cs typeface="Arial" panose="020B0604020202020204" pitchFamily="34" charset="0"/>
             </a:endParaRPr>
+          </a:p>
+          <a:p>
+            <a:pPr>
+              <a:defRPr/>
+            </a:pPr>
+            <a:r>
+              <a:rPr kumimoji="0" lang="en-US" b="0" i="0" u="none" strike="noStrike" kern="1200" cap="none" spc="0" normalizeH="0" baseline="0" noProof="0" dirty="0">
+                <a:ln>
+                  <a:noFill/>
+                </a:ln>
+                <a:effectLst/>
+                <a:uLnTx/>
+                <a:uFillTx/>
+                <a:latin typeface="Arial" panose="020B0604020202020204" pitchFamily="34" charset="0"/>
+                <a:ea typeface="+mn-ea"/>
+                <a:cs typeface="Arial" panose="020B0604020202020204" pitchFamily="34" charset="0"/>
+              </a:rPr>
+              <a:t>Generative Adversarial Networks (GANs) in [4] </a:t>
+            </a:r>
+            <a:r>
+              <a:rPr lang="en-US" dirty="0">
+                <a:latin typeface="Arial" panose="020B0604020202020204" pitchFamily="34" charset="0"/>
+                <a:cs typeface="Arial" panose="020B0604020202020204" pitchFamily="34" charset="0"/>
+              </a:rPr>
+              <a:t>uses</a:t>
+            </a:r>
+            <a:r>
+              <a:rPr kumimoji="0" lang="en-US" b="0" i="0" u="none" strike="noStrike" kern="1200" cap="none" spc="0" normalizeH="0" baseline="0" noProof="0" dirty="0">
+                <a:ln>
+                  <a:noFill/>
+                </a:ln>
+                <a:effectLst/>
+                <a:uLnTx/>
+                <a:uFillTx/>
+                <a:latin typeface="Arial" panose="020B0604020202020204" pitchFamily="34" charset="0"/>
+                <a:ea typeface="+mn-ea"/>
+                <a:cs typeface="Arial" panose="020B0604020202020204" pitchFamily="34" charset="0"/>
+              </a:rPr>
+              <a:t> image processing, emphasizing their role in generating realistic images through adversarial training. One of the impactful applications of Generative Adversarial Networks (GANs) in medical imaging, specifically in enhancing ultrasound image resolution. GANs integrated with deep learning models facilitate end-to-end encoding and decoding processes, enabling the generation of high-resolution images from routinely captured prostate ultrasound scans. Moreover, GANs are useful in creating different types of abnormalities in medical images, even when there are only a few examples available for each abnormality. The incorporation of deep convolutional GANs further enables the transformation of 2D images into 3D, expediting the analysis of medical images.</a:t>
+            </a:r>
           </a:p>
           <a:p>
             <a:pPr marL="0" marR="0" lvl="0" indent="0" algn="l" defTabSz="914400" rtl="0" eaLnBrk="1" fontAlgn="auto" latinLnBrk="0" hangingPunct="1">
@@ -4159,13 +4521,33 @@
               <a:tabLst/>
               <a:defRPr/>
             </a:pPr>
-            <a:r>
-              <a:rPr lang="en-US" sz="2000" dirty="0">
-                <a:latin typeface="Arial" panose="020B0604020202020204" pitchFamily="34" charset="0"/>
-                <a:cs typeface="Arial" panose="020B0604020202020204" pitchFamily="34" charset="0"/>
-              </a:rPr>
-              <a:t>Using Convolutional Neural Networks (CNN) as an image classifier, utilizing feature extraction [4] methods to effectively detect ovarian cysts in ultrasound images. The algorithm is trained on a dataset, using input ultrasound images as training data. It classifies test data within the dataset to determine if the ovary is affected, providing critical information on parameters such as area, solidity, extent, and perimeter affected by the cysts. This approach enhances diagnostic capabilities, showcasing the potential of CNNs in medical image analysis for precise identification and characterization of ovarian abnormalities, particularly in the context of disorders like Polycystic Ovary Syndrome (PCOS).</a:t>
-            </a:r>
+            <a:endParaRPr lang="en-US" dirty="0">
+              <a:latin typeface="Arial" panose="020B0604020202020204" pitchFamily="34" charset="0"/>
+              <a:cs typeface="Arial" panose="020B0604020202020204" pitchFamily="34" charset="0"/>
+            </a:endParaRPr>
+          </a:p>
+          <a:p>
+            <a:pPr marL="0" marR="0" lvl="0" indent="0" algn="l" defTabSz="914400" rtl="0" eaLnBrk="1" fontAlgn="auto" latinLnBrk="0" hangingPunct="1">
+              <a:lnSpc>
+                <a:spcPct val="100000"/>
+              </a:lnSpc>
+              <a:spcBef>
+                <a:spcPts val="0"/>
+              </a:spcBef>
+              <a:spcAft>
+                <a:spcPts val="0"/>
+              </a:spcAft>
+              <a:buClrTx/>
+              <a:buSzTx/>
+              <a:buFontTx/>
+              <a:buNone/>
+              <a:tabLst/>
+              <a:defRPr/>
+            </a:pPr>
+            <a:endParaRPr lang="en-US" dirty="0">
+              <a:latin typeface="Arial" panose="020B0604020202020204" pitchFamily="34" charset="0"/>
+              <a:cs typeface="Arial" panose="020B0604020202020204" pitchFamily="34" charset="0"/>
+            </a:endParaRPr>
           </a:p>
         </p:txBody>
       </p:sp>
@@ -4248,10 +4630,10 @@
       </p:sp>
       <p:sp>
         <p:nvSpPr>
-          <p:cNvPr id="3" name="TextBox 2">
+          <p:cNvPr id="5" name="TextBox 4">
             <a:extLst>
               <a:ext uri="{FF2B5EF4-FFF2-40B4-BE49-F238E27FC236}">
-                <a16:creationId xmlns:a16="http://schemas.microsoft.com/office/drawing/2014/main" id="{AC5F1411-EFBD-DBD3-22E2-9F49AD30672D}"/>
+                <a16:creationId xmlns:a16="http://schemas.microsoft.com/office/drawing/2014/main" id="{9FFCBB66-BB4F-C6DC-000A-2A1D04E8F727}"/>
               </a:ext>
             </a:extLst>
           </p:cNvPr>
@@ -4260,8 +4642,8 @@
         </p:nvSpPr>
         <p:spPr>
           <a:xfrm>
-            <a:off x="234487" y="1048005"/>
-            <a:ext cx="11056775" cy="2554545"/>
+            <a:off x="164756" y="1180746"/>
+            <a:ext cx="11203460" cy="2031325"/>
           </a:xfrm>
           <a:prstGeom prst="rect">
             <a:avLst/>
@@ -4269,7 +4651,7 @@
           <a:noFill/>
         </p:spPr>
         <p:txBody>
-          <a:bodyPr wrap="square" rtlCol="0">
+          <a:bodyPr wrap="square">
             <a:spAutoFit/>
           </a:bodyPr>
           <a:lstStyle/>
@@ -4292,25 +4674,11 @@
               <a:defRPr/>
             </a:pPr>
             <a:r>
-              <a:rPr lang="en-US" sz="2000" dirty="0">
-                <a:latin typeface="Arial" panose="020B0604020202020204" pitchFamily="34" charset="0"/>
-                <a:cs typeface="Arial" panose="020B0604020202020204" pitchFamily="34" charset="0"/>
-              </a:rPr>
-              <a:t>The research [5] underscores the potential of advanced deep learning models, including </a:t>
-            </a:r>
-            <a:r>
-              <a:rPr lang="en-US" sz="2000" dirty="0" err="1">
-                <a:latin typeface="Arial" panose="020B0604020202020204" pitchFamily="34" charset="0"/>
-                <a:cs typeface="Arial" panose="020B0604020202020204" pitchFamily="34" charset="0"/>
-              </a:rPr>
-              <a:t>Alexnet</a:t>
-            </a:r>
-            <a:r>
-              <a:rPr lang="en-US" sz="2000" dirty="0">
-                <a:latin typeface="Arial" panose="020B0604020202020204" pitchFamily="34" charset="0"/>
-                <a:cs typeface="Arial" panose="020B0604020202020204" pitchFamily="34" charset="0"/>
-              </a:rPr>
-              <a:t>, Inception V3, Resnet50, and VGG16, in enhancing the accuracy of Polycystic Ovary Syndrome (PCOS) diagnosis from ultrasound images. The utilization of transfer learning techniques, particularly in the medical field, showcases the effectiveness of pre-trained models in image analysis. Additionally, feature selection, image pre-processing, and evaluation metrics like precision, recall, sensitivity, specificity, and F1 score play crucial roles in fine-tuning and evaluating the models. This research contributes significantly to advancing automated PCOS diagnosis, offering potential benefits for timely and accurate medical interventions.</a:t>
+              <a:rPr lang="en-US" dirty="0">
+                <a:latin typeface="Arial" panose="020B0604020202020204" pitchFamily="34" charset="0"/>
+                <a:cs typeface="Arial" panose="020B0604020202020204" pitchFamily="34" charset="0"/>
+              </a:rPr>
+              <a:t>Using Convolutional Neural Networks (CNN) as an image classifier, utilizing feature extraction [5] attempts  to effectively detect ovarian cysts in ultrasound images. The algorithm is trained on a dataset, using input ultrasound images as training data. It classifies test data within the dataset to determine if the ovary is affected, providing critical information on parameters such as area, solidity, extent, and perimeter affected by the cysts. This approach enhances diagnostic capabilities, showcasing the potential of CNNs in medical image analysis for precise identification and characterization of ovarian abnormalities, particularly in the context of disorders like Polycystic Ovary Syndrome (PCOS).</a:t>
             </a:r>
           </a:p>
         </p:txBody>

--- a/Presentation.pptx
+++ b/Presentation.pptx
@@ -5,7 +5,7 @@
     <p:sldMasterId id="2147483648" r:id="rId1"/>
   </p:sldMasterIdLst>
   <p:notesMasterIdLst>
-    <p:notesMasterId r:id="rId17"/>
+    <p:notesMasterId r:id="rId20"/>
   </p:notesMasterIdLst>
   <p:sldIdLst>
     <p:sldId id="3640" r:id="rId2"/>
@@ -16,13 +16,16 @@
     <p:sldId id="3700" r:id="rId7"/>
     <p:sldId id="3712" r:id="rId8"/>
     <p:sldId id="3713" r:id="rId9"/>
-    <p:sldId id="3711" r:id="rId10"/>
-    <p:sldId id="3701" r:id="rId11"/>
-    <p:sldId id="3702" r:id="rId12"/>
-    <p:sldId id="3710" r:id="rId13"/>
-    <p:sldId id="3709" r:id="rId14"/>
-    <p:sldId id="3706" r:id="rId15"/>
-    <p:sldId id="3641" r:id="rId16"/>
+    <p:sldId id="3716" r:id="rId10"/>
+    <p:sldId id="3711" r:id="rId11"/>
+    <p:sldId id="3701" r:id="rId12"/>
+    <p:sldId id="3702" r:id="rId13"/>
+    <p:sldId id="3710" r:id="rId14"/>
+    <p:sldId id="3709" r:id="rId15"/>
+    <p:sldId id="3714" r:id="rId16"/>
+    <p:sldId id="3715" r:id="rId17"/>
+    <p:sldId id="3706" r:id="rId18"/>
+    <p:sldId id="3641" r:id="rId19"/>
   </p:sldIdLst>
   <p:sldSz cx="12192000" cy="6858000"/>
   <p:notesSz cx="6858000" cy="9144000"/>
@@ -234,7 +237,7 @@
           <a:p>
             <a:fld id="{73E9D15D-1C13-CC45-BE09-4D54E9A973B4}" type="datetimeFigureOut">
               <a:rPr lang="en-US" smtClean="0"/>
-              <a:t>2/21/2024</a:t>
+              <a:t>3/21/2024</a:t>
             </a:fld>
             <a:endParaRPr lang="en-US" dirty="0"/>
           </a:p>
@@ -664,7 +667,7 @@
           <a:p>
             <a:fld id="{FD3D9895-3AFC-9E49-BB6B-D5AF81433D95}" type="datetimeFigureOut">
               <a:rPr lang="en-US" smtClean="0"/>
-              <a:t>2/21/2024</a:t>
+              <a:t>3/21/2024</a:t>
             </a:fld>
             <a:endParaRPr lang="en-US" dirty="0"/>
           </a:p>
@@ -825,7 +828,7 @@
           <a:p>
             <a:fld id="{1703F520-AAB7-4D20-958E-A456239933B0}" type="datetimeFigureOut">
               <a:rPr lang="en-US" smtClean="0"/>
-              <a:t>2/21/2024</a:t>
+              <a:t>3/21/2024</a:t>
             </a:fld>
             <a:endParaRPr lang="en-US" dirty="0"/>
           </a:p>
@@ -1610,6 +1613,188 @@
   <p:cSld>
     <p:spTree>
       <p:nvGrpSpPr>
+        <p:cNvPr id="1" name="">
+          <a:extLst>
+            <a:ext uri="{FF2B5EF4-FFF2-40B4-BE49-F238E27FC236}">
+              <a16:creationId xmlns:a16="http://schemas.microsoft.com/office/drawing/2014/main" id="{B345F2D5-A1A0-C04A-E20D-354EE5E44466}"/>
+            </a:ext>
+          </a:extLst>
+        </p:cNvPr>
+        <p:cNvGrpSpPr/>
+        <p:nvPr/>
+      </p:nvGrpSpPr>
+      <p:grpSpPr>
+        <a:xfrm>
+          <a:off x="0" y="0"/>
+          <a:ext cx="0" cy="0"/>
+          <a:chOff x="0" y="0"/>
+          <a:chExt cx="0" cy="0"/>
+        </a:xfrm>
+      </p:grpSpPr>
+      <p:sp>
+        <p:nvSpPr>
+          <p:cNvPr id="2" name="TextBox 1">
+            <a:extLst>
+              <a:ext uri="{FF2B5EF4-FFF2-40B4-BE49-F238E27FC236}">
+                <a16:creationId xmlns:a16="http://schemas.microsoft.com/office/drawing/2014/main" id="{62E6EDD8-F7B5-B0FE-2C63-56322DCF7E05}"/>
+              </a:ext>
+            </a:extLst>
+          </p:cNvPr>
+          <p:cNvSpPr txBox="1"/>
+          <p:nvPr/>
+        </p:nvSpPr>
+        <p:spPr>
+          <a:xfrm>
+            <a:off x="234487" y="248626"/>
+            <a:ext cx="7530363" cy="584775"/>
+          </a:xfrm>
+          <a:prstGeom prst="rect">
+            <a:avLst/>
+          </a:prstGeom>
+          <a:noFill/>
+        </p:spPr>
+        <p:txBody>
+          <a:bodyPr wrap="square" rtlCol="0">
+            <a:spAutoFit/>
+          </a:bodyPr>
+          <a:lstStyle/>
+          <a:p>
+            <a:r>
+              <a:rPr lang="en-US" sz="3200" b="1" dirty="0">
+                <a:solidFill>
+                  <a:srgbClr val="46B0FA"/>
+                </a:solidFill>
+                <a:latin typeface="Arial" panose="020B0604020202020204" pitchFamily="34" charset="0"/>
+                <a:cs typeface="Arial" panose="020B0604020202020204" pitchFamily="34" charset="0"/>
+              </a:rPr>
+              <a:t>Literature Review</a:t>
+            </a:r>
+          </a:p>
+        </p:txBody>
+      </p:sp>
+      <p:sp>
+        <p:nvSpPr>
+          <p:cNvPr id="3" name="TextBox 2">
+            <a:extLst>
+              <a:ext uri="{FF2B5EF4-FFF2-40B4-BE49-F238E27FC236}">
+                <a16:creationId xmlns:a16="http://schemas.microsoft.com/office/drawing/2014/main" id="{D32FC0C4-BD61-A3B9-3516-8304C9AE43C8}"/>
+              </a:ext>
+            </a:extLst>
+          </p:cNvPr>
+          <p:cNvSpPr txBox="1"/>
+          <p:nvPr/>
+        </p:nvSpPr>
+        <p:spPr>
+          <a:xfrm>
+            <a:off x="302312" y="955468"/>
+            <a:ext cx="9901002" cy="400110"/>
+          </a:xfrm>
+          <a:prstGeom prst="rect">
+            <a:avLst/>
+          </a:prstGeom>
+          <a:noFill/>
+        </p:spPr>
+        <p:txBody>
+          <a:bodyPr wrap="square" rtlCol="0">
+            <a:spAutoFit/>
+          </a:bodyPr>
+          <a:lstStyle/>
+          <a:p>
+            <a:pPr marL="0" marR="0" lvl="0" indent="0" algn="l" defTabSz="914400" rtl="0" eaLnBrk="1" fontAlgn="auto" latinLnBrk="0" hangingPunct="1">
+              <a:lnSpc>
+                <a:spcPct val="100000"/>
+              </a:lnSpc>
+              <a:spcBef>
+                <a:spcPts val="0"/>
+              </a:spcBef>
+              <a:spcAft>
+                <a:spcPts val="0"/>
+              </a:spcAft>
+              <a:buClrTx/>
+              <a:buSzTx/>
+              <a:buFontTx/>
+              <a:buNone/>
+              <a:tabLst/>
+              <a:defRPr/>
+            </a:pPr>
+            <a:r>
+              <a:rPr kumimoji="0" lang="en-US" sz="2000" b="0" i="0" u="none" strike="noStrike" kern="1200" cap="none" spc="0" normalizeH="0" baseline="0" noProof="0" dirty="0">
+                <a:ln>
+                  <a:noFill/>
+                </a:ln>
+                <a:effectLst/>
+                <a:uLnTx/>
+                <a:uFillTx/>
+                <a:latin typeface="Arial" panose="020B0604020202020204" pitchFamily="34" charset="0"/>
+                <a:ea typeface="+mn-ea"/>
+                <a:cs typeface="Arial" panose="020B0604020202020204" pitchFamily="34" charset="0"/>
+              </a:rPr>
+              <a:t>SWOT analysis</a:t>
+            </a:r>
+          </a:p>
+        </p:txBody>
+      </p:sp>
+      <p:pic>
+        <p:nvPicPr>
+          <p:cNvPr id="5" name="Picture 4">
+            <a:extLst>
+              <a:ext uri="{FF2B5EF4-FFF2-40B4-BE49-F238E27FC236}">
+                <a16:creationId xmlns:a16="http://schemas.microsoft.com/office/drawing/2014/main" id="{BDB1F667-6A4F-A1C8-1DCC-72740AF41013}"/>
+              </a:ext>
+            </a:extLst>
+          </p:cNvPr>
+          <p:cNvPicPr>
+            <a:picLocks noChangeAspect="1"/>
+          </p:cNvPicPr>
+          <p:nvPr/>
+        </p:nvPicPr>
+        <p:blipFill>
+          <a:blip r:embed="rId2"/>
+          <a:stretch>
+            <a:fillRect/>
+          </a:stretch>
+        </p:blipFill>
+        <p:spPr>
+          <a:xfrm>
+            <a:off x="2554229" y="1477645"/>
+            <a:ext cx="7344800" cy="4963218"/>
+          </a:xfrm>
+          <a:prstGeom prst="rect">
+            <a:avLst/>
+          </a:prstGeom>
+          <a:ln w="127000" cap="sq">
+            <a:solidFill>
+              <a:srgbClr val="000000"/>
+            </a:solidFill>
+            <a:miter lim="800000"/>
+          </a:ln>
+          <a:effectLst>
+            <a:outerShdw blurRad="57150" dist="50800" dir="2700000" algn="tl" rotWithShape="0">
+              <a:srgbClr val="000000">
+                <a:alpha val="40000"/>
+              </a:srgbClr>
+            </a:outerShdw>
+          </a:effectLst>
+        </p:spPr>
+      </p:pic>
+    </p:spTree>
+    <p:extLst>
+      <p:ext uri="{BB962C8B-B14F-4D97-AF65-F5344CB8AC3E}">
+        <p14:creationId xmlns:p14="http://schemas.microsoft.com/office/powerpoint/2010/main" val="863450321"/>
+      </p:ext>
+    </p:extLst>
+  </p:cSld>
+  <p:clrMapOvr>
+    <a:masterClrMapping/>
+  </p:clrMapOvr>
+</p:sld>
+</file>
+
+<file path=ppt/slides/slide11.xml><?xml version="1.0" encoding="utf-8"?>
+<p:sld xmlns:a="http://schemas.openxmlformats.org/drawingml/2006/main" xmlns:r="http://schemas.openxmlformats.org/officeDocument/2006/relationships" xmlns:p="http://schemas.openxmlformats.org/presentationml/2006/main">
+  <p:cSld>
+    <p:spTree>
+      <p:nvGrpSpPr>
         <p:cNvPr id="1" name=""/>
         <p:cNvGrpSpPr/>
         <p:nvPr/>
@@ -1684,8 +1869,8 @@
         </p:nvSpPr>
         <p:spPr>
           <a:xfrm>
-            <a:off x="447869" y="1064470"/>
-            <a:ext cx="10524287" cy="4278094"/>
+            <a:off x="447869" y="922545"/>
+            <a:ext cx="10524287" cy="1538883"/>
           </a:xfrm>
           <a:prstGeom prst="rect">
             <a:avLst/>
@@ -1710,12 +1895,72 @@
             </a:r>
           </a:p>
           <a:p>
+            <a:endParaRPr lang="en-US" sz="2000" dirty="0">
+              <a:solidFill>
+                <a:srgbClr val="FF0000"/>
+              </a:solidFill>
+              <a:latin typeface="Arial" panose="020B0604020202020204" pitchFamily="34" charset="0"/>
+              <a:cs typeface="Arial" panose="020B0604020202020204" pitchFamily="34" charset="0"/>
+            </a:endParaRPr>
+          </a:p>
+          <a:p>
             <a:r>
               <a:rPr lang="en-US" dirty="0">
                 <a:latin typeface="Arial" panose="020B0604020202020204" pitchFamily="34" charset="0"/>
                 <a:cs typeface="Arial" panose="020B0604020202020204" pitchFamily="34" charset="0"/>
               </a:rPr>
-              <a:t>The primary goal of this project can be categorized into the following points:</a:t>
+              <a:t>The primary goal of this project is to correctly predict whether the patient is infected with PCOS or not using the ultrasound image.</a:t>
+            </a:r>
+          </a:p>
+          <a:p>
+            <a:endParaRPr lang="en-US" dirty="0">
+              <a:latin typeface="Arial" panose="020B0604020202020204" pitchFamily="34" charset="0"/>
+              <a:cs typeface="Arial" panose="020B0604020202020204" pitchFamily="34" charset="0"/>
+            </a:endParaRPr>
+          </a:p>
+        </p:txBody>
+      </p:sp>
+      <p:sp>
+        <p:nvSpPr>
+          <p:cNvPr id="7" name="TextBox 6">
+            <a:extLst>
+              <a:ext uri="{FF2B5EF4-FFF2-40B4-BE49-F238E27FC236}">
+                <a16:creationId xmlns:a16="http://schemas.microsoft.com/office/drawing/2014/main" id="{13057763-8E07-0BDA-D488-7E6C1B96E6F5}"/>
+              </a:ext>
+            </a:extLst>
+          </p:cNvPr>
+          <p:cNvSpPr txBox="1"/>
+          <p:nvPr/>
+        </p:nvSpPr>
+        <p:spPr>
+          <a:xfrm>
+            <a:off x="399339" y="2455707"/>
+            <a:ext cx="11393322" cy="4001095"/>
+          </a:xfrm>
+          <a:prstGeom prst="rect">
+            <a:avLst/>
+          </a:prstGeom>
+          <a:noFill/>
+        </p:spPr>
+        <p:txBody>
+          <a:bodyPr wrap="square">
+            <a:spAutoFit/>
+          </a:bodyPr>
+          <a:lstStyle/>
+          <a:p>
+            <a:r>
+              <a:rPr lang="en-US" sz="2000" dirty="0">
+                <a:solidFill>
+                  <a:schemeClr val="accent2"/>
+                </a:solidFill>
+                <a:latin typeface="Arial" panose="020B0604020202020204" pitchFamily="34" charset="0"/>
+                <a:cs typeface="Arial" panose="020B0604020202020204" pitchFamily="34" charset="0"/>
+              </a:rPr>
+              <a:t>Sub Objectives</a:t>
+            </a:r>
+            <a:r>
+              <a:rPr lang="en-IN" sz="2000" dirty="0"/>
+              <a:t>:</a:t>
             </a:r>
           </a:p>
           <a:p>
@@ -1819,7 +2064,7 @@
 </p:sld>
 </file>
 
-<file path=ppt/slides/slide11.xml><?xml version="1.0" encoding="utf-8"?>
+<file path=ppt/slides/slide12.xml><?xml version="1.0" encoding="utf-8"?>
 <p:sld xmlns:a="http://schemas.openxmlformats.org/drawingml/2006/main" xmlns:r="http://schemas.openxmlformats.org/officeDocument/2006/relationships" xmlns:p="http://schemas.openxmlformats.org/presentationml/2006/main">
   <p:cSld>
     <p:spTree>
@@ -2238,7 +2483,7 @@
 </p:sld>
 </file>
 
-<file path=ppt/slides/slide12.xml><?xml version="1.0" encoding="utf-8"?>
+<file path=ppt/slides/slide13.xml><?xml version="1.0" encoding="utf-8"?>
 <p:sld xmlns:a="http://schemas.openxmlformats.org/drawingml/2006/main" xmlns:r="http://schemas.openxmlformats.org/officeDocument/2006/relationships" xmlns:p="http://schemas.openxmlformats.org/presentationml/2006/main">
   <p:cSld>
     <p:spTree>
@@ -2414,7 +2659,7 @@
 </p:sld>
 </file>
 
-<file path=ppt/slides/slide13.xml><?xml version="1.0" encoding="utf-8"?>
+<file path=ppt/slides/slide14.xml><?xml version="1.0" encoding="utf-8"?>
 <p:sld xmlns:a="http://schemas.openxmlformats.org/drawingml/2006/main" xmlns:r="http://schemas.openxmlformats.org/officeDocument/2006/relationships" xmlns:p="http://schemas.openxmlformats.org/presentationml/2006/main">
   <p:cSld>
     <p:spTree>
@@ -2578,7 +2823,335 @@
 </p:sld>
 </file>
 
-<file path=ppt/slides/slide14.xml><?xml version="1.0" encoding="utf-8"?>
+<file path=ppt/slides/slide15.xml><?xml version="1.0" encoding="utf-8"?>
+<p:sld xmlns:a="http://schemas.openxmlformats.org/drawingml/2006/main" xmlns:r="http://schemas.openxmlformats.org/officeDocument/2006/relationships" xmlns:p="http://schemas.openxmlformats.org/presentationml/2006/main">
+  <p:cSld>
+    <p:spTree>
+      <p:nvGrpSpPr>
+        <p:cNvPr id="1" name=""/>
+        <p:cNvGrpSpPr/>
+        <p:nvPr/>
+      </p:nvGrpSpPr>
+      <p:grpSpPr>
+        <a:xfrm>
+          <a:off x="0" y="0"/>
+          <a:ext cx="0" cy="0"/>
+          <a:chOff x="0" y="0"/>
+          <a:chExt cx="0" cy="0"/>
+        </a:xfrm>
+      </p:grpSpPr>
+      <p:sp>
+        <p:nvSpPr>
+          <p:cNvPr id="5" name="TextBox 4">
+            <a:extLst>
+              <a:ext uri="{FF2B5EF4-FFF2-40B4-BE49-F238E27FC236}">
+                <a16:creationId xmlns:a16="http://schemas.microsoft.com/office/drawing/2014/main" id="{63053D7A-8720-35FC-459C-5F5D13D441B4}"/>
+              </a:ext>
+            </a:extLst>
+          </p:cNvPr>
+          <p:cNvSpPr txBox="1"/>
+          <p:nvPr/>
+        </p:nvSpPr>
+        <p:spPr>
+          <a:xfrm>
+            <a:off x="264397" y="126800"/>
+            <a:ext cx="2998790" cy="584775"/>
+          </a:xfrm>
+          <a:prstGeom prst="rect">
+            <a:avLst/>
+          </a:prstGeom>
+          <a:noFill/>
+        </p:spPr>
+        <p:txBody>
+          <a:bodyPr wrap="square">
+            <a:spAutoFit/>
+          </a:bodyPr>
+          <a:lstStyle/>
+          <a:p>
+            <a:r>
+              <a:rPr lang="en-US" sz="3200" b="1" dirty="0">
+                <a:solidFill>
+                  <a:srgbClr val="46B0FA"/>
+                </a:solidFill>
+                <a:latin typeface="Arial" panose="020B0604020202020204" pitchFamily="34" charset="0"/>
+                <a:cs typeface="Arial" panose="020B0604020202020204" pitchFamily="34" charset="0"/>
+              </a:rPr>
+              <a:t>Methodology</a:t>
+            </a:r>
+            <a:endParaRPr lang="en-IN" sz="3200" b="1" dirty="0">
+              <a:solidFill>
+                <a:srgbClr val="46B0FA"/>
+              </a:solidFill>
+              <a:latin typeface="Arial" panose="020B0604020202020204" pitchFamily="34" charset="0"/>
+              <a:cs typeface="Arial" panose="020B0604020202020204" pitchFamily="34" charset="0"/>
+            </a:endParaRPr>
+          </a:p>
+        </p:txBody>
+      </p:sp>
+      <p:pic>
+        <p:nvPicPr>
+          <p:cNvPr id="4" name="Picture 3">
+            <a:extLst>
+              <a:ext uri="{FF2B5EF4-FFF2-40B4-BE49-F238E27FC236}">
+                <a16:creationId xmlns:a16="http://schemas.microsoft.com/office/drawing/2014/main" id="{56950C65-FF96-B0D7-329D-FDDB94707AD9}"/>
+              </a:ext>
+            </a:extLst>
+          </p:cNvPr>
+          <p:cNvPicPr>
+            <a:picLocks noChangeAspect="1"/>
+          </p:cNvPicPr>
+          <p:nvPr/>
+        </p:nvPicPr>
+        <p:blipFill rotWithShape="1">
+          <a:blip r:embed="rId2"/>
+          <a:srcRect l="8813" r="12141"/>
+          <a:stretch/>
+        </p:blipFill>
+        <p:spPr>
+          <a:xfrm>
+            <a:off x="1110344" y="802432"/>
+            <a:ext cx="9377264" cy="5710335"/>
+          </a:xfrm>
+          <a:prstGeom prst="rect">
+            <a:avLst/>
+          </a:prstGeom>
+          <a:ln w="127000" cap="sq">
+            <a:solidFill>
+              <a:srgbClr val="000000"/>
+            </a:solidFill>
+            <a:miter lim="800000"/>
+          </a:ln>
+          <a:effectLst>
+            <a:outerShdw blurRad="57150" dist="50800" dir="2700000" algn="tl" rotWithShape="0">
+              <a:srgbClr val="000000">
+                <a:alpha val="40000"/>
+              </a:srgbClr>
+            </a:outerShdw>
+          </a:effectLst>
+        </p:spPr>
+      </p:pic>
+    </p:spTree>
+    <p:extLst>
+      <p:ext uri="{BB962C8B-B14F-4D97-AF65-F5344CB8AC3E}">
+        <p14:creationId xmlns:p14="http://schemas.microsoft.com/office/powerpoint/2010/main" val="3405290808"/>
+      </p:ext>
+    </p:extLst>
+  </p:cSld>
+  <p:clrMapOvr>
+    <a:masterClrMapping/>
+  </p:clrMapOvr>
+</p:sld>
+</file>
+
+<file path=ppt/slides/slide16.xml><?xml version="1.0" encoding="utf-8"?>
+<p:sld xmlns:a="http://schemas.openxmlformats.org/drawingml/2006/main" xmlns:r="http://schemas.openxmlformats.org/officeDocument/2006/relationships" xmlns:p="http://schemas.openxmlformats.org/presentationml/2006/main">
+  <p:cSld>
+    <p:spTree>
+      <p:nvGrpSpPr>
+        <p:cNvPr id="1" name=""/>
+        <p:cNvGrpSpPr/>
+        <p:nvPr/>
+      </p:nvGrpSpPr>
+      <p:grpSpPr>
+        <a:xfrm>
+          <a:off x="0" y="0"/>
+          <a:ext cx="0" cy="0"/>
+          <a:chOff x="0" y="0"/>
+          <a:chExt cx="0" cy="0"/>
+        </a:xfrm>
+      </p:grpSpPr>
+      <p:sp>
+        <p:nvSpPr>
+          <p:cNvPr id="3" name="TextBox 2">
+            <a:extLst>
+              <a:ext uri="{FF2B5EF4-FFF2-40B4-BE49-F238E27FC236}">
+                <a16:creationId xmlns:a16="http://schemas.microsoft.com/office/drawing/2014/main" id="{DF2AE4AB-FD20-6CA3-6C46-D14D540F5019}"/>
+              </a:ext>
+            </a:extLst>
+          </p:cNvPr>
+          <p:cNvSpPr txBox="1"/>
+          <p:nvPr/>
+        </p:nvSpPr>
+        <p:spPr>
+          <a:xfrm>
+            <a:off x="445750" y="1113608"/>
+            <a:ext cx="6093228" cy="2585323"/>
+          </a:xfrm>
+          <a:prstGeom prst="rect">
+            <a:avLst/>
+          </a:prstGeom>
+          <a:noFill/>
+        </p:spPr>
+        <p:txBody>
+          <a:bodyPr wrap="square">
+            <a:spAutoFit/>
+          </a:bodyPr>
+          <a:lstStyle/>
+          <a:p>
+            <a:r>
+              <a:rPr lang="en-US" sz="1800" dirty="0">
+                <a:solidFill>
+                  <a:schemeClr val="accent2"/>
+                </a:solidFill>
+                <a:latin typeface="Arial" panose="020B0604020202020204" pitchFamily="34" charset="0"/>
+                <a:cs typeface="Arial" panose="020B0604020202020204" pitchFamily="34" charset="0"/>
+              </a:rPr>
+              <a:t>Requirement analysis (Link of SRS):</a:t>
+            </a:r>
+          </a:p>
+          <a:p>
+            <a:endParaRPr lang="en-US" sz="1800" dirty="0">
+              <a:solidFill>
+                <a:schemeClr val="accent2"/>
+              </a:solidFill>
+              <a:latin typeface="Arial" panose="020B0604020202020204" pitchFamily="34" charset="0"/>
+              <a:cs typeface="Arial" panose="020B0604020202020204" pitchFamily="34" charset="0"/>
+            </a:endParaRPr>
+          </a:p>
+          <a:p>
+            <a:endParaRPr lang="en-US" sz="1800" dirty="0">
+              <a:latin typeface="Arial" panose="020B0604020202020204" pitchFamily="34" charset="0"/>
+              <a:cs typeface="Arial" panose="020B0604020202020204" pitchFamily="34" charset="0"/>
+            </a:endParaRPr>
+          </a:p>
+          <a:p>
+            <a:r>
+              <a:rPr lang="en-US" sz="1800" dirty="0">
+                <a:solidFill>
+                  <a:schemeClr val="accent2"/>
+                </a:solidFill>
+                <a:latin typeface="Arial" panose="020B0604020202020204" pitchFamily="34" charset="0"/>
+                <a:cs typeface="Arial" panose="020B0604020202020204" pitchFamily="34" charset="0"/>
+              </a:rPr>
+              <a:t>Technical Diagram</a:t>
+            </a:r>
+            <a:r>
+              <a:rPr lang="en-US" dirty="0">
+                <a:solidFill>
+                  <a:schemeClr val="accent2"/>
+                </a:solidFill>
+                <a:latin typeface="Arial" panose="020B0604020202020204" pitchFamily="34" charset="0"/>
+                <a:cs typeface="Arial" panose="020B0604020202020204" pitchFamily="34" charset="0"/>
+              </a:rPr>
+              <a:t>:</a:t>
+            </a:r>
+            <a:endParaRPr lang="en-US" sz="1800" dirty="0">
+              <a:solidFill>
+                <a:schemeClr val="accent2"/>
+              </a:solidFill>
+              <a:latin typeface="Arial" panose="020B0604020202020204" pitchFamily="34" charset="0"/>
+              <a:cs typeface="Arial" panose="020B0604020202020204" pitchFamily="34" charset="0"/>
+            </a:endParaRPr>
+          </a:p>
+          <a:p>
+            <a:endParaRPr lang="en-US" sz="1800" dirty="0">
+              <a:latin typeface="Arial" panose="020B0604020202020204" pitchFamily="34" charset="0"/>
+              <a:cs typeface="Arial" panose="020B0604020202020204" pitchFamily="34" charset="0"/>
+            </a:endParaRPr>
+          </a:p>
+          <a:p>
+            <a:r>
+              <a:rPr lang="en-US" sz="1800" dirty="0">
+                <a:solidFill>
+                  <a:schemeClr val="accent2"/>
+                </a:solidFill>
+                <a:latin typeface="Arial" panose="020B0604020202020204" pitchFamily="34" charset="0"/>
+                <a:cs typeface="Arial" panose="020B0604020202020204" pitchFamily="34" charset="0"/>
+              </a:rPr>
+              <a:t>Working Module:</a:t>
+            </a:r>
+          </a:p>
+          <a:p>
+            <a:endParaRPr lang="en-US" sz="1800" dirty="0">
+              <a:latin typeface="Arial" panose="020B0604020202020204" pitchFamily="34" charset="0"/>
+              <a:cs typeface="Arial" panose="020B0604020202020204" pitchFamily="34" charset="0"/>
+            </a:endParaRPr>
+          </a:p>
+          <a:p>
+            <a:r>
+              <a:rPr lang="en-US" sz="1800" dirty="0">
+                <a:solidFill>
+                  <a:schemeClr val="accent2"/>
+                </a:solidFill>
+                <a:latin typeface="Arial" panose="020B0604020202020204" pitchFamily="34" charset="0"/>
+                <a:cs typeface="Arial" panose="020B0604020202020204" pitchFamily="34" charset="0"/>
+              </a:rPr>
+              <a:t>Attained Deliverable :</a:t>
+            </a:r>
+          </a:p>
+          <a:p>
+            <a:endParaRPr lang="en-US" sz="1800" dirty="0">
+              <a:solidFill>
+                <a:schemeClr val="accent2"/>
+              </a:solidFill>
+              <a:latin typeface="Arial" panose="020B0604020202020204" pitchFamily="34" charset="0"/>
+              <a:cs typeface="Arial" panose="020B0604020202020204" pitchFamily="34" charset="0"/>
+            </a:endParaRPr>
+          </a:p>
+        </p:txBody>
+      </p:sp>
+      <p:sp>
+        <p:nvSpPr>
+          <p:cNvPr id="5" name="TextBox 4">
+            <a:extLst>
+              <a:ext uri="{FF2B5EF4-FFF2-40B4-BE49-F238E27FC236}">
+                <a16:creationId xmlns:a16="http://schemas.microsoft.com/office/drawing/2014/main" id="{7E9E4084-240C-DC61-FBD7-9DC1153D3152}"/>
+              </a:ext>
+            </a:extLst>
+          </p:cNvPr>
+          <p:cNvSpPr txBox="1"/>
+          <p:nvPr/>
+        </p:nvSpPr>
+        <p:spPr>
+          <a:xfrm>
+            <a:off x="436419" y="422163"/>
+            <a:ext cx="6093228" cy="584775"/>
+          </a:xfrm>
+          <a:prstGeom prst="rect">
+            <a:avLst/>
+          </a:prstGeom>
+          <a:noFill/>
+        </p:spPr>
+        <p:txBody>
+          <a:bodyPr wrap="square">
+            <a:spAutoFit/>
+          </a:bodyPr>
+          <a:lstStyle/>
+          <a:p>
+            <a:r>
+              <a:rPr lang="en-US" sz="3200" b="1" dirty="0">
+                <a:solidFill>
+                  <a:srgbClr val="46B0FA"/>
+                </a:solidFill>
+                <a:latin typeface="Arial" panose="020B0604020202020204" pitchFamily="34" charset="0"/>
+                <a:cs typeface="Arial" panose="020B0604020202020204" pitchFamily="34" charset="0"/>
+              </a:rPr>
+              <a:t>Working Model</a:t>
+            </a:r>
+            <a:endParaRPr lang="en-IN" sz="3200" b="1" dirty="0">
+              <a:solidFill>
+                <a:srgbClr val="46B0FA"/>
+              </a:solidFill>
+              <a:latin typeface="Arial" panose="020B0604020202020204" pitchFamily="34" charset="0"/>
+              <a:cs typeface="Arial" panose="020B0604020202020204" pitchFamily="34" charset="0"/>
+            </a:endParaRPr>
+          </a:p>
+        </p:txBody>
+      </p:sp>
+    </p:spTree>
+    <p:extLst>
+      <p:ext uri="{BB962C8B-B14F-4D97-AF65-F5344CB8AC3E}">
+        <p14:creationId xmlns:p14="http://schemas.microsoft.com/office/powerpoint/2010/main" val="1272781996"/>
+      </p:ext>
+    </p:extLst>
+  </p:cSld>
+  <p:clrMapOvr>
+    <a:masterClrMapping/>
+  </p:clrMapOvr>
+</p:sld>
+</file>
+
+<file path=ppt/slides/slide17.xml><?xml version="1.0" encoding="utf-8"?>
 <p:sld xmlns:a="http://schemas.openxmlformats.org/drawingml/2006/main" xmlns:r="http://schemas.openxmlformats.org/officeDocument/2006/relationships" xmlns:p="http://schemas.openxmlformats.org/presentationml/2006/main">
   <p:cSld>
     <p:spTree>
@@ -2924,15 +3497,7 @@
                 <a:cs typeface="Arial" panose="020B0604020202020204" pitchFamily="34" charset="0"/>
                 <a:hlinkClick r:id="rId5"/>
               </a:rPr>
-              <a:t>[4] </a:t>
-            </a:r>
-            <a:r>
-              <a:rPr lang="en-US" dirty="0">
-                <a:latin typeface="Arial" panose="020B0604020202020204" pitchFamily="34" charset="0"/>
-                <a:cs typeface="Arial" panose="020B0604020202020204" pitchFamily="34" charset="0"/>
-                <a:hlinkClick r:id="rId5"/>
-              </a:rPr>
-              <a:t>Aggarwal, A., Mittal, M., &amp; </a:t>
+              <a:t>[4] Aggarwal, A., Mittal, M., &amp; </a:t>
             </a:r>
             <a:r>
               <a:rPr lang="en-US" dirty="0" err="1">
@@ -2980,13 +3545,7 @@
               <a:rPr lang="en-US" dirty="0">
                 <a:hlinkClick r:id="rId6"/>
               </a:rPr>
-              <a:t> </a:t>
-            </a:r>
-            <a:r>
-              <a:rPr lang="en-US" dirty="0">
-                <a:hlinkClick r:id="rId6"/>
-              </a:rPr>
-              <a:t>Sumathi, M., Chitra, P., Prabha, R. S., &amp; Srilatha, K. (2021, February). Study and detection of PCOS related diseases using CNN. In IOP Conference Series: Materials Science and Engineering (Vol. 1070, No. 1, p. 012062). IOP Publishing.</a:t>
+              <a:t> Sumathi, M., Chitra, P., Prabha, R. S., &amp; Srilatha, K. (2021, February). Study and detection of PCOS related diseases using CNN. In IOP Conference Series: Materials Science and Engineering (Vol. 1070, No. 1, p. 012062). IOP Publishing.</a:t>
             </a:r>
             <a:endParaRPr lang="en-US" dirty="0">
               <a:latin typeface="Arial" panose="020B0604020202020204" pitchFamily="34" charset="0"/>
@@ -3038,7 +3597,7 @@
 </p:sld>
 </file>
 
-<file path=ppt/slides/slide15.xml><?xml version="1.0" encoding="utf-8"?>
+<file path=ppt/slides/slide18.xml><?xml version="1.0" encoding="utf-8"?>
 <p:sld xmlns:a="http://schemas.openxmlformats.org/drawingml/2006/main" xmlns:r="http://schemas.openxmlformats.org/officeDocument/2006/relationships" xmlns:p="http://schemas.openxmlformats.org/presentationml/2006/main">
   <p:cSld>
     <p:spTree>
@@ -3279,7 +3838,7 @@
         <p:spPr>
           <a:xfrm>
             <a:off x="1071154" y="1247350"/>
-            <a:ext cx="4650377" cy="3139321"/>
+            <a:ext cx="4650377" cy="3754874"/>
           </a:xfrm>
           <a:prstGeom prst="rect">
             <a:avLst/>
@@ -3343,6 +3902,21 @@
                 <a:cs typeface="Arial" panose="020B0604020202020204" pitchFamily="34" charset="0"/>
               </a:rPr>
               <a:t>Methodology</a:t>
+            </a:r>
+          </a:p>
+          <a:p>
+            <a:endParaRPr lang="en-US" sz="2000" dirty="0">
+              <a:latin typeface="Arial" panose="020B0604020202020204" pitchFamily="34" charset="0"/>
+              <a:cs typeface="Arial" panose="020B0604020202020204" pitchFamily="34" charset="0"/>
+            </a:endParaRPr>
+          </a:p>
+          <a:p>
+            <a:r>
+              <a:rPr lang="en-US" sz="2000" dirty="0">
+                <a:latin typeface="Arial" panose="020B0604020202020204" pitchFamily="34" charset="0"/>
+                <a:cs typeface="Arial" panose="020B0604020202020204" pitchFamily="34" charset="0"/>
+              </a:rPr>
+              <a:t>Working Model</a:t>
             </a:r>
           </a:p>
           <a:p>
@@ -4704,7 +5278,7 @@
         <p:cNvPr id="1" name="">
           <a:extLst>
             <a:ext uri="{FF2B5EF4-FFF2-40B4-BE49-F238E27FC236}">
-              <a16:creationId xmlns:a16="http://schemas.microsoft.com/office/drawing/2014/main" id="{B345F2D5-A1A0-C04A-E20D-354EE5E44466}"/>
+              <a16:creationId xmlns:a16="http://schemas.microsoft.com/office/drawing/2014/main" id="{ACEC4197-24B3-F493-B8C0-E706F1A35DA4}"/>
             </a:ext>
           </a:extLst>
         </p:cNvPr>
@@ -4724,7 +5298,7 @@
           <p:cNvPr id="2" name="TextBox 1">
             <a:extLst>
               <a:ext uri="{FF2B5EF4-FFF2-40B4-BE49-F238E27FC236}">
-                <a16:creationId xmlns:a16="http://schemas.microsoft.com/office/drawing/2014/main" id="{62E6EDD8-F7B5-B0FE-2C63-56322DCF7E05}"/>
+                <a16:creationId xmlns:a16="http://schemas.microsoft.com/office/drawing/2014/main" id="{C53A8571-FB86-F623-979B-19F66BBEDA06}"/>
               </a:ext>
             </a:extLst>
           </p:cNvPr>
@@ -4733,7 +5307,7 @@
         </p:nvSpPr>
         <p:spPr>
           <a:xfrm>
-            <a:off x="234487" y="248626"/>
+            <a:off x="355785" y="369924"/>
             <a:ext cx="7530363" cy="584775"/>
           </a:xfrm>
           <a:prstGeom prst="rect">
@@ -4762,10 +5336,10 @@
       </p:sp>
       <p:sp>
         <p:nvSpPr>
-          <p:cNvPr id="3" name="TextBox 2">
+          <p:cNvPr id="5" name="TextBox 4">
             <a:extLst>
               <a:ext uri="{FF2B5EF4-FFF2-40B4-BE49-F238E27FC236}">
-                <a16:creationId xmlns:a16="http://schemas.microsoft.com/office/drawing/2014/main" id="{D32FC0C4-BD61-A3B9-3516-8304C9AE43C8}"/>
+                <a16:creationId xmlns:a16="http://schemas.microsoft.com/office/drawing/2014/main" id="{9FFCBB66-BB4F-C6DC-000A-2A1D04E8F727}"/>
               </a:ext>
             </a:extLst>
           </p:cNvPr>
@@ -4774,8 +5348,8 @@
         </p:nvSpPr>
         <p:spPr>
           <a:xfrm>
-            <a:off x="302312" y="955468"/>
-            <a:ext cx="9901002" cy="400110"/>
+            <a:off x="355785" y="978449"/>
+            <a:ext cx="4220632" cy="369332"/>
           </a:xfrm>
           <a:prstGeom prst="rect">
             <a:avLst/>
@@ -4783,7 +5357,7 @@
           <a:noFill/>
         </p:spPr>
         <p:txBody>
-          <a:bodyPr wrap="square" rtlCol="0">
+          <a:bodyPr wrap="square">
             <a:spAutoFit/>
           </a:bodyPr>
           <a:lstStyle/>
@@ -4806,10 +5380,13 @@
               <a:defRPr/>
             </a:pPr>
             <a:r>
-              <a:rPr kumimoji="0" lang="en-US" sz="2000" b="0" i="0" u="none" strike="noStrike" kern="1200" cap="none" spc="0" normalizeH="0" baseline="0" noProof="0" dirty="0">
+              <a:rPr kumimoji="0" lang="en-US" sz="1800" b="0" i="0" u="none" strike="noStrike" kern="1200" cap="none" spc="0" normalizeH="0" baseline="0" noProof="0" dirty="0">
                 <a:ln>
                   <a:noFill/>
                 </a:ln>
+                <a:solidFill>
+                  <a:schemeClr val="accent2"/>
+                </a:solidFill>
                 <a:effectLst/>
                 <a:uLnTx/>
                 <a:uFillTx/>
@@ -4817,58 +5394,377 @@
                 <a:ea typeface="+mn-ea"/>
                 <a:cs typeface="Arial" panose="020B0604020202020204" pitchFamily="34" charset="0"/>
               </a:rPr>
-              <a:t>SWOT analysis</a:t>
+              <a:t>Inference from Literature</a:t>
             </a:r>
           </a:p>
         </p:txBody>
       </p:sp>
-      <p:pic>
-        <p:nvPicPr>
-          <p:cNvPr id="5" name="Picture 4">
+      <p:graphicFrame>
+        <p:nvGraphicFramePr>
+          <p:cNvPr id="3" name="Table 2">
             <a:extLst>
               <a:ext uri="{FF2B5EF4-FFF2-40B4-BE49-F238E27FC236}">
-                <a16:creationId xmlns:a16="http://schemas.microsoft.com/office/drawing/2014/main" id="{BDB1F667-6A4F-A1C8-1DCC-72740AF41013}"/>
+                <a16:creationId xmlns:a16="http://schemas.microsoft.com/office/drawing/2014/main" id="{F491C440-CF19-3395-DDB3-719E5E48679C}"/>
               </a:ext>
             </a:extLst>
           </p:cNvPr>
-          <p:cNvPicPr>
-            <a:picLocks noChangeAspect="1"/>
-          </p:cNvPicPr>
-          <p:nvPr/>
-        </p:nvPicPr>
-        <p:blipFill>
-          <a:blip r:embed="rId2"/>
-          <a:stretch>
-            <a:fillRect/>
-          </a:stretch>
-        </p:blipFill>
-        <p:spPr>
-          <a:xfrm>
-            <a:off x="2554229" y="1477645"/>
-            <a:ext cx="7344800" cy="4963218"/>
-          </a:xfrm>
-          <a:prstGeom prst="rect">
-            <a:avLst/>
-          </a:prstGeom>
-          <a:ln w="127000" cap="sq">
-            <a:solidFill>
-              <a:srgbClr val="000000"/>
-            </a:solidFill>
-            <a:miter lim="800000"/>
-          </a:ln>
-          <a:effectLst>
-            <a:outerShdw blurRad="57150" dist="50800" dir="2700000" algn="tl" rotWithShape="0">
-              <a:srgbClr val="000000">
-                <a:alpha val="40000"/>
-              </a:srgbClr>
-            </a:outerShdw>
-          </a:effectLst>
-        </p:spPr>
-      </p:pic>
+          <p:cNvGraphicFramePr>
+            <a:graphicFrameLocks noGrp="1"/>
+          </p:cNvGraphicFramePr>
+          <p:nvPr>
+            <p:extLst>
+              <p:ext uri="{D42A27DB-BD31-4B8C-83A1-F6EECF244321}">
+                <p14:modId xmlns:p14="http://schemas.microsoft.com/office/powerpoint/2010/main" val="696598860"/>
+              </p:ext>
+            </p:extLst>
+          </p:nvPr>
+        </p:nvGraphicFramePr>
+        <p:xfrm>
+          <a:off x="426013" y="1576009"/>
+          <a:ext cx="10929340" cy="4143655"/>
+        </p:xfrm>
+        <a:graphic>
+          <a:graphicData uri="http://schemas.openxmlformats.org/drawingml/2006/table">
+            <a:tbl>
+              <a:tblPr firstRow="1" bandRow="1">
+                <a:tableStyleId>{793D81CF-94F2-401A-BA57-92F5A7B2D0C5}</a:tableStyleId>
+              </a:tblPr>
+              <a:tblGrid>
+                <a:gridCol w="824289">
+                  <a:extLst>
+                    <a:ext uri="{9D8B030D-6E8A-4147-A177-3AD203B41FA5}">
+                      <a16:colId xmlns:a16="http://schemas.microsoft.com/office/drawing/2014/main" val="310215933"/>
+                    </a:ext>
+                  </a:extLst>
+                </a:gridCol>
+                <a:gridCol w="1642188">
+                  <a:extLst>
+                    <a:ext uri="{9D8B030D-6E8A-4147-A177-3AD203B41FA5}">
+                      <a16:colId xmlns:a16="http://schemas.microsoft.com/office/drawing/2014/main" val="1148141656"/>
+                    </a:ext>
+                  </a:extLst>
+                </a:gridCol>
+                <a:gridCol w="4091127">
+                  <a:extLst>
+                    <a:ext uri="{9D8B030D-6E8A-4147-A177-3AD203B41FA5}">
+                      <a16:colId xmlns:a16="http://schemas.microsoft.com/office/drawing/2014/main" val="2092400805"/>
+                    </a:ext>
+                  </a:extLst>
+                </a:gridCol>
+                <a:gridCol w="2185868">
+                  <a:extLst>
+                    <a:ext uri="{9D8B030D-6E8A-4147-A177-3AD203B41FA5}">
+                      <a16:colId xmlns:a16="http://schemas.microsoft.com/office/drawing/2014/main" val="827669"/>
+                    </a:ext>
+                  </a:extLst>
+                </a:gridCol>
+                <a:gridCol w="2185868">
+                  <a:extLst>
+                    <a:ext uri="{9D8B030D-6E8A-4147-A177-3AD203B41FA5}">
+                      <a16:colId xmlns:a16="http://schemas.microsoft.com/office/drawing/2014/main" val="4106569266"/>
+                    </a:ext>
+                  </a:extLst>
+                </a:gridCol>
+              </a:tblGrid>
+              <a:tr h="828731">
+                <a:tc>
+                  <a:txBody>
+                    <a:bodyPr/>
+                    <a:lstStyle/>
+                    <a:p>
+                      <a:r>
+                        <a:rPr lang="en-IN" dirty="0"/>
+                        <a:t>Title</a:t>
+                      </a:r>
+                    </a:p>
+                  </a:txBody>
+                  <a:tcPr/>
+                </a:tc>
+                <a:tc>
+                  <a:txBody>
+                    <a:bodyPr/>
+                    <a:lstStyle/>
+                    <a:p>
+                      <a:r>
+                        <a:rPr lang="en-IN" dirty="0"/>
+                        <a:t>Author</a:t>
+                      </a:r>
+                    </a:p>
+                  </a:txBody>
+                  <a:tcPr/>
+                </a:tc>
+                <a:tc>
+                  <a:txBody>
+                    <a:bodyPr/>
+                    <a:lstStyle/>
+                    <a:p>
+                      <a:endParaRPr lang="en-IN"/>
+                    </a:p>
+                  </a:txBody>
+                  <a:tcPr/>
+                </a:tc>
+                <a:tc>
+                  <a:txBody>
+                    <a:bodyPr/>
+                    <a:lstStyle/>
+                    <a:p>
+                      <a:endParaRPr lang="en-IN"/>
+                    </a:p>
+                  </a:txBody>
+                  <a:tcPr/>
+                </a:tc>
+                <a:tc>
+                  <a:txBody>
+                    <a:bodyPr/>
+                    <a:lstStyle/>
+                    <a:p>
+                      <a:endParaRPr lang="en-IN"/>
+                    </a:p>
+                  </a:txBody>
+                  <a:tcPr/>
+                </a:tc>
+                <a:extLst>
+                  <a:ext uri="{0D108BD9-81ED-4DB2-BD59-A6C34878D82A}">
+                    <a16:rowId xmlns:a16="http://schemas.microsoft.com/office/drawing/2014/main" val="426577962"/>
+                  </a:ext>
+                </a:extLst>
+              </a:tr>
+              <a:tr h="828731">
+                <a:tc>
+                  <a:txBody>
+                    <a:bodyPr/>
+                    <a:lstStyle/>
+                    <a:p>
+                      <a:endParaRPr lang="en-IN"/>
+                    </a:p>
+                  </a:txBody>
+                  <a:tcPr/>
+                </a:tc>
+                <a:tc>
+                  <a:txBody>
+                    <a:bodyPr/>
+                    <a:lstStyle/>
+                    <a:p>
+                      <a:endParaRPr lang="en-IN"/>
+                    </a:p>
+                  </a:txBody>
+                  <a:tcPr/>
+                </a:tc>
+                <a:tc>
+                  <a:txBody>
+                    <a:bodyPr/>
+                    <a:lstStyle/>
+                    <a:p>
+                      <a:endParaRPr lang="en-IN"/>
+                    </a:p>
+                  </a:txBody>
+                  <a:tcPr/>
+                </a:tc>
+                <a:tc>
+                  <a:txBody>
+                    <a:bodyPr/>
+                    <a:lstStyle/>
+                    <a:p>
+                      <a:endParaRPr lang="en-IN"/>
+                    </a:p>
+                  </a:txBody>
+                  <a:tcPr/>
+                </a:tc>
+                <a:tc>
+                  <a:txBody>
+                    <a:bodyPr/>
+                    <a:lstStyle/>
+                    <a:p>
+                      <a:endParaRPr lang="en-IN"/>
+                    </a:p>
+                  </a:txBody>
+                  <a:tcPr/>
+                </a:tc>
+                <a:extLst>
+                  <a:ext uri="{0D108BD9-81ED-4DB2-BD59-A6C34878D82A}">
+                    <a16:rowId xmlns:a16="http://schemas.microsoft.com/office/drawing/2014/main" val="954979965"/>
+                  </a:ext>
+                </a:extLst>
+              </a:tr>
+              <a:tr h="828731">
+                <a:tc>
+                  <a:txBody>
+                    <a:bodyPr/>
+                    <a:lstStyle/>
+                    <a:p>
+                      <a:endParaRPr lang="en-IN"/>
+                    </a:p>
+                  </a:txBody>
+                  <a:tcPr/>
+                </a:tc>
+                <a:tc>
+                  <a:txBody>
+                    <a:bodyPr/>
+                    <a:lstStyle/>
+                    <a:p>
+                      <a:endParaRPr lang="en-IN"/>
+                    </a:p>
+                  </a:txBody>
+                  <a:tcPr/>
+                </a:tc>
+                <a:tc>
+                  <a:txBody>
+                    <a:bodyPr/>
+                    <a:lstStyle/>
+                    <a:p>
+                      <a:endParaRPr lang="en-IN"/>
+                    </a:p>
+                  </a:txBody>
+                  <a:tcPr/>
+                </a:tc>
+                <a:tc>
+                  <a:txBody>
+                    <a:bodyPr/>
+                    <a:lstStyle/>
+                    <a:p>
+                      <a:endParaRPr lang="en-IN"/>
+                    </a:p>
+                  </a:txBody>
+                  <a:tcPr/>
+                </a:tc>
+                <a:tc>
+                  <a:txBody>
+                    <a:bodyPr/>
+                    <a:lstStyle/>
+                    <a:p>
+                      <a:endParaRPr lang="en-IN"/>
+                    </a:p>
+                  </a:txBody>
+                  <a:tcPr/>
+                </a:tc>
+                <a:extLst>
+                  <a:ext uri="{0D108BD9-81ED-4DB2-BD59-A6C34878D82A}">
+                    <a16:rowId xmlns:a16="http://schemas.microsoft.com/office/drawing/2014/main" val="643590792"/>
+                  </a:ext>
+                </a:extLst>
+              </a:tr>
+              <a:tr h="828731">
+                <a:tc>
+                  <a:txBody>
+                    <a:bodyPr/>
+                    <a:lstStyle/>
+                    <a:p>
+                      <a:endParaRPr lang="en-IN"/>
+                    </a:p>
+                  </a:txBody>
+                  <a:tcPr/>
+                </a:tc>
+                <a:tc>
+                  <a:txBody>
+                    <a:bodyPr/>
+                    <a:lstStyle/>
+                    <a:p>
+                      <a:endParaRPr lang="en-IN"/>
+                    </a:p>
+                  </a:txBody>
+                  <a:tcPr/>
+                </a:tc>
+                <a:tc>
+                  <a:txBody>
+                    <a:bodyPr/>
+                    <a:lstStyle/>
+                    <a:p>
+                      <a:endParaRPr lang="en-IN"/>
+                    </a:p>
+                  </a:txBody>
+                  <a:tcPr/>
+                </a:tc>
+                <a:tc>
+                  <a:txBody>
+                    <a:bodyPr/>
+                    <a:lstStyle/>
+                    <a:p>
+                      <a:endParaRPr lang="en-IN"/>
+                    </a:p>
+                  </a:txBody>
+                  <a:tcPr/>
+                </a:tc>
+                <a:tc>
+                  <a:txBody>
+                    <a:bodyPr/>
+                    <a:lstStyle/>
+                    <a:p>
+                      <a:endParaRPr lang="en-IN"/>
+                    </a:p>
+                  </a:txBody>
+                  <a:tcPr/>
+                </a:tc>
+                <a:extLst>
+                  <a:ext uri="{0D108BD9-81ED-4DB2-BD59-A6C34878D82A}">
+                    <a16:rowId xmlns:a16="http://schemas.microsoft.com/office/drawing/2014/main" val="1363375571"/>
+                  </a:ext>
+                </a:extLst>
+              </a:tr>
+              <a:tr h="828731">
+                <a:tc>
+                  <a:txBody>
+                    <a:bodyPr/>
+                    <a:lstStyle/>
+                    <a:p>
+                      <a:endParaRPr lang="en-IN"/>
+                    </a:p>
+                  </a:txBody>
+                  <a:tcPr/>
+                </a:tc>
+                <a:tc>
+                  <a:txBody>
+                    <a:bodyPr/>
+                    <a:lstStyle/>
+                    <a:p>
+                      <a:endParaRPr lang="en-IN" dirty="0"/>
+                    </a:p>
+                  </a:txBody>
+                  <a:tcPr/>
+                </a:tc>
+                <a:tc>
+                  <a:txBody>
+                    <a:bodyPr/>
+                    <a:lstStyle/>
+                    <a:p>
+                      <a:endParaRPr lang="en-IN"/>
+                    </a:p>
+                  </a:txBody>
+                  <a:tcPr/>
+                </a:tc>
+                <a:tc>
+                  <a:txBody>
+                    <a:bodyPr/>
+                    <a:lstStyle/>
+                    <a:p>
+                      <a:endParaRPr lang="en-IN"/>
+                    </a:p>
+                  </a:txBody>
+                  <a:tcPr/>
+                </a:tc>
+                <a:tc>
+                  <a:txBody>
+                    <a:bodyPr/>
+                    <a:lstStyle/>
+                    <a:p>
+                      <a:endParaRPr lang="en-IN" dirty="0"/>
+                    </a:p>
+                  </a:txBody>
+                  <a:tcPr/>
+                </a:tc>
+                <a:extLst>
+                  <a:ext uri="{0D108BD9-81ED-4DB2-BD59-A6C34878D82A}">
+                    <a16:rowId xmlns:a16="http://schemas.microsoft.com/office/drawing/2014/main" val="4014833329"/>
+                  </a:ext>
+                </a:extLst>
+              </a:tr>
+            </a:tbl>
+          </a:graphicData>
+        </a:graphic>
+      </p:graphicFrame>
     </p:spTree>
     <p:extLst>
       <p:ext uri="{BB962C8B-B14F-4D97-AF65-F5344CB8AC3E}">
-        <p14:creationId xmlns:p14="http://schemas.microsoft.com/office/powerpoint/2010/main" val="863450321"/>
+        <p14:creationId xmlns:p14="http://schemas.microsoft.com/office/powerpoint/2010/main" val="1588901209"/>
       </p:ext>
     </p:extLst>
   </p:cSld>

--- a/Presentation.pptx
+++ b/Presentation.pptx
@@ -237,7 +237,7 @@
           <a:p>
             <a:fld id="{73E9D15D-1C13-CC45-BE09-4D54E9A973B4}" type="datetimeFigureOut">
               <a:rPr lang="en-US" smtClean="0"/>
-              <a:t>3/21/2024</a:t>
+              <a:t>3/28/2024</a:t>
             </a:fld>
             <a:endParaRPr lang="en-US" dirty="0"/>
           </a:p>
@@ -667,7 +667,7 @@
           <a:p>
             <a:fld id="{FD3D9895-3AFC-9E49-BB6B-D5AF81433D95}" type="datetimeFigureOut">
               <a:rPr lang="en-US" smtClean="0"/>
-              <a:t>3/21/2024</a:t>
+              <a:t>3/28/2024</a:t>
             </a:fld>
             <a:endParaRPr lang="en-US" dirty="0"/>
           </a:p>
@@ -828,7 +828,7 @@
           <a:p>
             <a:fld id="{1703F520-AAB7-4D20-958E-A456239933B0}" type="datetimeFigureOut">
               <a:rPr lang="en-US" smtClean="0"/>
-              <a:t>3/21/2024</a:t>
+              <a:t>3/28/2024</a:t>
             </a:fld>
             <a:endParaRPr lang="en-US" dirty="0"/>
           </a:p>
@@ -2915,16 +2915,17 @@
           <a:prstGeom prst="rect">
             <a:avLst/>
           </a:prstGeom>
-          <a:ln w="127000" cap="sq">
+          <a:ln w="38100" cap="sq">
             <a:solidFill>
               <a:srgbClr val="000000"/>
             </a:solidFill>
+            <a:prstDash val="solid"/>
             <a:miter lim="800000"/>
           </a:ln>
           <a:effectLst>
-            <a:outerShdw blurRad="57150" dist="50800" dir="2700000" algn="tl" rotWithShape="0">
+            <a:outerShdw blurRad="50800" dist="38100" dir="2700000" algn="tl" rotWithShape="0">
               <a:srgbClr val="000000">
-                <a:alpha val="40000"/>
+                <a:alpha val="43000"/>
               </a:srgbClr>
             </a:outerShdw>
           </a:effectLst>
@@ -2975,7 +2976,7 @@
         <p:spPr>
           <a:xfrm>
             <a:off x="445750" y="1113608"/>
-            <a:ext cx="6093228" cy="2585323"/>
+            <a:ext cx="6093228" cy="3139321"/>
           </a:xfrm>
           <a:prstGeom prst="rect">
             <a:avLst/>
@@ -2990,16 +2991,24 @@
           <a:p>
             <a:r>
               <a:rPr lang="en-US" sz="1800" dirty="0">
+                <a:latin typeface="Arial" panose="020B0604020202020204" pitchFamily="34" charset="0"/>
+                <a:cs typeface="Arial" panose="020B0604020202020204" pitchFamily="34" charset="0"/>
+              </a:rPr>
+              <a:t>Requirement analysis (Link of SRS):</a:t>
+            </a:r>
+          </a:p>
+          <a:p>
+            <a:r>
+              <a:rPr lang="en-US" sz="1800" dirty="0">
                 <a:solidFill>
                   <a:schemeClr val="accent2"/>
                 </a:solidFill>
                 <a:latin typeface="Arial" panose="020B0604020202020204" pitchFamily="34" charset="0"/>
                 <a:cs typeface="Arial" panose="020B0604020202020204" pitchFamily="34" charset="0"/>
-              </a:rPr>
-              <a:t>Requirement analysis (Link of SRS):</a:t>
-            </a:r>
-          </a:p>
-          <a:p>
+                <a:hlinkClick r:id="rId2"/>
+              </a:rPr>
+              <a:t>SRS</a:t>
+            </a:r>
             <a:endParaRPr lang="en-US" sz="1800" dirty="0">
               <a:solidFill>
                 <a:schemeClr val="accent2"/>
@@ -3035,6 +3044,8 @@
               </a:rPr>
               <a:t>:</a:t>
             </a:r>
+          </a:p>
+          <a:p>
             <a:endParaRPr lang="en-US" sz="1800" dirty="0">
               <a:solidFill>
                 <a:schemeClr val="accent2"/>
@@ -3060,6 +3071,12 @@
               </a:rPr>
               <a:t>Working Module:</a:t>
             </a:r>
+          </a:p>
+          <a:p>
+            <a:endParaRPr lang="en-US" sz="1800" dirty="0">
+              <a:latin typeface="Arial" panose="020B0604020202020204" pitchFamily="34" charset="0"/>
+              <a:cs typeface="Arial" panose="020B0604020202020204" pitchFamily="34" charset="0"/>
+            </a:endParaRPr>
           </a:p>
           <a:p>
             <a:endParaRPr lang="en-US" sz="1800" dirty="0">
@@ -5414,7 +5431,7 @@
           <p:nvPr>
             <p:extLst>
               <p:ext uri="{D42A27DB-BD31-4B8C-83A1-F6EECF244321}">
-                <p14:modId xmlns:p14="http://schemas.microsoft.com/office/powerpoint/2010/main" val="696598860"/>
+                <p14:modId xmlns:p14="http://schemas.microsoft.com/office/powerpoint/2010/main" val="596371513"/>
               </p:ext>
             </p:extLst>
           </p:nvPr>
@@ -5430,28 +5447,28 @@
                 <a:tableStyleId>{793D81CF-94F2-401A-BA57-92F5A7B2D0C5}</a:tableStyleId>
               </a:tblPr>
               <a:tblGrid>
-                <a:gridCol w="824289">
+                <a:gridCol w="1682705">
                   <a:extLst>
                     <a:ext uri="{9D8B030D-6E8A-4147-A177-3AD203B41FA5}">
                       <a16:colId xmlns:a16="http://schemas.microsoft.com/office/drawing/2014/main" val="310215933"/>
                     </a:ext>
                   </a:extLst>
                 </a:gridCol>
-                <a:gridCol w="1642188">
+                <a:gridCol w="1614196">
                   <a:extLst>
                     <a:ext uri="{9D8B030D-6E8A-4147-A177-3AD203B41FA5}">
                       <a16:colId xmlns:a16="http://schemas.microsoft.com/office/drawing/2014/main" val="1148141656"/>
                     </a:ext>
                   </a:extLst>
                 </a:gridCol>
-                <a:gridCol w="4091127">
+                <a:gridCol w="3573625">
                   <a:extLst>
                     <a:ext uri="{9D8B030D-6E8A-4147-A177-3AD203B41FA5}">
                       <a16:colId xmlns:a16="http://schemas.microsoft.com/office/drawing/2014/main" val="2092400805"/>
                     </a:ext>
                   </a:extLst>
                 </a:gridCol>
-                <a:gridCol w="2185868">
+                <a:gridCol w="1872946">
                   <a:extLst>
                     <a:ext uri="{9D8B030D-6E8A-4147-A177-3AD203B41FA5}">
                       <a16:colId xmlns:a16="http://schemas.microsoft.com/office/drawing/2014/main" val="827669"/>
@@ -5498,7 +5515,10 @@
                     <a:bodyPr/>
                     <a:lstStyle/>
                     <a:p>
-                      <a:endParaRPr lang="en-IN"/>
+                      <a:r>
+                        <a:rPr lang="en-IN" dirty="0"/>
+                        <a:t>Inference</a:t>
+                      </a:r>
                     </a:p>
                   </a:txBody>
                   <a:tcPr/>
@@ -5508,7 +5528,10 @@
                     <a:bodyPr/>
                     <a:lstStyle/>
                     <a:p>
-                      <a:endParaRPr lang="en-IN"/>
+                      <a:r>
+                        <a:rPr lang="en-IN" dirty="0"/>
+                        <a:t>Algorithms</a:t>
+                      </a:r>
                     </a:p>
                   </a:txBody>
                   <a:tcPr/>
@@ -5518,7 +5541,10 @@
                     <a:bodyPr/>
                     <a:lstStyle/>
                     <a:p>
-                      <a:endParaRPr lang="en-IN"/>
+                      <a:r>
+                        <a:rPr lang="en-IN" dirty="0"/>
+                        <a:t>Results</a:t>
+                      </a:r>
                     </a:p>
                   </a:txBody>
                   <a:tcPr/>
@@ -5535,7 +5561,7 @@
                     <a:bodyPr/>
                     <a:lstStyle/>
                     <a:p>
-                      <a:endParaRPr lang="en-IN"/>
+                      <a:endParaRPr lang="en-IN" dirty="0"/>
                     </a:p>
                   </a:txBody>
                   <a:tcPr/>

--- a/Presentation.pptx
+++ b/Presentation.pptx
@@ -5,7 +5,7 @@
     <p:sldMasterId id="2147483648" r:id="rId1"/>
   </p:sldMasterIdLst>
   <p:notesMasterIdLst>
-    <p:notesMasterId r:id="rId20"/>
+    <p:notesMasterId r:id="rId23"/>
   </p:notesMasterIdLst>
   <p:sldIdLst>
     <p:sldId id="3640" r:id="rId2"/>
@@ -24,8 +24,11 @@
     <p:sldId id="3709" r:id="rId15"/>
     <p:sldId id="3714" r:id="rId16"/>
     <p:sldId id="3715" r:id="rId17"/>
-    <p:sldId id="3706" r:id="rId18"/>
-    <p:sldId id="3641" r:id="rId19"/>
+    <p:sldId id="3718" r:id="rId18"/>
+    <p:sldId id="3717" r:id="rId19"/>
+    <p:sldId id="3719" r:id="rId20"/>
+    <p:sldId id="3706" r:id="rId21"/>
+    <p:sldId id="3641" r:id="rId22"/>
   </p:sldIdLst>
   <p:sldSz cx="12192000" cy="6858000"/>
   <p:notesSz cx="6858000" cy="9144000"/>
@@ -2890,10 +2893,10 @@
       </p:sp>
       <p:pic>
         <p:nvPicPr>
-          <p:cNvPr id="4" name="Picture 3">
+          <p:cNvPr id="8" name="Picture 7">
             <a:extLst>
               <a:ext uri="{FF2B5EF4-FFF2-40B4-BE49-F238E27FC236}">
-                <a16:creationId xmlns:a16="http://schemas.microsoft.com/office/drawing/2014/main" id="{56950C65-FF96-B0D7-329D-FDDB94707AD9}"/>
+                <a16:creationId xmlns:a16="http://schemas.microsoft.com/office/drawing/2014/main" id="{A4E7E198-77F7-4D9D-FFFC-F0C6171B4F16}"/>
               </a:ext>
             </a:extLst>
           </p:cNvPr>
@@ -2902,15 +2905,16 @@
           </p:cNvPicPr>
           <p:nvPr/>
         </p:nvPicPr>
-        <p:blipFill rotWithShape="1">
+        <p:blipFill>
           <a:blip r:embed="rId2"/>
-          <a:srcRect l="8813" r="12141"/>
-          <a:stretch/>
+          <a:stretch>
+            <a:fillRect/>
+          </a:stretch>
         </p:blipFill>
         <p:spPr>
           <a:xfrm>
-            <a:off x="1110344" y="802432"/>
-            <a:ext cx="9377264" cy="5710335"/>
+            <a:off x="1866123" y="711575"/>
+            <a:ext cx="8322906" cy="5799871"/>
           </a:xfrm>
           <a:prstGeom prst="rect">
             <a:avLst/>
@@ -2975,8 +2979,8 @@
         </p:nvSpPr>
         <p:spPr>
           <a:xfrm>
-            <a:off x="445750" y="1113608"/>
-            <a:ext cx="6093228" cy="3139321"/>
+            <a:off x="319441" y="894192"/>
+            <a:ext cx="6093228" cy="1477328"/>
           </a:xfrm>
           <a:prstGeom prst="rect">
             <a:avLst/>
@@ -3043,57 +3047,6 @@
                 <a:cs typeface="Arial" panose="020B0604020202020204" pitchFamily="34" charset="0"/>
               </a:rPr>
               <a:t>:</a:t>
-            </a:r>
-          </a:p>
-          <a:p>
-            <a:endParaRPr lang="en-US" sz="1800" dirty="0">
-              <a:solidFill>
-                <a:schemeClr val="accent2"/>
-              </a:solidFill>
-              <a:latin typeface="Arial" panose="020B0604020202020204" pitchFamily="34" charset="0"/>
-              <a:cs typeface="Arial" panose="020B0604020202020204" pitchFamily="34" charset="0"/>
-            </a:endParaRPr>
-          </a:p>
-          <a:p>
-            <a:endParaRPr lang="en-US" sz="1800" dirty="0">
-              <a:latin typeface="Arial" panose="020B0604020202020204" pitchFamily="34" charset="0"/>
-              <a:cs typeface="Arial" panose="020B0604020202020204" pitchFamily="34" charset="0"/>
-            </a:endParaRPr>
-          </a:p>
-          <a:p>
-            <a:r>
-              <a:rPr lang="en-US" sz="1800" dirty="0">
-                <a:solidFill>
-                  <a:schemeClr val="accent2"/>
-                </a:solidFill>
-                <a:latin typeface="Arial" panose="020B0604020202020204" pitchFamily="34" charset="0"/>
-                <a:cs typeface="Arial" panose="020B0604020202020204" pitchFamily="34" charset="0"/>
-              </a:rPr>
-              <a:t>Working Module:</a:t>
-            </a:r>
-          </a:p>
-          <a:p>
-            <a:endParaRPr lang="en-US" sz="1800" dirty="0">
-              <a:latin typeface="Arial" panose="020B0604020202020204" pitchFamily="34" charset="0"/>
-              <a:cs typeface="Arial" panose="020B0604020202020204" pitchFamily="34" charset="0"/>
-            </a:endParaRPr>
-          </a:p>
-          <a:p>
-            <a:endParaRPr lang="en-US" sz="1800" dirty="0">
-              <a:latin typeface="Arial" panose="020B0604020202020204" pitchFamily="34" charset="0"/>
-              <a:cs typeface="Arial" panose="020B0604020202020204" pitchFamily="34" charset="0"/>
-            </a:endParaRPr>
-          </a:p>
-          <a:p>
-            <a:r>
-              <a:rPr lang="en-US" sz="1800" dirty="0">
-                <a:solidFill>
-                  <a:schemeClr val="accent2"/>
-                </a:solidFill>
-                <a:latin typeface="Arial" panose="020B0604020202020204" pitchFamily="34" charset="0"/>
-                <a:cs typeface="Arial" panose="020B0604020202020204" pitchFamily="34" charset="0"/>
-              </a:rPr>
-              <a:t>Attained Deliverable :</a:t>
             </a:r>
           </a:p>
           <a:p>
@@ -3121,8 +3074,8 @@
         </p:nvSpPr>
         <p:spPr>
           <a:xfrm>
-            <a:off x="436419" y="422163"/>
-            <a:ext cx="6093228" cy="584775"/>
+            <a:off x="241414" y="253858"/>
+            <a:ext cx="6093228" cy="523220"/>
           </a:xfrm>
           <a:prstGeom prst="rect">
             <a:avLst/>
@@ -3136,7 +3089,7 @@
           <a:lstStyle/>
           <a:p>
             <a:r>
-              <a:rPr lang="en-US" sz="3200" b="1" dirty="0">
+              <a:rPr lang="en-US" sz="2800" b="1" dirty="0">
                 <a:solidFill>
                   <a:srgbClr val="46B0FA"/>
                 </a:solidFill>
@@ -3145,13 +3098,92 @@
               </a:rPr>
               <a:t>Working Model</a:t>
             </a:r>
-            <a:endParaRPr lang="en-IN" sz="3200" b="1" dirty="0">
+            <a:endParaRPr lang="en-IN" sz="2800" b="1" dirty="0">
               <a:solidFill>
                 <a:srgbClr val="46B0FA"/>
               </a:solidFill>
               <a:latin typeface="Arial" panose="020B0604020202020204" pitchFamily="34" charset="0"/>
               <a:cs typeface="Arial" panose="020B0604020202020204" pitchFamily="34" charset="0"/>
             </a:endParaRPr>
+          </a:p>
+        </p:txBody>
+      </p:sp>
+      <p:pic>
+        <p:nvPicPr>
+          <p:cNvPr id="11" name="Picture 10">
+            <a:extLst>
+              <a:ext uri="{FF2B5EF4-FFF2-40B4-BE49-F238E27FC236}">
+                <a16:creationId xmlns:a16="http://schemas.microsoft.com/office/drawing/2014/main" id="{EFC613F2-DC46-1365-5820-C3FB57ADDC69}"/>
+              </a:ext>
+            </a:extLst>
+          </p:cNvPr>
+          <p:cNvPicPr>
+            <a:picLocks noChangeAspect="1"/>
+          </p:cNvPicPr>
+          <p:nvPr/>
+        </p:nvPicPr>
+        <p:blipFill rotWithShape="1">
+          <a:blip r:embed="rId3"/>
+          <a:srcRect l="6818" t="10725" r="7866" b="12108"/>
+          <a:stretch/>
+        </p:blipFill>
+        <p:spPr>
+          <a:xfrm>
+            <a:off x="2642763" y="2324869"/>
+            <a:ext cx="6101622" cy="3638939"/>
+          </a:xfrm>
+          <a:prstGeom prst="rect">
+            <a:avLst/>
+          </a:prstGeom>
+          <a:ln w="38100" cap="sq">
+            <a:solidFill>
+              <a:srgbClr val="000000"/>
+            </a:solidFill>
+            <a:prstDash val="solid"/>
+            <a:miter lim="800000"/>
+          </a:ln>
+          <a:effectLst>
+            <a:outerShdw blurRad="50800" dist="38100" dir="2700000" algn="tl" rotWithShape="0">
+              <a:srgbClr val="000000">
+                <a:alpha val="43000"/>
+              </a:srgbClr>
+            </a:outerShdw>
+          </a:effectLst>
+        </p:spPr>
+      </p:pic>
+      <p:sp>
+        <p:nvSpPr>
+          <p:cNvPr id="12" name="TextBox 11">
+            <a:extLst>
+              <a:ext uri="{FF2B5EF4-FFF2-40B4-BE49-F238E27FC236}">
+                <a16:creationId xmlns:a16="http://schemas.microsoft.com/office/drawing/2014/main" id="{F19EC9D3-9B9A-F8A6-28E2-B5C5411DEE01}"/>
+              </a:ext>
+            </a:extLst>
+          </p:cNvPr>
+          <p:cNvSpPr txBox="1"/>
+          <p:nvPr/>
+        </p:nvSpPr>
+        <p:spPr>
+          <a:xfrm>
+            <a:off x="4869113" y="6195527"/>
+            <a:ext cx="1465529" cy="369332"/>
+          </a:xfrm>
+          <a:prstGeom prst="rect">
+            <a:avLst/>
+          </a:prstGeom>
+          <a:noFill/>
+        </p:spPr>
+        <p:txBody>
+          <a:bodyPr wrap="none" rtlCol="0">
+            <a:spAutoFit/>
+          </a:bodyPr>
+          <a:lstStyle/>
+          <a:p>
+            <a:r>
+              <a:rPr lang="en-US" dirty="0"/>
+              <a:t>UML Diagram</a:t>
+            </a:r>
+            <a:endParaRPr lang="en-IN" dirty="0"/>
           </a:p>
         </p:txBody>
       </p:sp>
@@ -3187,10 +3219,10 @@
       </p:grpSpPr>
       <p:sp>
         <p:nvSpPr>
-          <p:cNvPr id="2" name="TextBox 1">
+          <p:cNvPr id="3" name="TextBox 2">
             <a:extLst>
               <a:ext uri="{FF2B5EF4-FFF2-40B4-BE49-F238E27FC236}">
-                <a16:creationId xmlns:a16="http://schemas.microsoft.com/office/drawing/2014/main" id="{B2EC635B-D8A3-4A72-8304-20FFBA5D21A3}"/>
+                <a16:creationId xmlns:a16="http://schemas.microsoft.com/office/drawing/2014/main" id="{DF2AE4AB-FD20-6CA3-6C46-D14D540F5019}"/>
               </a:ext>
             </a:extLst>
           </p:cNvPr>
@@ -3199,8 +3231,8 @@
         </p:nvSpPr>
         <p:spPr>
           <a:xfrm>
-            <a:off x="325927" y="248626"/>
-            <a:ext cx="7530363" cy="584775"/>
+            <a:off x="319441" y="894192"/>
+            <a:ext cx="6093228" cy="369332"/>
           </a:xfrm>
           <a:prstGeom prst="rect">
             <a:avLst/>
@@ -3208,74 +3240,31 @@
           <a:noFill/>
         </p:spPr>
         <p:txBody>
-          <a:bodyPr wrap="square" rtlCol="0">
+          <a:bodyPr wrap="square">
             <a:spAutoFit/>
           </a:bodyPr>
           <a:lstStyle/>
           <a:p>
             <a:r>
-              <a:rPr lang="en-IN" sz="3200" b="1" dirty="0">
+              <a:rPr lang="en-US" sz="1800" dirty="0">
                 <a:solidFill>
-                  <a:srgbClr val="46B0FA"/>
+                  <a:schemeClr val="accent2"/>
                 </a:solidFill>
                 <a:latin typeface="Arial" panose="020B0604020202020204" pitchFamily="34" charset="0"/>
                 <a:cs typeface="Arial" panose="020B0604020202020204" pitchFamily="34" charset="0"/>
               </a:rPr>
-              <a:t>Reference</a:t>
-            </a:r>
-          </a:p>
-        </p:txBody>
-      </p:sp>
-      <p:sp>
-        <p:nvSpPr>
-          <p:cNvPr id="3" name="TextBox 2">
-            <a:extLst>
-              <a:ext uri="{FF2B5EF4-FFF2-40B4-BE49-F238E27FC236}">
-                <a16:creationId xmlns:a16="http://schemas.microsoft.com/office/drawing/2014/main" id="{66168532-D141-4AB0-BD29-1663F2877B3E}"/>
-              </a:ext>
-            </a:extLst>
-          </p:cNvPr>
-          <p:cNvSpPr txBox="1"/>
-          <p:nvPr/>
-        </p:nvSpPr>
-        <p:spPr>
-          <a:xfrm>
-            <a:off x="325927" y="986093"/>
-            <a:ext cx="9901002" cy="1138773"/>
-          </a:xfrm>
-          <a:prstGeom prst="rect">
-            <a:avLst/>
-          </a:prstGeom>
-          <a:noFill/>
-        </p:spPr>
-        <p:txBody>
-          <a:bodyPr wrap="square" rtlCol="0">
-            <a:spAutoFit/>
-          </a:bodyPr>
-          <a:lstStyle/>
-          <a:p>
-            <a:r>
-              <a:rPr lang="en-US" sz="2400" dirty="0">
+              <a:t>Technical Diagram</a:t>
+            </a:r>
+            <a:r>
+              <a:rPr lang="en-US" dirty="0">
                 <a:solidFill>
-                  <a:srgbClr val="FF0000"/>
+                  <a:schemeClr val="accent2"/>
                 </a:solidFill>
                 <a:latin typeface="Arial" panose="020B0604020202020204" pitchFamily="34" charset="0"/>
                 <a:cs typeface="Arial" panose="020B0604020202020204" pitchFamily="34" charset="0"/>
               </a:rPr>
-              <a:t>List of cited papers</a:t>
-            </a:r>
-          </a:p>
-          <a:p>
-            <a:endParaRPr lang="en-US" sz="2400" dirty="0">
-              <a:latin typeface="Arial" panose="020B0604020202020204" pitchFamily="34" charset="0"/>
-              <a:cs typeface="Arial" panose="020B0604020202020204" pitchFamily="34" charset="0"/>
-            </a:endParaRPr>
-          </a:p>
-          <a:p>
-            <a:endParaRPr lang="en-IN" sz="2000" dirty="0">
-              <a:latin typeface="Arial" panose="020B0604020202020204" pitchFamily="34" charset="0"/>
-              <a:cs typeface="Arial" panose="020B0604020202020204" pitchFamily="34" charset="0"/>
-            </a:endParaRPr>
+              <a:t>:</a:t>
+            </a:r>
           </a:p>
         </p:txBody>
       </p:sp>
@@ -3284,7 +3273,7 @@
           <p:cNvPr id="5" name="TextBox 4">
             <a:extLst>
               <a:ext uri="{FF2B5EF4-FFF2-40B4-BE49-F238E27FC236}">
-                <a16:creationId xmlns:a16="http://schemas.microsoft.com/office/drawing/2014/main" id="{29BBE328-515D-7FB3-4863-C98E9D182DCF}"/>
+                <a16:creationId xmlns:a16="http://schemas.microsoft.com/office/drawing/2014/main" id="{7E9E4084-240C-DC61-FBD7-9DC1153D3152}"/>
               </a:ext>
             </a:extLst>
           </p:cNvPr>
@@ -3293,8 +3282,8 @@
         </p:nvSpPr>
         <p:spPr>
           <a:xfrm>
-            <a:off x="325927" y="1571955"/>
-            <a:ext cx="11305900" cy="4524315"/>
+            <a:off x="241414" y="253858"/>
+            <a:ext cx="6093228" cy="523220"/>
           </a:xfrm>
           <a:prstGeom prst="rect">
             <a:avLst/>
@@ -3307,304 +3296,109 @@
           </a:bodyPr>
           <a:lstStyle/>
           <a:p>
-            <a:pPr marL="0" marR="0" lvl="0" indent="0" algn="l" defTabSz="914400" rtl="0" eaLnBrk="1" fontAlgn="auto" latinLnBrk="0" hangingPunct="1">
-              <a:lnSpc>
-                <a:spcPct val="100000"/>
-              </a:lnSpc>
-              <a:spcBef>
-                <a:spcPts val="0"/>
-              </a:spcBef>
-              <a:spcAft>
-                <a:spcPts val="0"/>
-              </a:spcAft>
-              <a:buClrTx/>
-              <a:buSzTx/>
-              <a:buFontTx/>
-              <a:buNone/>
-              <a:tabLst/>
-              <a:defRPr/>
-            </a:pPr>
-            <a:r>
-              <a:rPr lang="en-US" dirty="0">
-                <a:latin typeface="Arial" panose="020B0604020202020204" pitchFamily="34" charset="0"/>
-                <a:cs typeface="Arial" panose="020B0604020202020204" pitchFamily="34" charset="0"/>
-                <a:hlinkClick r:id="rId2"/>
-              </a:rPr>
-              <a:t>[1]Aslam, S., &amp; Rabie, T. F. (2023, February). Principal Component Analysis in Image Classification: A review. In 2023 Advances in Science and Engineering Technology International Conferences (ASET) (pp. 1-7). </a:t>
-            </a:r>
-            <a:r>
-              <a:rPr lang="en-US">
-                <a:latin typeface="Arial" panose="020B0604020202020204" pitchFamily="34" charset="0"/>
-                <a:cs typeface="Arial" panose="020B0604020202020204" pitchFamily="34" charset="0"/>
-                <a:hlinkClick r:id="rId2"/>
-              </a:rPr>
-              <a:t>IEEE.</a:t>
-            </a:r>
-            <a:endParaRPr lang="en-US" dirty="0">
+            <a:r>
+              <a:rPr lang="en-US" sz="2800" b="1" dirty="0">
+                <a:solidFill>
+                  <a:srgbClr val="46B0FA"/>
+                </a:solidFill>
+                <a:latin typeface="Arial" panose="020B0604020202020204" pitchFamily="34" charset="0"/>
+                <a:cs typeface="Arial" panose="020B0604020202020204" pitchFamily="34" charset="0"/>
+              </a:rPr>
+              <a:t>Working Model</a:t>
+            </a:r>
+            <a:endParaRPr lang="en-IN" sz="2800" b="1" dirty="0">
+              <a:solidFill>
+                <a:srgbClr val="46B0FA"/>
+              </a:solidFill>
               <a:latin typeface="Arial" panose="020B0604020202020204" pitchFamily="34" charset="0"/>
               <a:cs typeface="Arial" panose="020B0604020202020204" pitchFamily="34" charset="0"/>
             </a:endParaRPr>
           </a:p>
-          <a:p>
-            <a:pPr marL="0" marR="0" lvl="0" indent="0" algn="l" defTabSz="914400" rtl="0" eaLnBrk="1" fontAlgn="auto" latinLnBrk="0" hangingPunct="1">
-              <a:lnSpc>
-                <a:spcPct val="100000"/>
-              </a:lnSpc>
-              <a:spcBef>
-                <a:spcPts val="0"/>
-              </a:spcBef>
-              <a:spcAft>
-                <a:spcPts val="0"/>
-              </a:spcAft>
-              <a:buClrTx/>
-              <a:buSzTx/>
-              <a:buFontTx/>
-              <a:buNone/>
-              <a:tabLst/>
-              <a:defRPr/>
-            </a:pPr>
-            <a:endParaRPr kumimoji="0" lang="en-US" b="0" i="0" u="none" strike="noStrike" kern="1200" cap="none" spc="0" normalizeH="0" baseline="0" noProof="0" dirty="0">
-              <a:ln>
-                <a:noFill/>
-              </a:ln>
-              <a:effectLst/>
-              <a:uLnTx/>
-              <a:uFillTx/>
-              <a:latin typeface="Arial" panose="020B0604020202020204" pitchFamily="34" charset="0"/>
-              <a:ea typeface="+mn-ea"/>
-              <a:cs typeface="Arial" panose="020B0604020202020204" pitchFamily="34" charset="0"/>
-            </a:endParaRPr>
-          </a:p>
-          <a:p>
-            <a:pPr>
-              <a:defRPr/>
-            </a:pPr>
-            <a:r>
-              <a:rPr lang="en-US" dirty="0">
-                <a:latin typeface="Arial" panose="020B0604020202020204" pitchFamily="34" charset="0"/>
-                <a:cs typeface="Arial" panose="020B0604020202020204" pitchFamily="34" charset="0"/>
-                <a:hlinkClick r:id="rId3"/>
-              </a:rPr>
-              <a:t>[2] Chitra, P., Srilatha, K., Sumathi, M., </a:t>
-            </a:r>
-            <a:r>
-              <a:rPr lang="en-US" dirty="0" err="1">
-                <a:latin typeface="Arial" panose="020B0604020202020204" pitchFamily="34" charset="0"/>
-                <a:cs typeface="Arial" panose="020B0604020202020204" pitchFamily="34" charset="0"/>
-                <a:hlinkClick r:id="rId3"/>
-              </a:rPr>
-              <a:t>Jayasudha</a:t>
-            </a:r>
-            <a:r>
-              <a:rPr lang="en-US" dirty="0">
-                <a:latin typeface="Arial" panose="020B0604020202020204" pitchFamily="34" charset="0"/>
-                <a:cs typeface="Arial" panose="020B0604020202020204" pitchFamily="34" charset="0"/>
-                <a:hlinkClick r:id="rId3"/>
-              </a:rPr>
-              <a:t>, F. V., </a:t>
-            </a:r>
-            <a:r>
-              <a:rPr lang="en-US" dirty="0" err="1">
-                <a:latin typeface="Arial" panose="020B0604020202020204" pitchFamily="34" charset="0"/>
-                <a:cs typeface="Arial" panose="020B0604020202020204" pitchFamily="34" charset="0"/>
-                <a:hlinkClick r:id="rId3"/>
-              </a:rPr>
-              <a:t>Bernatin</a:t>
-            </a:r>
-            <a:r>
-              <a:rPr lang="en-US" dirty="0">
-                <a:latin typeface="Arial" panose="020B0604020202020204" pitchFamily="34" charset="0"/>
-                <a:cs typeface="Arial" panose="020B0604020202020204" pitchFamily="34" charset="0"/>
-                <a:hlinkClick r:id="rId3"/>
-              </a:rPr>
-              <a:t>, T., &amp; Jagadeesh, M. (2023, March). Classification of Ultrasound PCOS Image using Deep Learning based Hybrid Models. In 2023 Second International Conference on Electronics and Renewable Systems (ICEARS) (pp. 1389-1394). IEEE.</a:t>
-            </a:r>
-            <a:endParaRPr kumimoji="0" lang="en-US" b="0" i="0" u="none" strike="noStrike" kern="1200" cap="none" spc="0" normalizeH="0" baseline="0" noProof="0" dirty="0">
-              <a:ln>
-                <a:noFill/>
-              </a:ln>
-              <a:effectLst/>
-              <a:uLnTx/>
-              <a:uFillTx/>
-              <a:latin typeface="Arial" panose="020B0604020202020204" pitchFamily="34" charset="0"/>
-              <a:ea typeface="+mn-ea"/>
-              <a:cs typeface="Arial" panose="020B0604020202020204" pitchFamily="34" charset="0"/>
-            </a:endParaRPr>
-          </a:p>
-          <a:p>
-            <a:pPr marL="0" marR="0" lvl="0" indent="0" algn="l" defTabSz="914400" rtl="0" eaLnBrk="1" fontAlgn="auto" latinLnBrk="0" hangingPunct="1">
-              <a:lnSpc>
-                <a:spcPct val="100000"/>
-              </a:lnSpc>
-              <a:spcBef>
-                <a:spcPts val="0"/>
-              </a:spcBef>
-              <a:spcAft>
-                <a:spcPts val="0"/>
-              </a:spcAft>
-              <a:buClrTx/>
-              <a:buSzTx/>
-              <a:buFontTx/>
-              <a:buNone/>
-              <a:tabLst/>
-              <a:defRPr/>
-            </a:pPr>
-            <a:endParaRPr kumimoji="0" lang="en-US" b="0" i="0" u="none" strike="noStrike" kern="1200" cap="none" spc="0" normalizeH="0" baseline="0" noProof="0" dirty="0">
-              <a:ln>
-                <a:noFill/>
-              </a:ln>
-              <a:effectLst/>
-              <a:uLnTx/>
-              <a:uFillTx/>
-              <a:latin typeface="Arial" panose="020B0604020202020204" pitchFamily="34" charset="0"/>
-              <a:ea typeface="+mn-ea"/>
-              <a:cs typeface="Arial" panose="020B0604020202020204" pitchFamily="34" charset="0"/>
-            </a:endParaRPr>
-          </a:p>
-          <a:p>
-            <a:pPr>
-              <a:defRPr/>
-            </a:pPr>
-            <a:r>
-              <a:rPr lang="en-US" dirty="0">
-                <a:latin typeface="Arial" panose="020B0604020202020204" pitchFamily="34" charset="0"/>
-                <a:cs typeface="Arial" panose="020B0604020202020204" pitchFamily="34" charset="0"/>
-                <a:hlinkClick r:id="rId4"/>
-              </a:rPr>
-              <a:t>[3] </a:t>
-            </a:r>
-            <a:r>
-              <a:rPr lang="en-US" dirty="0" err="1">
-                <a:latin typeface="Arial" panose="020B0604020202020204" pitchFamily="34" charset="0"/>
-                <a:cs typeface="Arial" panose="020B0604020202020204" pitchFamily="34" charset="0"/>
-                <a:hlinkClick r:id="rId4"/>
-              </a:rPr>
-              <a:t>Suha</a:t>
-            </a:r>
-            <a:r>
-              <a:rPr lang="en-US" dirty="0">
-                <a:latin typeface="Arial" panose="020B0604020202020204" pitchFamily="34" charset="0"/>
-                <a:cs typeface="Arial" panose="020B0604020202020204" pitchFamily="34" charset="0"/>
-                <a:hlinkClick r:id="rId4"/>
-              </a:rPr>
-              <a:t>, S. A., &amp; Islam, M. N. (2022). An extended machine learning technique for polycystic ovary syndrome detection using ovary ultrasound image. Scientific Reports, 12(1), 17123.</a:t>
-            </a:r>
-            <a:endParaRPr lang="en-US" dirty="0">
-              <a:latin typeface="Arial" panose="020B0604020202020204" pitchFamily="34" charset="0"/>
-              <a:cs typeface="Arial" panose="020B0604020202020204" pitchFamily="34" charset="0"/>
-            </a:endParaRPr>
-          </a:p>
-          <a:p>
-            <a:pPr>
-              <a:defRPr/>
-            </a:pPr>
-            <a:endParaRPr lang="en-US" dirty="0">
-              <a:latin typeface="Arial" panose="020B0604020202020204" pitchFamily="34" charset="0"/>
-              <a:cs typeface="Arial" panose="020B0604020202020204" pitchFamily="34" charset="0"/>
-              <a:hlinkClick r:id="rId5"/>
-            </a:endParaRPr>
-          </a:p>
-          <a:p>
-            <a:pPr>
-              <a:defRPr/>
-            </a:pPr>
-            <a:r>
-              <a:rPr lang="en-US" dirty="0">
-                <a:latin typeface="Arial" panose="020B0604020202020204" pitchFamily="34" charset="0"/>
-                <a:cs typeface="Arial" panose="020B0604020202020204" pitchFamily="34" charset="0"/>
-                <a:hlinkClick r:id="rId5"/>
-              </a:rPr>
-              <a:t>[4] Aggarwal, A., Mittal, M., &amp; </a:t>
-            </a:r>
-            <a:r>
-              <a:rPr lang="en-US" dirty="0" err="1">
-                <a:latin typeface="Arial" panose="020B0604020202020204" pitchFamily="34" charset="0"/>
-                <a:cs typeface="Arial" panose="020B0604020202020204" pitchFamily="34" charset="0"/>
-                <a:hlinkClick r:id="rId5"/>
-              </a:rPr>
-              <a:t>Battineni</a:t>
-            </a:r>
-            <a:r>
-              <a:rPr lang="en-US" dirty="0">
-                <a:latin typeface="Arial" panose="020B0604020202020204" pitchFamily="34" charset="0"/>
-                <a:cs typeface="Arial" panose="020B0604020202020204" pitchFamily="34" charset="0"/>
-                <a:hlinkClick r:id="rId5"/>
-              </a:rPr>
-              <a:t>, G. (2021). Generative adversarial network: An overview of theory and applications. International Journal of Information Management Data Insights, 1(1), 100004.</a:t>
-            </a:r>
-            <a:endParaRPr lang="en-US" dirty="0">
-              <a:latin typeface="Arial" panose="020B0604020202020204" pitchFamily="34" charset="0"/>
-              <a:cs typeface="Arial" panose="020B0604020202020204" pitchFamily="34" charset="0"/>
-            </a:endParaRPr>
-          </a:p>
-          <a:p>
-            <a:pPr>
-              <a:defRPr/>
-            </a:pPr>
-            <a:endParaRPr lang="en-US" dirty="0">
-              <a:latin typeface="Arial" panose="020B0604020202020204" pitchFamily="34" charset="0"/>
-              <a:cs typeface="Arial" panose="020B0604020202020204" pitchFamily="34" charset="0"/>
-            </a:endParaRPr>
-          </a:p>
-          <a:p>
-            <a:pPr>
-              <a:defRPr/>
-            </a:pPr>
-            <a:r>
-              <a:rPr lang="en-US" dirty="0">
-                <a:latin typeface="Arial" panose="020B0604020202020204" pitchFamily="34" charset="0"/>
-                <a:cs typeface="Arial" panose="020B0604020202020204" pitchFamily="34" charset="0"/>
-                <a:hlinkClick r:id="rId6"/>
-              </a:rPr>
-              <a:t>[5]</a:t>
-            </a:r>
-            <a:r>
-              <a:rPr lang="en-US" dirty="0">
-                <a:hlinkClick r:id="rId6"/>
-              </a:rPr>
-              <a:t> Sumathi, M., Chitra, P., Prabha, R. S., &amp; Srilatha, K. (2021, February). Study and detection of PCOS related diseases using CNN. In IOP Conference Series: Materials Science and Engineering (Vol. 1070, No. 1, p. 012062). IOP Publishing.</a:t>
-            </a:r>
-            <a:endParaRPr lang="en-US" dirty="0">
-              <a:latin typeface="Arial" panose="020B0604020202020204" pitchFamily="34" charset="0"/>
-              <a:cs typeface="Arial" panose="020B0604020202020204" pitchFamily="34" charset="0"/>
-            </a:endParaRPr>
-          </a:p>
-          <a:p>
-            <a:pPr marL="0" marR="0" lvl="0" indent="0" algn="l" defTabSz="914400" rtl="0" eaLnBrk="1" fontAlgn="auto" latinLnBrk="0" hangingPunct="1">
-              <a:lnSpc>
-                <a:spcPct val="100000"/>
-              </a:lnSpc>
-              <a:spcBef>
-                <a:spcPts val="0"/>
-              </a:spcBef>
-              <a:spcAft>
-                <a:spcPts val="0"/>
-              </a:spcAft>
-              <a:buClrTx/>
-              <a:buSzTx/>
-              <a:buFontTx/>
-              <a:buNone/>
-              <a:tabLst/>
-              <a:defRPr/>
-            </a:pPr>
-            <a:endParaRPr kumimoji="0" lang="en-US" b="0" i="0" u="none" strike="noStrike" kern="1200" cap="none" spc="0" normalizeH="0" baseline="0" noProof="0" dirty="0">
-              <a:ln>
-                <a:noFill/>
-              </a:ln>
-              <a:effectLst/>
-              <a:uLnTx/>
-              <a:uFillTx/>
-              <a:latin typeface="Arial" panose="020B0604020202020204" pitchFamily="34" charset="0"/>
-              <a:ea typeface="+mn-ea"/>
-              <a:cs typeface="Arial" panose="020B0604020202020204" pitchFamily="34" charset="0"/>
-            </a:endParaRPr>
-          </a:p>
         </p:txBody>
       </p:sp>
+      <p:sp>
+        <p:nvSpPr>
+          <p:cNvPr id="12" name="TextBox 11">
+            <a:extLst>
+              <a:ext uri="{FF2B5EF4-FFF2-40B4-BE49-F238E27FC236}">
+                <a16:creationId xmlns:a16="http://schemas.microsoft.com/office/drawing/2014/main" id="{F19EC9D3-9B9A-F8A6-28E2-B5C5411DEE01}"/>
+              </a:ext>
+            </a:extLst>
+          </p:cNvPr>
+          <p:cNvSpPr txBox="1"/>
+          <p:nvPr/>
+        </p:nvSpPr>
+        <p:spPr>
+          <a:xfrm>
+            <a:off x="5498368" y="6186197"/>
+            <a:ext cx="1195264" cy="369332"/>
+          </a:xfrm>
+          <a:prstGeom prst="rect">
+            <a:avLst/>
+          </a:prstGeom>
+          <a:noFill/>
+        </p:spPr>
+        <p:txBody>
+          <a:bodyPr wrap="none" rtlCol="0">
+            <a:spAutoFit/>
+          </a:bodyPr>
+          <a:lstStyle/>
+          <a:p>
+            <a:r>
+              <a:rPr lang="en-US" dirty="0"/>
+              <a:t>Flow Chart</a:t>
+            </a:r>
+            <a:endParaRPr lang="en-IN" dirty="0"/>
+          </a:p>
+        </p:txBody>
+      </p:sp>
+      <p:pic>
+        <p:nvPicPr>
+          <p:cNvPr id="7" name="Picture 6">
+            <a:extLst>
+              <a:ext uri="{FF2B5EF4-FFF2-40B4-BE49-F238E27FC236}">
+                <a16:creationId xmlns:a16="http://schemas.microsoft.com/office/drawing/2014/main" id="{2C9169CF-ECEA-9DF9-99BC-6DFEFAED2F54}"/>
+              </a:ext>
+            </a:extLst>
+          </p:cNvPr>
+          <p:cNvPicPr>
+            <a:picLocks noChangeAspect="1"/>
+          </p:cNvPicPr>
+          <p:nvPr/>
+        </p:nvPicPr>
+        <p:blipFill rotWithShape="1">
+          <a:blip r:embed="rId2"/>
+          <a:srcRect l="9286" t="13040" r="8552" b="7890"/>
+          <a:stretch/>
+        </p:blipFill>
+        <p:spPr>
+          <a:xfrm>
+            <a:off x="3698575" y="717684"/>
+            <a:ext cx="4525348" cy="5422632"/>
+          </a:xfrm>
+          <a:prstGeom prst="rect">
+            <a:avLst/>
+          </a:prstGeom>
+          <a:ln w="38100" cap="sq">
+            <a:solidFill>
+              <a:srgbClr val="000000"/>
+            </a:solidFill>
+            <a:prstDash val="solid"/>
+            <a:miter lim="800000"/>
+          </a:ln>
+          <a:effectLst>
+            <a:outerShdw blurRad="50800" dist="38100" dir="2700000" algn="tl" rotWithShape="0">
+              <a:srgbClr val="000000">
+                <a:alpha val="43000"/>
+              </a:srgbClr>
+            </a:outerShdw>
+          </a:effectLst>
+        </p:spPr>
+      </p:pic>
     </p:spTree>
     <p:extLst>
       <p:ext uri="{BB962C8B-B14F-4D97-AF65-F5344CB8AC3E}">
-        <p14:creationId xmlns:p14="http://schemas.microsoft.com/office/powerpoint/2010/main" val="1359081233"/>
+        <p14:creationId xmlns:p14="http://schemas.microsoft.com/office/powerpoint/2010/main" val="3758021357"/>
       </p:ext>
     </p:extLst>
   </p:cSld>
@@ -3633,10 +3427,10 @@
       </p:grpSpPr>
       <p:sp>
         <p:nvSpPr>
-          <p:cNvPr id="2" name="TextBox 1">
+          <p:cNvPr id="3" name="TextBox 2">
             <a:extLst>
               <a:ext uri="{FF2B5EF4-FFF2-40B4-BE49-F238E27FC236}">
-                <a16:creationId xmlns:a16="http://schemas.microsoft.com/office/drawing/2014/main" id="{C39D82EA-6098-704F-AD4D-D13A499C492D}"/>
+                <a16:creationId xmlns:a16="http://schemas.microsoft.com/office/drawing/2014/main" id="{DF2AE4AB-FD20-6CA3-6C46-D14D540F5019}"/>
               </a:ext>
             </a:extLst>
           </p:cNvPr>
@@ -3645,8 +3439,8 @@
         </p:nvSpPr>
         <p:spPr>
           <a:xfrm>
-            <a:off x="1895294" y="3601496"/>
-            <a:ext cx="8401412" cy="1200329"/>
+            <a:off x="520395" y="1113608"/>
+            <a:ext cx="6093228" cy="369332"/>
           </a:xfrm>
           <a:prstGeom prst="rect">
             <a:avLst/>
@@ -3654,23 +3448,60 @@
           <a:noFill/>
         </p:spPr>
         <p:txBody>
-          <a:bodyPr wrap="square" rtlCol="0">
+          <a:bodyPr wrap="square">
             <a:spAutoFit/>
           </a:bodyPr>
           <a:lstStyle/>
           <a:p>
-            <a:pPr algn="ctr"/>
-            <a:r>
-              <a:rPr lang="en-US" sz="7200" b="1" dirty="0">
+            <a:r>
+              <a:rPr lang="en-US" sz="1800" dirty="0">
+                <a:latin typeface="Arial" panose="020B0604020202020204" pitchFamily="34" charset="0"/>
+                <a:cs typeface="Arial" panose="020B0604020202020204" pitchFamily="34" charset="0"/>
+              </a:rPr>
+              <a:t>Working Module:</a:t>
+            </a:r>
+          </a:p>
+        </p:txBody>
+      </p:sp>
+      <p:sp>
+        <p:nvSpPr>
+          <p:cNvPr id="5" name="TextBox 4">
+            <a:extLst>
+              <a:ext uri="{FF2B5EF4-FFF2-40B4-BE49-F238E27FC236}">
+                <a16:creationId xmlns:a16="http://schemas.microsoft.com/office/drawing/2014/main" id="{7E9E4084-240C-DC61-FBD7-9DC1153D3152}"/>
+              </a:ext>
+            </a:extLst>
+          </p:cNvPr>
+          <p:cNvSpPr txBox="1"/>
+          <p:nvPr/>
+        </p:nvSpPr>
+        <p:spPr>
+          <a:xfrm>
+            <a:off x="436419" y="422163"/>
+            <a:ext cx="6093228" cy="584775"/>
+          </a:xfrm>
+          <a:prstGeom prst="rect">
+            <a:avLst/>
+          </a:prstGeom>
+          <a:noFill/>
+        </p:spPr>
+        <p:txBody>
+          <a:bodyPr wrap="square">
+            <a:spAutoFit/>
+          </a:bodyPr>
+          <a:lstStyle/>
+          <a:p>
+            <a:r>
+              <a:rPr lang="en-US" sz="3200" b="1" dirty="0">
                 <a:solidFill>
                   <a:srgbClr val="46B0FA"/>
                 </a:solidFill>
                 <a:latin typeface="Arial" panose="020B0604020202020204" pitchFamily="34" charset="0"/>
                 <a:cs typeface="Arial" panose="020B0604020202020204" pitchFamily="34" charset="0"/>
               </a:rPr>
-              <a:t>Thank You</a:t>
-            </a:r>
-            <a:endParaRPr lang="en-IN" sz="7200" b="1" dirty="0">
+              <a:t>Working Model</a:t>
+            </a:r>
+            <a:endParaRPr lang="en-IN" sz="3200" b="1" dirty="0">
               <a:solidFill>
                 <a:srgbClr val="46B0FA"/>
               </a:solidFill>
@@ -3680,64 +3511,128 @@
           </a:p>
         </p:txBody>
       </p:sp>
+    </p:spTree>
+    <p:extLst>
+      <p:ext uri="{BB962C8B-B14F-4D97-AF65-F5344CB8AC3E}">
+        <p14:creationId xmlns:p14="http://schemas.microsoft.com/office/powerpoint/2010/main" val="360114511"/>
+      </p:ext>
+    </p:extLst>
+  </p:cSld>
+  <p:clrMapOvr>
+    <a:masterClrMapping/>
+  </p:clrMapOvr>
+</p:sld>
+</file>
+
+<file path=ppt/slides/slide19.xml><?xml version="1.0" encoding="utf-8"?>
+<p:sld xmlns:a="http://schemas.openxmlformats.org/drawingml/2006/main" xmlns:r="http://schemas.openxmlformats.org/officeDocument/2006/relationships" xmlns:p="http://schemas.openxmlformats.org/presentationml/2006/main">
+  <p:cSld>
+    <p:spTree>
+      <p:nvGrpSpPr>
+        <p:cNvPr id="1" name=""/>
+        <p:cNvGrpSpPr/>
+        <p:nvPr/>
+      </p:nvGrpSpPr>
+      <p:grpSpPr>
+        <a:xfrm>
+          <a:off x="0" y="0"/>
+          <a:ext cx="0" cy="0"/>
+          <a:chOff x="0" y="0"/>
+          <a:chExt cx="0" cy="0"/>
+        </a:xfrm>
+      </p:grpSpPr>
       <p:sp>
         <p:nvSpPr>
-          <p:cNvPr id="4" name="Rectangle 3">
+          <p:cNvPr id="3" name="TextBox 2">
             <a:extLst>
               <a:ext uri="{FF2B5EF4-FFF2-40B4-BE49-F238E27FC236}">
-                <a16:creationId xmlns:a16="http://schemas.microsoft.com/office/drawing/2014/main" id="{B7FBB1AB-6227-0A49-9677-D759BB97E908}"/>
+                <a16:creationId xmlns:a16="http://schemas.microsoft.com/office/drawing/2014/main" id="{DF2AE4AB-FD20-6CA3-6C46-D14D540F5019}"/>
               </a:ext>
             </a:extLst>
           </p:cNvPr>
-          <p:cNvSpPr/>
+          <p:cNvSpPr txBox="1"/>
           <p:nvPr/>
         </p:nvSpPr>
         <p:spPr>
           <a:xfrm>
-            <a:off x="10668000" y="150471"/>
-            <a:ext cx="1381246" cy="682906"/>
-          </a:xfrm>
-          <a:prstGeom prst="rect">
-            <a:avLst/>
-          </a:prstGeom>
-          <a:solidFill>
-            <a:schemeClr val="bg1"/>
-          </a:solidFill>
-          <a:ln>
-            <a:noFill/>
-          </a:ln>
-        </p:spPr>
-        <p:style>
-          <a:lnRef idx="2">
-            <a:schemeClr val="accent1">
-              <a:shade val="50000"/>
-            </a:schemeClr>
-          </a:lnRef>
-          <a:fillRef idx="1">
-            <a:schemeClr val="accent1"/>
-          </a:fillRef>
-          <a:effectRef idx="0">
-            <a:schemeClr val="accent1"/>
-          </a:effectRef>
-          <a:fontRef idx="minor">
-            <a:schemeClr val="lt1"/>
-          </a:fontRef>
-        </p:style>
+            <a:off x="445750" y="1113608"/>
+            <a:ext cx="3855662" cy="369332"/>
+          </a:xfrm>
+          <a:prstGeom prst="rect">
+            <a:avLst/>
+          </a:prstGeom>
+          <a:noFill/>
+        </p:spPr>
         <p:txBody>
-          <a:bodyPr rtlCol="0" anchor="ctr"/>
+          <a:bodyPr wrap="square">
+            <a:spAutoFit/>
+          </a:bodyPr>
           <a:lstStyle/>
           <a:p>
-            <a:pPr algn="ctr"/>
-            <a:endParaRPr lang="en-US" dirty="0"/>
+            <a:r>
+              <a:rPr lang="en-US" dirty="0">
+                <a:latin typeface="Arial" panose="020B0604020202020204" pitchFamily="34" charset="0"/>
+                <a:cs typeface="Arial" panose="020B0604020202020204" pitchFamily="34" charset="0"/>
+              </a:rPr>
+              <a:t>Attained Deliverable :</a:t>
+            </a:r>
+          </a:p>
+        </p:txBody>
+      </p:sp>
+      <p:sp>
+        <p:nvSpPr>
+          <p:cNvPr id="5" name="TextBox 4">
+            <a:extLst>
+              <a:ext uri="{FF2B5EF4-FFF2-40B4-BE49-F238E27FC236}">
+                <a16:creationId xmlns:a16="http://schemas.microsoft.com/office/drawing/2014/main" id="{7E9E4084-240C-DC61-FBD7-9DC1153D3152}"/>
+              </a:ext>
+            </a:extLst>
+          </p:cNvPr>
+          <p:cNvSpPr txBox="1"/>
+          <p:nvPr/>
+        </p:nvSpPr>
+        <p:spPr>
+          <a:xfrm>
+            <a:off x="436419" y="422163"/>
+            <a:ext cx="6093228" cy="584775"/>
+          </a:xfrm>
+          <a:prstGeom prst="rect">
+            <a:avLst/>
+          </a:prstGeom>
+          <a:noFill/>
+        </p:spPr>
+        <p:txBody>
+          <a:bodyPr wrap="square">
+            <a:spAutoFit/>
+          </a:bodyPr>
+          <a:lstStyle/>
+          <a:p>
+            <a:r>
+              <a:rPr lang="en-US" sz="3200" b="1" dirty="0">
+                <a:solidFill>
+                  <a:srgbClr val="46B0FA"/>
+                </a:solidFill>
+                <a:latin typeface="Arial" panose="020B0604020202020204" pitchFamily="34" charset="0"/>
+                <a:cs typeface="Arial" panose="020B0604020202020204" pitchFamily="34" charset="0"/>
+              </a:rPr>
+              <a:t>Working Model</a:t>
+            </a:r>
+            <a:endParaRPr lang="en-IN" sz="3200" b="1" dirty="0">
+              <a:solidFill>
+                <a:srgbClr val="46B0FA"/>
+              </a:solidFill>
+              <a:latin typeface="Arial" panose="020B0604020202020204" pitchFamily="34" charset="0"/>
+              <a:cs typeface="Arial" panose="020B0604020202020204" pitchFamily="34" charset="0"/>
+            </a:endParaRPr>
           </a:p>
         </p:txBody>
       </p:sp>
       <p:pic>
         <p:nvPicPr>
-          <p:cNvPr id="5" name="Picture 4" descr="A picture containing text, clipart&#10;&#10;Description automatically generated">
+          <p:cNvPr id="4" name="Picture 3">
             <a:extLst>
               <a:ext uri="{FF2B5EF4-FFF2-40B4-BE49-F238E27FC236}">
-                <a16:creationId xmlns:a16="http://schemas.microsoft.com/office/drawing/2014/main" id="{B3B91EF5-66BF-4A12-80C1-98869846E0D6}"/>
+                <a16:creationId xmlns:a16="http://schemas.microsoft.com/office/drawing/2014/main" id="{8108A52F-F032-086B-9E0B-B772E04E594F}"/>
               </a:ext>
             </a:extLst>
           </p:cNvPr>
@@ -3754,18 +3649,32 @@
         </p:blipFill>
         <p:spPr>
           <a:xfrm>
-            <a:off x="3992880" y="1709987"/>
-            <a:ext cx="4206240" cy="1806854"/>
-          </a:xfrm>
-          <a:prstGeom prst="rect">
-            <a:avLst/>
-          </a:prstGeom>
+            <a:off x="4497355" y="449474"/>
+            <a:ext cx="4977299" cy="5986363"/>
+          </a:xfrm>
+          <a:prstGeom prst="rect">
+            <a:avLst/>
+          </a:prstGeom>
+          <a:ln w="38100" cap="sq">
+            <a:solidFill>
+              <a:srgbClr val="000000"/>
+            </a:solidFill>
+            <a:prstDash val="solid"/>
+            <a:miter lim="800000"/>
+          </a:ln>
+          <a:effectLst>
+            <a:outerShdw blurRad="50800" dist="38100" dir="2700000" algn="tl" rotWithShape="0">
+              <a:srgbClr val="000000">
+                <a:alpha val="43000"/>
+              </a:srgbClr>
+            </a:outerShdw>
+          </a:effectLst>
         </p:spPr>
       </p:pic>
     </p:spTree>
     <p:extLst>
       <p:ext uri="{BB962C8B-B14F-4D97-AF65-F5344CB8AC3E}">
-        <p14:creationId xmlns:p14="http://schemas.microsoft.com/office/powerpoint/2010/main" val="3579348268"/>
+        <p14:creationId xmlns:p14="http://schemas.microsoft.com/office/powerpoint/2010/main" val="786080071"/>
       </p:ext>
     </p:extLst>
   </p:cSld>
@@ -3963,6 +3872,613 @@
     <p:extLst>
       <p:ext uri="{BB962C8B-B14F-4D97-AF65-F5344CB8AC3E}">
         <p14:creationId xmlns:p14="http://schemas.microsoft.com/office/powerpoint/2010/main" val="3879729395"/>
+      </p:ext>
+    </p:extLst>
+  </p:cSld>
+  <p:clrMapOvr>
+    <a:masterClrMapping/>
+  </p:clrMapOvr>
+</p:sld>
+</file>
+
+<file path=ppt/slides/slide20.xml><?xml version="1.0" encoding="utf-8"?>
+<p:sld xmlns:a="http://schemas.openxmlformats.org/drawingml/2006/main" xmlns:r="http://schemas.openxmlformats.org/officeDocument/2006/relationships" xmlns:p="http://schemas.openxmlformats.org/presentationml/2006/main">
+  <p:cSld>
+    <p:spTree>
+      <p:nvGrpSpPr>
+        <p:cNvPr id="1" name=""/>
+        <p:cNvGrpSpPr/>
+        <p:nvPr/>
+      </p:nvGrpSpPr>
+      <p:grpSpPr>
+        <a:xfrm>
+          <a:off x="0" y="0"/>
+          <a:ext cx="0" cy="0"/>
+          <a:chOff x="0" y="0"/>
+          <a:chExt cx="0" cy="0"/>
+        </a:xfrm>
+      </p:grpSpPr>
+      <p:sp>
+        <p:nvSpPr>
+          <p:cNvPr id="2" name="TextBox 1">
+            <a:extLst>
+              <a:ext uri="{FF2B5EF4-FFF2-40B4-BE49-F238E27FC236}">
+                <a16:creationId xmlns:a16="http://schemas.microsoft.com/office/drawing/2014/main" id="{B2EC635B-D8A3-4A72-8304-20FFBA5D21A3}"/>
+              </a:ext>
+            </a:extLst>
+          </p:cNvPr>
+          <p:cNvSpPr txBox="1"/>
+          <p:nvPr/>
+        </p:nvSpPr>
+        <p:spPr>
+          <a:xfrm>
+            <a:off x="325927" y="248626"/>
+            <a:ext cx="7530363" cy="584775"/>
+          </a:xfrm>
+          <a:prstGeom prst="rect">
+            <a:avLst/>
+          </a:prstGeom>
+          <a:noFill/>
+        </p:spPr>
+        <p:txBody>
+          <a:bodyPr wrap="square" rtlCol="0">
+            <a:spAutoFit/>
+          </a:bodyPr>
+          <a:lstStyle/>
+          <a:p>
+            <a:r>
+              <a:rPr lang="en-IN" sz="3200" b="1" dirty="0">
+                <a:solidFill>
+                  <a:srgbClr val="46B0FA"/>
+                </a:solidFill>
+                <a:latin typeface="Arial" panose="020B0604020202020204" pitchFamily="34" charset="0"/>
+                <a:cs typeface="Arial" panose="020B0604020202020204" pitchFamily="34" charset="0"/>
+              </a:rPr>
+              <a:t>Reference</a:t>
+            </a:r>
+          </a:p>
+        </p:txBody>
+      </p:sp>
+      <p:sp>
+        <p:nvSpPr>
+          <p:cNvPr id="3" name="TextBox 2">
+            <a:extLst>
+              <a:ext uri="{FF2B5EF4-FFF2-40B4-BE49-F238E27FC236}">
+                <a16:creationId xmlns:a16="http://schemas.microsoft.com/office/drawing/2014/main" id="{66168532-D141-4AB0-BD29-1663F2877B3E}"/>
+              </a:ext>
+            </a:extLst>
+          </p:cNvPr>
+          <p:cNvSpPr txBox="1"/>
+          <p:nvPr/>
+        </p:nvSpPr>
+        <p:spPr>
+          <a:xfrm>
+            <a:off x="325927" y="986093"/>
+            <a:ext cx="9901002" cy="1138773"/>
+          </a:xfrm>
+          <a:prstGeom prst="rect">
+            <a:avLst/>
+          </a:prstGeom>
+          <a:noFill/>
+        </p:spPr>
+        <p:txBody>
+          <a:bodyPr wrap="square" rtlCol="0">
+            <a:spAutoFit/>
+          </a:bodyPr>
+          <a:lstStyle/>
+          <a:p>
+            <a:r>
+              <a:rPr lang="en-US" sz="2400" dirty="0">
+                <a:solidFill>
+                  <a:srgbClr val="FF0000"/>
+                </a:solidFill>
+                <a:latin typeface="Arial" panose="020B0604020202020204" pitchFamily="34" charset="0"/>
+                <a:cs typeface="Arial" panose="020B0604020202020204" pitchFamily="34" charset="0"/>
+              </a:rPr>
+              <a:t>List of cited papers</a:t>
+            </a:r>
+          </a:p>
+          <a:p>
+            <a:endParaRPr lang="en-US" sz="2400" dirty="0">
+              <a:latin typeface="Arial" panose="020B0604020202020204" pitchFamily="34" charset="0"/>
+              <a:cs typeface="Arial" panose="020B0604020202020204" pitchFamily="34" charset="0"/>
+            </a:endParaRPr>
+          </a:p>
+          <a:p>
+            <a:endParaRPr lang="en-IN" sz="2000" dirty="0">
+              <a:latin typeface="Arial" panose="020B0604020202020204" pitchFamily="34" charset="0"/>
+              <a:cs typeface="Arial" panose="020B0604020202020204" pitchFamily="34" charset="0"/>
+            </a:endParaRPr>
+          </a:p>
+        </p:txBody>
+      </p:sp>
+      <p:sp>
+        <p:nvSpPr>
+          <p:cNvPr id="5" name="TextBox 4">
+            <a:extLst>
+              <a:ext uri="{FF2B5EF4-FFF2-40B4-BE49-F238E27FC236}">
+                <a16:creationId xmlns:a16="http://schemas.microsoft.com/office/drawing/2014/main" id="{29BBE328-515D-7FB3-4863-C98E9D182DCF}"/>
+              </a:ext>
+            </a:extLst>
+          </p:cNvPr>
+          <p:cNvSpPr txBox="1"/>
+          <p:nvPr/>
+        </p:nvSpPr>
+        <p:spPr>
+          <a:xfrm>
+            <a:off x="325927" y="1571955"/>
+            <a:ext cx="11305900" cy="4524315"/>
+          </a:xfrm>
+          <a:prstGeom prst="rect">
+            <a:avLst/>
+          </a:prstGeom>
+          <a:noFill/>
+        </p:spPr>
+        <p:txBody>
+          <a:bodyPr wrap="square">
+            <a:spAutoFit/>
+          </a:bodyPr>
+          <a:lstStyle/>
+          <a:p>
+            <a:pPr marL="0" marR="0" lvl="0" indent="0" algn="l" defTabSz="914400" rtl="0" eaLnBrk="1" fontAlgn="auto" latinLnBrk="0" hangingPunct="1">
+              <a:lnSpc>
+                <a:spcPct val="100000"/>
+              </a:lnSpc>
+              <a:spcBef>
+                <a:spcPts val="0"/>
+              </a:spcBef>
+              <a:spcAft>
+                <a:spcPts val="0"/>
+              </a:spcAft>
+              <a:buClrTx/>
+              <a:buSzTx/>
+              <a:buFontTx/>
+              <a:buNone/>
+              <a:tabLst/>
+              <a:defRPr/>
+            </a:pPr>
+            <a:r>
+              <a:rPr lang="en-US" dirty="0">
+                <a:latin typeface="Arial" panose="020B0604020202020204" pitchFamily="34" charset="0"/>
+                <a:cs typeface="Arial" panose="020B0604020202020204" pitchFamily="34" charset="0"/>
+                <a:hlinkClick r:id="rId2"/>
+              </a:rPr>
+              <a:t>[1]Aslam, S., &amp; Rabie, T. F. (2023, February). Principal Component Analysis in Image Classification: A review. In 2023 Advances in Science and Engineering Technology International Conferences (ASET) (pp. 1-7). </a:t>
+            </a:r>
+            <a:r>
+              <a:rPr lang="en-US">
+                <a:latin typeface="Arial" panose="020B0604020202020204" pitchFamily="34" charset="0"/>
+                <a:cs typeface="Arial" panose="020B0604020202020204" pitchFamily="34" charset="0"/>
+                <a:hlinkClick r:id="rId2"/>
+              </a:rPr>
+              <a:t>IEEE.</a:t>
+            </a:r>
+            <a:endParaRPr lang="en-US" dirty="0">
+              <a:latin typeface="Arial" panose="020B0604020202020204" pitchFamily="34" charset="0"/>
+              <a:cs typeface="Arial" panose="020B0604020202020204" pitchFamily="34" charset="0"/>
+            </a:endParaRPr>
+          </a:p>
+          <a:p>
+            <a:pPr marL="0" marR="0" lvl="0" indent="0" algn="l" defTabSz="914400" rtl="0" eaLnBrk="1" fontAlgn="auto" latinLnBrk="0" hangingPunct="1">
+              <a:lnSpc>
+                <a:spcPct val="100000"/>
+              </a:lnSpc>
+              <a:spcBef>
+                <a:spcPts val="0"/>
+              </a:spcBef>
+              <a:spcAft>
+                <a:spcPts val="0"/>
+              </a:spcAft>
+              <a:buClrTx/>
+              <a:buSzTx/>
+              <a:buFontTx/>
+              <a:buNone/>
+              <a:tabLst/>
+              <a:defRPr/>
+            </a:pPr>
+            <a:endParaRPr kumimoji="0" lang="en-US" b="0" i="0" u="none" strike="noStrike" kern="1200" cap="none" spc="0" normalizeH="0" baseline="0" noProof="0" dirty="0">
+              <a:ln>
+                <a:noFill/>
+              </a:ln>
+              <a:effectLst/>
+              <a:uLnTx/>
+              <a:uFillTx/>
+              <a:latin typeface="Arial" panose="020B0604020202020204" pitchFamily="34" charset="0"/>
+              <a:ea typeface="+mn-ea"/>
+              <a:cs typeface="Arial" panose="020B0604020202020204" pitchFamily="34" charset="0"/>
+            </a:endParaRPr>
+          </a:p>
+          <a:p>
+            <a:pPr>
+              <a:defRPr/>
+            </a:pPr>
+            <a:r>
+              <a:rPr lang="en-US" dirty="0">
+                <a:latin typeface="Arial" panose="020B0604020202020204" pitchFamily="34" charset="0"/>
+                <a:cs typeface="Arial" panose="020B0604020202020204" pitchFamily="34" charset="0"/>
+                <a:hlinkClick r:id="rId3"/>
+              </a:rPr>
+              <a:t>[2] Chitra, P., Srilatha, K., Sumathi, M., </a:t>
+            </a:r>
+            <a:r>
+              <a:rPr lang="en-US" dirty="0" err="1">
+                <a:latin typeface="Arial" panose="020B0604020202020204" pitchFamily="34" charset="0"/>
+                <a:cs typeface="Arial" panose="020B0604020202020204" pitchFamily="34" charset="0"/>
+                <a:hlinkClick r:id="rId3"/>
+              </a:rPr>
+              <a:t>Jayasudha</a:t>
+            </a:r>
+            <a:r>
+              <a:rPr lang="en-US" dirty="0">
+                <a:latin typeface="Arial" panose="020B0604020202020204" pitchFamily="34" charset="0"/>
+                <a:cs typeface="Arial" panose="020B0604020202020204" pitchFamily="34" charset="0"/>
+                <a:hlinkClick r:id="rId3"/>
+              </a:rPr>
+              <a:t>, F. V., </a:t>
+            </a:r>
+            <a:r>
+              <a:rPr lang="en-US" dirty="0" err="1">
+                <a:latin typeface="Arial" panose="020B0604020202020204" pitchFamily="34" charset="0"/>
+                <a:cs typeface="Arial" panose="020B0604020202020204" pitchFamily="34" charset="0"/>
+                <a:hlinkClick r:id="rId3"/>
+              </a:rPr>
+              <a:t>Bernatin</a:t>
+            </a:r>
+            <a:r>
+              <a:rPr lang="en-US" dirty="0">
+                <a:latin typeface="Arial" panose="020B0604020202020204" pitchFamily="34" charset="0"/>
+                <a:cs typeface="Arial" panose="020B0604020202020204" pitchFamily="34" charset="0"/>
+                <a:hlinkClick r:id="rId3"/>
+              </a:rPr>
+              <a:t>, T., &amp; Jagadeesh, M. (2023, March). Classification of Ultrasound PCOS Image using Deep Learning based Hybrid Models. In 2023 Second International Conference on Electronics and Renewable Systems (ICEARS) (pp. 1389-1394). IEEE.</a:t>
+            </a:r>
+            <a:endParaRPr kumimoji="0" lang="en-US" b="0" i="0" u="none" strike="noStrike" kern="1200" cap="none" spc="0" normalizeH="0" baseline="0" noProof="0" dirty="0">
+              <a:ln>
+                <a:noFill/>
+              </a:ln>
+              <a:effectLst/>
+              <a:uLnTx/>
+              <a:uFillTx/>
+              <a:latin typeface="Arial" panose="020B0604020202020204" pitchFamily="34" charset="0"/>
+              <a:ea typeface="+mn-ea"/>
+              <a:cs typeface="Arial" panose="020B0604020202020204" pitchFamily="34" charset="0"/>
+            </a:endParaRPr>
+          </a:p>
+          <a:p>
+            <a:pPr marL="0" marR="0" lvl="0" indent="0" algn="l" defTabSz="914400" rtl="0" eaLnBrk="1" fontAlgn="auto" latinLnBrk="0" hangingPunct="1">
+              <a:lnSpc>
+                <a:spcPct val="100000"/>
+              </a:lnSpc>
+              <a:spcBef>
+                <a:spcPts val="0"/>
+              </a:spcBef>
+              <a:spcAft>
+                <a:spcPts val="0"/>
+              </a:spcAft>
+              <a:buClrTx/>
+              <a:buSzTx/>
+              <a:buFontTx/>
+              <a:buNone/>
+              <a:tabLst/>
+              <a:defRPr/>
+            </a:pPr>
+            <a:endParaRPr kumimoji="0" lang="en-US" b="0" i="0" u="none" strike="noStrike" kern="1200" cap="none" spc="0" normalizeH="0" baseline="0" noProof="0" dirty="0">
+              <a:ln>
+                <a:noFill/>
+              </a:ln>
+              <a:effectLst/>
+              <a:uLnTx/>
+              <a:uFillTx/>
+              <a:latin typeface="Arial" panose="020B0604020202020204" pitchFamily="34" charset="0"/>
+              <a:ea typeface="+mn-ea"/>
+              <a:cs typeface="Arial" panose="020B0604020202020204" pitchFamily="34" charset="0"/>
+            </a:endParaRPr>
+          </a:p>
+          <a:p>
+            <a:pPr>
+              <a:defRPr/>
+            </a:pPr>
+            <a:r>
+              <a:rPr lang="en-US" dirty="0">
+                <a:latin typeface="Arial" panose="020B0604020202020204" pitchFamily="34" charset="0"/>
+                <a:cs typeface="Arial" panose="020B0604020202020204" pitchFamily="34" charset="0"/>
+                <a:hlinkClick r:id="rId4"/>
+              </a:rPr>
+              <a:t>[3] </a:t>
+            </a:r>
+            <a:r>
+              <a:rPr lang="en-US" dirty="0" err="1">
+                <a:latin typeface="Arial" panose="020B0604020202020204" pitchFamily="34" charset="0"/>
+                <a:cs typeface="Arial" panose="020B0604020202020204" pitchFamily="34" charset="0"/>
+                <a:hlinkClick r:id="rId4"/>
+              </a:rPr>
+              <a:t>Suha</a:t>
+            </a:r>
+            <a:r>
+              <a:rPr lang="en-US" dirty="0">
+                <a:latin typeface="Arial" panose="020B0604020202020204" pitchFamily="34" charset="0"/>
+                <a:cs typeface="Arial" panose="020B0604020202020204" pitchFamily="34" charset="0"/>
+                <a:hlinkClick r:id="rId4"/>
+              </a:rPr>
+              <a:t>, S. A., &amp; Islam, M. N. (2022). An extended machine learning technique for polycystic ovary syndrome detection using ovary ultrasound image. Scientific Reports, 12(1), 17123.</a:t>
+            </a:r>
+            <a:endParaRPr lang="en-US" dirty="0">
+              <a:latin typeface="Arial" panose="020B0604020202020204" pitchFamily="34" charset="0"/>
+              <a:cs typeface="Arial" panose="020B0604020202020204" pitchFamily="34" charset="0"/>
+            </a:endParaRPr>
+          </a:p>
+          <a:p>
+            <a:pPr>
+              <a:defRPr/>
+            </a:pPr>
+            <a:endParaRPr lang="en-US" dirty="0">
+              <a:latin typeface="Arial" panose="020B0604020202020204" pitchFamily="34" charset="0"/>
+              <a:cs typeface="Arial" panose="020B0604020202020204" pitchFamily="34" charset="0"/>
+              <a:hlinkClick r:id="rId5"/>
+            </a:endParaRPr>
+          </a:p>
+          <a:p>
+            <a:pPr>
+              <a:defRPr/>
+            </a:pPr>
+            <a:r>
+              <a:rPr lang="en-US" dirty="0">
+                <a:latin typeface="Arial" panose="020B0604020202020204" pitchFamily="34" charset="0"/>
+                <a:cs typeface="Arial" panose="020B0604020202020204" pitchFamily="34" charset="0"/>
+                <a:hlinkClick r:id="rId5"/>
+              </a:rPr>
+              <a:t>[4] Aggarwal, A., Mittal, M., &amp; </a:t>
+            </a:r>
+            <a:r>
+              <a:rPr lang="en-US" dirty="0" err="1">
+                <a:latin typeface="Arial" panose="020B0604020202020204" pitchFamily="34" charset="0"/>
+                <a:cs typeface="Arial" panose="020B0604020202020204" pitchFamily="34" charset="0"/>
+                <a:hlinkClick r:id="rId5"/>
+              </a:rPr>
+              <a:t>Battineni</a:t>
+            </a:r>
+            <a:r>
+              <a:rPr lang="en-US" dirty="0">
+                <a:latin typeface="Arial" panose="020B0604020202020204" pitchFamily="34" charset="0"/>
+                <a:cs typeface="Arial" panose="020B0604020202020204" pitchFamily="34" charset="0"/>
+                <a:hlinkClick r:id="rId5"/>
+              </a:rPr>
+              <a:t>, G. (2021). Generative adversarial network: An overview of theory and applications. International Journal of Information Management Data Insights, 1(1), 100004.</a:t>
+            </a:r>
+            <a:endParaRPr lang="en-US" dirty="0">
+              <a:latin typeface="Arial" panose="020B0604020202020204" pitchFamily="34" charset="0"/>
+              <a:cs typeface="Arial" panose="020B0604020202020204" pitchFamily="34" charset="0"/>
+            </a:endParaRPr>
+          </a:p>
+          <a:p>
+            <a:pPr>
+              <a:defRPr/>
+            </a:pPr>
+            <a:endParaRPr lang="en-US" dirty="0">
+              <a:latin typeface="Arial" panose="020B0604020202020204" pitchFamily="34" charset="0"/>
+              <a:cs typeface="Arial" panose="020B0604020202020204" pitchFamily="34" charset="0"/>
+            </a:endParaRPr>
+          </a:p>
+          <a:p>
+            <a:pPr>
+              <a:defRPr/>
+            </a:pPr>
+            <a:r>
+              <a:rPr lang="en-US" dirty="0">
+                <a:latin typeface="Arial" panose="020B0604020202020204" pitchFamily="34" charset="0"/>
+                <a:cs typeface="Arial" panose="020B0604020202020204" pitchFamily="34" charset="0"/>
+                <a:hlinkClick r:id="rId6"/>
+              </a:rPr>
+              <a:t>[5]</a:t>
+            </a:r>
+            <a:r>
+              <a:rPr lang="en-US" dirty="0">
+                <a:hlinkClick r:id="rId6"/>
+              </a:rPr>
+              <a:t> Sumathi, M., Chitra, P., Prabha, R. S., &amp; Srilatha, K. (2021, February). Study and detection of PCOS related diseases using CNN. In IOP Conference Series: Materials Science and Engineering (Vol. 1070, No. 1, p. 012062). IOP Publishing.</a:t>
+            </a:r>
+            <a:endParaRPr lang="en-US" dirty="0">
+              <a:latin typeface="Arial" panose="020B0604020202020204" pitchFamily="34" charset="0"/>
+              <a:cs typeface="Arial" panose="020B0604020202020204" pitchFamily="34" charset="0"/>
+            </a:endParaRPr>
+          </a:p>
+          <a:p>
+            <a:pPr marL="0" marR="0" lvl="0" indent="0" algn="l" defTabSz="914400" rtl="0" eaLnBrk="1" fontAlgn="auto" latinLnBrk="0" hangingPunct="1">
+              <a:lnSpc>
+                <a:spcPct val="100000"/>
+              </a:lnSpc>
+              <a:spcBef>
+                <a:spcPts val="0"/>
+              </a:spcBef>
+              <a:spcAft>
+                <a:spcPts val="0"/>
+              </a:spcAft>
+              <a:buClrTx/>
+              <a:buSzTx/>
+              <a:buFontTx/>
+              <a:buNone/>
+              <a:tabLst/>
+              <a:defRPr/>
+            </a:pPr>
+            <a:endParaRPr kumimoji="0" lang="en-US" b="0" i="0" u="none" strike="noStrike" kern="1200" cap="none" spc="0" normalizeH="0" baseline="0" noProof="0" dirty="0">
+              <a:ln>
+                <a:noFill/>
+              </a:ln>
+              <a:effectLst/>
+              <a:uLnTx/>
+              <a:uFillTx/>
+              <a:latin typeface="Arial" panose="020B0604020202020204" pitchFamily="34" charset="0"/>
+              <a:ea typeface="+mn-ea"/>
+              <a:cs typeface="Arial" panose="020B0604020202020204" pitchFamily="34" charset="0"/>
+            </a:endParaRPr>
+          </a:p>
+        </p:txBody>
+      </p:sp>
+    </p:spTree>
+    <p:extLst>
+      <p:ext uri="{BB962C8B-B14F-4D97-AF65-F5344CB8AC3E}">
+        <p14:creationId xmlns:p14="http://schemas.microsoft.com/office/powerpoint/2010/main" val="1359081233"/>
+      </p:ext>
+    </p:extLst>
+  </p:cSld>
+  <p:clrMapOvr>
+    <a:masterClrMapping/>
+  </p:clrMapOvr>
+</p:sld>
+</file>
+
+<file path=ppt/slides/slide21.xml><?xml version="1.0" encoding="utf-8"?>
+<p:sld xmlns:a="http://schemas.openxmlformats.org/drawingml/2006/main" xmlns:r="http://schemas.openxmlformats.org/officeDocument/2006/relationships" xmlns:p="http://schemas.openxmlformats.org/presentationml/2006/main">
+  <p:cSld>
+    <p:spTree>
+      <p:nvGrpSpPr>
+        <p:cNvPr id="1" name=""/>
+        <p:cNvGrpSpPr/>
+        <p:nvPr/>
+      </p:nvGrpSpPr>
+      <p:grpSpPr>
+        <a:xfrm>
+          <a:off x="0" y="0"/>
+          <a:ext cx="0" cy="0"/>
+          <a:chOff x="0" y="0"/>
+          <a:chExt cx="0" cy="0"/>
+        </a:xfrm>
+      </p:grpSpPr>
+      <p:sp>
+        <p:nvSpPr>
+          <p:cNvPr id="2" name="TextBox 1">
+            <a:extLst>
+              <a:ext uri="{FF2B5EF4-FFF2-40B4-BE49-F238E27FC236}">
+                <a16:creationId xmlns:a16="http://schemas.microsoft.com/office/drawing/2014/main" id="{C39D82EA-6098-704F-AD4D-D13A499C492D}"/>
+              </a:ext>
+            </a:extLst>
+          </p:cNvPr>
+          <p:cNvSpPr txBox="1"/>
+          <p:nvPr/>
+        </p:nvSpPr>
+        <p:spPr>
+          <a:xfrm>
+            <a:off x="1895294" y="3601496"/>
+            <a:ext cx="8401412" cy="1200329"/>
+          </a:xfrm>
+          <a:prstGeom prst="rect">
+            <a:avLst/>
+          </a:prstGeom>
+          <a:noFill/>
+        </p:spPr>
+        <p:txBody>
+          <a:bodyPr wrap="square" rtlCol="0">
+            <a:spAutoFit/>
+          </a:bodyPr>
+          <a:lstStyle/>
+          <a:p>
+            <a:pPr algn="ctr"/>
+            <a:r>
+              <a:rPr lang="en-US" sz="7200" b="1" dirty="0">
+                <a:solidFill>
+                  <a:srgbClr val="46B0FA"/>
+                </a:solidFill>
+                <a:latin typeface="Arial" panose="020B0604020202020204" pitchFamily="34" charset="0"/>
+                <a:cs typeface="Arial" panose="020B0604020202020204" pitchFamily="34" charset="0"/>
+              </a:rPr>
+              <a:t>Thank You</a:t>
+            </a:r>
+            <a:endParaRPr lang="en-IN" sz="7200" b="1" dirty="0">
+              <a:solidFill>
+                <a:srgbClr val="46B0FA"/>
+              </a:solidFill>
+              <a:latin typeface="Arial" panose="020B0604020202020204" pitchFamily="34" charset="0"/>
+              <a:cs typeface="Arial" panose="020B0604020202020204" pitchFamily="34" charset="0"/>
+            </a:endParaRPr>
+          </a:p>
+        </p:txBody>
+      </p:sp>
+      <p:sp>
+        <p:nvSpPr>
+          <p:cNvPr id="4" name="Rectangle 3">
+            <a:extLst>
+              <a:ext uri="{FF2B5EF4-FFF2-40B4-BE49-F238E27FC236}">
+                <a16:creationId xmlns:a16="http://schemas.microsoft.com/office/drawing/2014/main" id="{B7FBB1AB-6227-0A49-9677-D759BB97E908}"/>
+              </a:ext>
+            </a:extLst>
+          </p:cNvPr>
+          <p:cNvSpPr/>
+          <p:nvPr/>
+        </p:nvSpPr>
+        <p:spPr>
+          <a:xfrm>
+            <a:off x="10668000" y="150471"/>
+            <a:ext cx="1381246" cy="682906"/>
+          </a:xfrm>
+          <a:prstGeom prst="rect">
+            <a:avLst/>
+          </a:prstGeom>
+          <a:solidFill>
+            <a:schemeClr val="bg1"/>
+          </a:solidFill>
+          <a:ln>
+            <a:noFill/>
+          </a:ln>
+        </p:spPr>
+        <p:style>
+          <a:lnRef idx="2">
+            <a:schemeClr val="accent1">
+              <a:shade val="50000"/>
+            </a:schemeClr>
+          </a:lnRef>
+          <a:fillRef idx="1">
+            <a:schemeClr val="accent1"/>
+          </a:fillRef>
+          <a:effectRef idx="0">
+            <a:schemeClr val="accent1"/>
+          </a:effectRef>
+          <a:fontRef idx="minor">
+            <a:schemeClr val="lt1"/>
+          </a:fontRef>
+        </p:style>
+        <p:txBody>
+          <a:bodyPr rtlCol="0" anchor="ctr"/>
+          <a:lstStyle/>
+          <a:p>
+            <a:pPr algn="ctr"/>
+            <a:endParaRPr lang="en-US" dirty="0"/>
+          </a:p>
+        </p:txBody>
+      </p:sp>
+      <p:pic>
+        <p:nvPicPr>
+          <p:cNvPr id="5" name="Picture 4" descr="A picture containing text, clipart&#10;&#10;Description automatically generated">
+            <a:extLst>
+              <a:ext uri="{FF2B5EF4-FFF2-40B4-BE49-F238E27FC236}">
+                <a16:creationId xmlns:a16="http://schemas.microsoft.com/office/drawing/2014/main" id="{B3B91EF5-66BF-4A12-80C1-98869846E0D6}"/>
+              </a:ext>
+            </a:extLst>
+          </p:cNvPr>
+          <p:cNvPicPr>
+            <a:picLocks noChangeAspect="1"/>
+          </p:cNvPicPr>
+          <p:nvPr/>
+        </p:nvPicPr>
+        <p:blipFill>
+          <a:blip r:embed="rId2"/>
+          <a:stretch>
+            <a:fillRect/>
+          </a:stretch>
+        </p:blipFill>
+        <p:spPr>
+          <a:xfrm>
+            <a:off x="3992880" y="1709987"/>
+            <a:ext cx="4206240" cy="1806854"/>
+          </a:xfrm>
+          <a:prstGeom prst="rect">
+            <a:avLst/>
+          </a:prstGeom>
+        </p:spPr>
+      </p:pic>
+    </p:spTree>
+    <p:extLst>
+      <p:ext uri="{BB962C8B-B14F-4D97-AF65-F5344CB8AC3E}">
+        <p14:creationId xmlns:p14="http://schemas.microsoft.com/office/powerpoint/2010/main" val="3579348268"/>
       </p:ext>
     </p:extLst>
   </p:cSld>
@@ -5324,7 +5840,7 @@
         </p:nvSpPr>
         <p:spPr>
           <a:xfrm>
-            <a:off x="355785" y="369924"/>
+            <a:off x="355785" y="205708"/>
             <a:ext cx="7530363" cy="584775"/>
           </a:xfrm>
           <a:prstGeom prst="rect">
@@ -5365,7 +5881,7 @@
         </p:nvSpPr>
         <p:spPr>
           <a:xfrm>
-            <a:off x="355785" y="978449"/>
+            <a:off x="355785" y="711675"/>
             <a:ext cx="4220632" cy="369332"/>
           </a:xfrm>
           <a:prstGeom prst="rect">
@@ -5401,9 +5917,6 @@
                 <a:ln>
                   <a:noFill/>
                 </a:ln>
-                <a:solidFill>
-                  <a:schemeClr val="accent2"/>
-                </a:solidFill>
                 <a:effectLst/>
                 <a:uLnTx/>
                 <a:uFillTx/>
@@ -5431,14 +5944,14 @@
           <p:nvPr>
             <p:extLst>
               <p:ext uri="{D42A27DB-BD31-4B8C-83A1-F6EECF244321}">
-                <p14:modId xmlns:p14="http://schemas.microsoft.com/office/powerpoint/2010/main" val="596371513"/>
+                <p14:modId xmlns:p14="http://schemas.microsoft.com/office/powerpoint/2010/main" val="4243694689"/>
               </p:ext>
             </p:extLst>
           </p:nvPr>
         </p:nvGraphicFramePr>
         <p:xfrm>
-          <a:off x="426013" y="1576009"/>
-          <a:ext cx="10929340" cy="4143655"/>
+          <a:off x="426013" y="1371531"/>
+          <a:ext cx="10929340" cy="4972386"/>
         </p:xfrm>
         <a:graphic>
           <a:graphicData uri="http://schemas.openxmlformats.org/drawingml/2006/table">
@@ -5601,7 +6114,7 @@
                     <a:bodyPr/>
                     <a:lstStyle/>
                     <a:p>
-                      <a:endParaRPr lang="en-IN"/>
+                      <a:endParaRPr lang="en-IN" dirty="0"/>
                     </a:p>
                   </a:txBody>
                   <a:tcPr/>
@@ -5618,7 +6131,7 @@
                     <a:bodyPr/>
                     <a:lstStyle/>
                     <a:p>
-                      <a:endParaRPr lang="en-IN"/>
+                      <a:endParaRPr lang="en-IN" dirty="0"/>
                     </a:p>
                   </a:txBody>
                   <a:tcPr/>
@@ -5658,7 +6171,64 @@
                     <a:bodyPr/>
                     <a:lstStyle/>
                     <a:p>
+                      <a:endParaRPr lang="en-IN" dirty="0"/>
+                    </a:p>
+                  </a:txBody>
+                  <a:tcPr/>
+                </a:tc>
+                <a:extLst>
+                  <a:ext uri="{0D108BD9-81ED-4DB2-BD59-A6C34878D82A}">
+                    <a16:rowId xmlns:a16="http://schemas.microsoft.com/office/drawing/2014/main" val="2880092114"/>
+                  </a:ext>
+                </a:extLst>
+              </a:tr>
+              <a:tr h="828731">
+                <a:tc>
+                  <a:txBody>
+                    <a:bodyPr/>
+                    <a:lstStyle/>
+                    <a:p>
+                      <a:endParaRPr lang="en-IN" dirty="0"/>
+                    </a:p>
+                  </a:txBody>
+                  <a:tcPr/>
+                </a:tc>
+                <a:tc>
+                  <a:txBody>
+                    <a:bodyPr/>
+                    <a:lstStyle/>
+                    <a:p>
                       <a:endParaRPr lang="en-IN"/>
+                    </a:p>
+                  </a:txBody>
+                  <a:tcPr/>
+                </a:tc>
+                <a:tc>
+                  <a:txBody>
+                    <a:bodyPr/>
+                    <a:lstStyle/>
+                    <a:p>
+                      <a:endParaRPr lang="en-IN"/>
+                    </a:p>
+                  </a:txBody>
+                  <a:tcPr/>
+                </a:tc>
+                <a:tc>
+                  <a:txBody>
+                    <a:bodyPr/>
+                    <a:lstStyle/>
+                    <a:p>
+                      <a:endParaRPr lang="en-IN"/>
+                    </a:p>
+                  </a:txBody>
+                  <a:tcPr/>
+                </a:tc>
+                <a:tc>
+                  <a:txBody>
+                    <a:bodyPr/>
+                    <a:lstStyle/>
+                    <a:p>
+                      <a:endParaRPr lang="en-IN" dirty="0"/>
                     </a:p>
                   </a:txBody>
                   <a:tcPr/>
@@ -5732,7 +6302,7 @@
                     <a:bodyPr/>
                     <a:lstStyle/>
                     <a:p>
-                      <a:endParaRPr lang="en-IN"/>
+                      <a:endParaRPr lang="en-IN" dirty="0"/>
                     </a:p>
                   </a:txBody>
                   <a:tcPr/>

--- a/Presentation.pptx
+++ b/Presentation.pptx
@@ -3649,8 +3649,8 @@
         </p:blipFill>
         <p:spPr>
           <a:xfrm>
-            <a:off x="4497355" y="449474"/>
-            <a:ext cx="4977299" cy="5986363"/>
+            <a:off x="4301412" y="1589610"/>
+            <a:ext cx="4117512" cy="4952269"/>
           </a:xfrm>
           <a:prstGeom prst="rect">
             <a:avLst/>
@@ -5944,14 +5944,14 @@
           <p:nvPr>
             <p:extLst>
               <p:ext uri="{D42A27DB-BD31-4B8C-83A1-F6EECF244321}">
-                <p14:modId xmlns:p14="http://schemas.microsoft.com/office/powerpoint/2010/main" val="4243694689"/>
+                <p14:modId xmlns:p14="http://schemas.microsoft.com/office/powerpoint/2010/main" val="3929205701"/>
               </p:ext>
             </p:extLst>
           </p:nvPr>
         </p:nvGraphicFramePr>
         <p:xfrm>
           <a:off x="426013" y="1371531"/>
-          <a:ext cx="10929340" cy="4972386"/>
+          <a:ext cx="10929340" cy="4509415"/>
         </p:xfrm>
         <a:graphic>
           <a:graphicData uri="http://schemas.openxmlformats.org/drawingml/2006/table">
@@ -5960,14 +5960,14 @@
                 <a:tableStyleId>{793D81CF-94F2-401A-BA57-92F5A7B2D0C5}</a:tableStyleId>
               </a:tblPr>
               <a:tblGrid>
-                <a:gridCol w="1682705">
+                <a:gridCol w="1421448">
                   <a:extLst>
                     <a:ext uri="{9D8B030D-6E8A-4147-A177-3AD203B41FA5}">
                       <a16:colId xmlns:a16="http://schemas.microsoft.com/office/drawing/2014/main" val="310215933"/>
                     </a:ext>
                   </a:extLst>
                 </a:gridCol>
-                <a:gridCol w="1614196">
+                <a:gridCol w="1875453">
                   <a:extLst>
                     <a:ext uri="{9D8B030D-6E8A-4147-A177-3AD203B41FA5}">
                       <a16:colId xmlns:a16="http://schemas.microsoft.com/office/drawing/2014/main" val="1148141656"/>
@@ -5996,12 +5996,13 @@
                   </a:extLst>
                 </a:gridCol>
               </a:tblGrid>
-              <a:tr h="828731">
+              <a:tr h="363963">
                 <a:tc>
                   <a:txBody>
                     <a:bodyPr/>
                     <a:lstStyle/>
                     <a:p>
+                      <a:pPr algn="ctr"/>
                       <a:r>
                         <a:rPr lang="en-IN" dirty="0"/>
                         <a:t>Title</a:t>
@@ -6015,6 +6016,7 @@
                     <a:bodyPr/>
                     <a:lstStyle/>
                     <a:p>
+                      <a:pPr algn="ctr"/>
                       <a:r>
                         <a:rPr lang="en-IN" dirty="0"/>
                         <a:t>Author</a:t>
@@ -6028,6 +6030,7 @@
                     <a:bodyPr/>
                     <a:lstStyle/>
                     <a:p>
+                      <a:pPr algn="ctr"/>
                       <a:r>
                         <a:rPr lang="en-IN" dirty="0"/>
                         <a:t>Inference</a:t>
@@ -6041,6 +6044,7 @@
                     <a:bodyPr/>
                     <a:lstStyle/>
                     <a:p>
+                      <a:pPr algn="ctr"/>
                       <a:r>
                         <a:rPr lang="en-IN" dirty="0"/>
                         <a:t>Algorithms</a:t>
@@ -6054,6 +6058,7 @@
                     <a:bodyPr/>
                     <a:lstStyle/>
                     <a:p>
+                      <a:pPr algn="ctr"/>
                       <a:r>
                         <a:rPr lang="en-IN" dirty="0"/>
                         <a:t>Results</a:t>
@@ -6094,7 +6099,7 @@
                     <a:bodyPr/>
                     <a:lstStyle/>
                     <a:p>
-                      <a:endParaRPr lang="en-IN"/>
+                      <a:endParaRPr lang="en-IN" dirty="0"/>
                     </a:p>
                   </a:txBody>
                   <a:tcPr/>

--- a/Presentation.pptx
+++ b/Presentation.pptx
@@ -240,7 +240,7 @@
           <a:p>
             <a:fld id="{73E9D15D-1C13-CC45-BE09-4D54E9A973B4}" type="datetimeFigureOut">
               <a:rPr lang="en-US" smtClean="0"/>
-              <a:t>3/28/2024</a:t>
+              <a:t>3/30/2024</a:t>
             </a:fld>
             <a:endParaRPr lang="en-US" dirty="0"/>
           </a:p>
@@ -670,7 +670,7 @@
           <a:p>
             <a:fld id="{FD3D9895-3AFC-9E49-BB6B-D5AF81433D95}" type="datetimeFigureOut">
               <a:rPr lang="en-US" smtClean="0"/>
-              <a:t>3/28/2024</a:t>
+              <a:t>3/30/2024</a:t>
             </a:fld>
             <a:endParaRPr lang="en-US" dirty="0"/>
           </a:p>
@@ -831,7 +831,7 @@
           <a:p>
             <a:fld id="{1703F520-AAB7-4D20-958E-A456239933B0}" type="datetimeFigureOut">
               <a:rPr lang="en-US" smtClean="0"/>
-              <a:t>3/28/2024</a:t>
+              <a:t>3/30/2024</a:t>
             </a:fld>
             <a:endParaRPr lang="en-US" dirty="0"/>
           </a:p>
@@ -1496,7 +1496,7 @@
           <a:p>
             <a:pPr algn="ctr"/>
             <a:r>
-              <a:rPr lang="en-IN" sz="3200" b="1" dirty="0" err="1"/>
+              <a:rPr lang="en-IN" sz="3200" b="1" dirty="0"/>
               <a:t>PCause</a:t>
             </a:r>
             <a:r>
@@ -1550,15 +1550,7 @@
           <a:p>
             <a:r>
               <a:rPr lang="en-IN" dirty="0"/>
-              <a:t>R2142210448- </a:t>
-            </a:r>
-            <a:r>
-              <a:rPr lang="en-IN" dirty="0" err="1"/>
-              <a:t>Lakshay</a:t>
-            </a:r>
-            <a:r>
-              <a:rPr lang="en-IN" dirty="0"/>
-              <a:t> Agarwal</a:t>
+              <a:t>R2142210448- Lakshay Agarwal</a:t>
             </a:r>
           </a:p>
         </p:txBody>
@@ -5283,21 +5275,7 @@
           </a:bodyPr>
           <a:lstStyle/>
           <a:p>
-            <a:pPr marL="0" marR="0" lvl="0" indent="0" algn="l" defTabSz="914400" rtl="0" eaLnBrk="1" fontAlgn="auto" latinLnBrk="0" hangingPunct="1">
-              <a:lnSpc>
-                <a:spcPct val="100000"/>
-              </a:lnSpc>
-              <a:spcBef>
-                <a:spcPts val="0"/>
-              </a:spcBef>
-              <a:spcAft>
-                <a:spcPts val="0"/>
-              </a:spcAft>
-              <a:buClrTx/>
-              <a:buSzTx/>
-              <a:buFontTx/>
-              <a:buNone/>
-              <a:tabLst/>
+            <a:pPr>
               <a:defRPr/>
             </a:pPr>
             <a:r>
@@ -5305,7 +5283,20 @@
                 <a:latin typeface="Arial" panose="020B0604020202020204" pitchFamily="34" charset="0"/>
                 <a:cs typeface="Arial" panose="020B0604020202020204" pitchFamily="34" charset="0"/>
               </a:rPr>
-              <a:t>In [1], Principal Component Analysis (PCA) as a pivotal tool for enhancing image classification in computer vision. PCA efficiently reduces the dimensionality of high-dimensional datasets, improving interpretability and visualization. The integration of PCA with convolutional neural networks (CNNs) demonstrates its role in optimizing computational efficiency and accuracy in classifying diverse datasets. Overall, PCA emerges as a crucial technique, simplifying complex data representations and contributing to the advancement of image classification methodologies in artificial intelligence applications.</a:t>
+              <a:t>In </a:t>
+            </a:r>
+            <a:r>
+              <a:rPr lang="en-IN" dirty="0">
+                <a:hlinkClick r:id="rId2" action="ppaction://hlinksldjump"/>
+              </a:rPr>
+              <a:t>[1]</a:t>
+            </a:r>
+            <a:r>
+              <a:rPr lang="en-US" dirty="0">
+                <a:latin typeface="Arial" panose="020B0604020202020204" pitchFamily="34" charset="0"/>
+                <a:cs typeface="Arial" panose="020B0604020202020204" pitchFamily="34" charset="0"/>
+              </a:rPr>
+              <a:t>, Principal Component Analysis (PCA) as a pivotal tool for enhancing image classification in computer vision. PCA efficiently reduces the dimensionality of high-dimensional datasets, improving interpretability and visualization. The integration of PCA with convolutional neural networks (CNNs) demonstrates its role in optimizing computational efficiency and accuracy in classifying diverse datasets. Overall, PCA emerges as a crucial technique, simplifying complex data representations and contributing to the advancement of image classification methodologies in artificial intelligence applications.</a:t>
             </a:r>
           </a:p>
           <a:p>
@@ -5336,11 +5327,17 @@
               <a:defRPr/>
             </a:pPr>
             <a:r>
+              <a:rPr lang="en-IN" dirty="0">
+                <a:hlinkClick r:id="rId2" action="ppaction://hlinksldjump"/>
+              </a:rPr>
+              <a:t>[2]</a:t>
+            </a:r>
+            <a:r>
               <a:rPr lang="en-US" dirty="0">
                 <a:latin typeface="Arial" panose="020B0604020202020204" pitchFamily="34" charset="0"/>
                 <a:cs typeface="Arial" panose="020B0604020202020204" pitchFamily="34" charset="0"/>
               </a:rPr>
-              <a:t>[2] underscores the potential of advanced deep learning models, including </a:t>
+              <a:t> underscores the potential of advanced deep learning models, including </a:t>
             </a:r>
             <a:r>
               <a:rPr lang="en-US" dirty="0" err="1">
@@ -5944,14 +5941,14 @@
           <p:nvPr>
             <p:extLst>
               <p:ext uri="{D42A27DB-BD31-4B8C-83A1-F6EECF244321}">
-                <p14:modId xmlns:p14="http://schemas.microsoft.com/office/powerpoint/2010/main" val="3929205701"/>
+                <p14:modId xmlns:p14="http://schemas.microsoft.com/office/powerpoint/2010/main" val="848732618"/>
               </p:ext>
             </p:extLst>
           </p:nvPr>
         </p:nvGraphicFramePr>
         <p:xfrm>
           <a:off x="426013" y="1371531"/>
-          <a:ext cx="10929340" cy="4509415"/>
+          <a:ext cx="10941234" cy="4686524"/>
         </p:xfrm>
         <a:graphic>
           <a:graphicData uri="http://schemas.openxmlformats.org/drawingml/2006/table">
@@ -5960,35 +5957,28 @@
                 <a:tableStyleId>{793D81CF-94F2-401A-BA57-92F5A7B2D0C5}</a:tableStyleId>
               </a:tblPr>
               <a:tblGrid>
-                <a:gridCol w="1421448">
+                <a:gridCol w="981446">
                   <a:extLst>
                     <a:ext uri="{9D8B030D-6E8A-4147-A177-3AD203B41FA5}">
                       <a16:colId xmlns:a16="http://schemas.microsoft.com/office/drawing/2014/main" val="310215933"/>
                     </a:ext>
                   </a:extLst>
                 </a:gridCol>
-                <a:gridCol w="1875453">
-                  <a:extLst>
-                    <a:ext uri="{9D8B030D-6E8A-4147-A177-3AD203B41FA5}">
-                      <a16:colId xmlns:a16="http://schemas.microsoft.com/office/drawing/2014/main" val="1148141656"/>
-                    </a:ext>
-                  </a:extLst>
-                </a:gridCol>
-                <a:gridCol w="3573625">
+                <a:gridCol w="4563035">
                   <a:extLst>
                     <a:ext uri="{9D8B030D-6E8A-4147-A177-3AD203B41FA5}">
                       <a16:colId xmlns:a16="http://schemas.microsoft.com/office/drawing/2014/main" val="2092400805"/>
                     </a:ext>
                   </a:extLst>
                 </a:gridCol>
-                <a:gridCol w="1872946">
+                <a:gridCol w="1470212">
                   <a:extLst>
                     <a:ext uri="{9D8B030D-6E8A-4147-A177-3AD203B41FA5}">
                       <a16:colId xmlns:a16="http://schemas.microsoft.com/office/drawing/2014/main" val="827669"/>
                     </a:ext>
                   </a:extLst>
                 </a:gridCol>
-                <a:gridCol w="2185868">
+                <a:gridCol w="3926541">
                   <a:extLst>
                     <a:ext uri="{9D8B030D-6E8A-4147-A177-3AD203B41FA5}">
                       <a16:colId xmlns:a16="http://schemas.microsoft.com/office/drawing/2014/main" val="4106569266"/>
@@ -6005,25 +5995,11 @@
                       <a:pPr algn="ctr"/>
                       <a:r>
                         <a:rPr lang="en-IN" dirty="0"/>
-                        <a:t>Title</a:t>
+                        <a:t>Citation</a:t>
                       </a:r>
                     </a:p>
                   </a:txBody>
-                  <a:tcPr/>
-                </a:tc>
-                <a:tc>
-                  <a:txBody>
-                    <a:bodyPr/>
-                    <a:lstStyle/>
-                    <a:p>
-                      <a:pPr algn="ctr"/>
-                      <a:r>
-                        <a:rPr lang="en-IN" dirty="0"/>
-                        <a:t>Author</a:t>
-                      </a:r>
-                    </a:p>
-                  </a:txBody>
-                  <a:tcPr/>
+                  <a:tcPr anchor="ctr"/>
                 </a:tc>
                 <a:tc>
                   <a:txBody>
@@ -6037,7 +6013,7 @@
                       </a:r>
                     </a:p>
                   </a:txBody>
-                  <a:tcPr/>
+                  <a:tcPr anchor="ctr"/>
                 </a:tc>
                 <a:tc>
                   <a:txBody>
@@ -6051,7 +6027,7 @@
                       </a:r>
                     </a:p>
                   </a:txBody>
-                  <a:tcPr/>
+                  <a:tcPr anchor="ctr"/>
                 </a:tc>
                 <a:tc>
                   <a:txBody>
@@ -6065,7 +6041,7 @@
                       </a:r>
                     </a:p>
                   </a:txBody>
-                  <a:tcPr/>
+                  <a:tcPr anchor="ctr"/>
                 </a:tc>
                 <a:extLst>
                   <a:ext uri="{0D108BD9-81ED-4DB2-BD59-A6C34878D82A}">
@@ -6079,50 +6055,86 @@
                     <a:bodyPr/>
                     <a:lstStyle/>
                     <a:p>
-                      <a:endParaRPr lang="en-IN" dirty="0"/>
+                      <a:pPr algn="ctr"/>
+                      <a:r>
+                        <a:rPr lang="en-IN" u="none" dirty="0">
+                          <a:hlinkClick r:id="rId2" action="ppaction://hlinksldjump"/>
+                        </a:rPr>
+                        <a:t>[1]</a:t>
+                      </a:r>
+                      <a:endParaRPr lang="en-IN" u="none" dirty="0"/>
                     </a:p>
                   </a:txBody>
-                  <a:tcPr/>
+                  <a:tcPr anchor="ctr"/>
                 </a:tc>
                 <a:tc>
                   <a:txBody>
                     <a:bodyPr/>
                     <a:lstStyle/>
                     <a:p>
-                      <a:endParaRPr lang="en-IN"/>
+                      <a:pPr algn="ctr"/>
+                      <a:r>
+                        <a:rPr lang="en-US" sz="1200" dirty="0"/>
+                        <a:t>Principal Component Analysis (PCA) is a crucial technique in image classification, not only for dimension reduction but also for revealing significant features, leading to highly accurate results, as evidenced by recent studies across various datasets and evaluation metrics.</a:t>
+                      </a:r>
+                      <a:endParaRPr lang="en-IN" sz="1200" dirty="0"/>
                     </a:p>
                   </a:txBody>
-                  <a:tcPr/>
+                  <a:tcPr anchor="ctr"/>
                 </a:tc>
                 <a:tc>
                   <a:txBody>
                     <a:bodyPr/>
                     <a:lstStyle/>
                     <a:p>
-                      <a:endParaRPr lang="en-IN" dirty="0"/>
+                      <a:pPr algn="ctr"/>
+                      <a:r>
+                        <a:rPr lang="en-US" sz="1200" dirty="0"/>
+                        <a:t>PCA</a:t>
+                      </a:r>
+                      <a:endParaRPr lang="en-IN" sz="1200" dirty="0"/>
                     </a:p>
                   </a:txBody>
-                  <a:tcPr/>
+                  <a:tcPr anchor="ctr"/>
                 </a:tc>
                 <a:tc>
                   <a:txBody>
                     <a:bodyPr/>
                     <a:lstStyle/>
                     <a:p>
-                      <a:endParaRPr lang="en-IN"/>
+                      <a:pPr algn="ctr"/>
+                      <a:r>
+                        <a:rPr lang="en-US" sz="1200" dirty="0"/>
+                        <a:t>Authors used PCA dimension reduction and got higher accuracy for </a:t>
+                      </a:r>
+                      <a:r>
+                        <a:rPr lang="en-US" sz="1200" dirty="0" err="1"/>
+                        <a:t>indian</a:t>
+                      </a:r>
+                      <a:r>
+                        <a:rPr lang="en-US" sz="1200" dirty="0"/>
+                        <a:t> pines (∼ 96%), </a:t>
+                      </a:r>
+                      <a:r>
+                        <a:rPr lang="en-US" sz="1200" dirty="0" err="1"/>
+                        <a:t>salians</a:t>
+                      </a:r>
+                      <a:r>
+                        <a:rPr lang="en-US" sz="1200" dirty="0"/>
+                        <a:t> (∼ 99%), </a:t>
+                      </a:r>
+                      <a:r>
+                        <a:rPr lang="en-US" sz="1200" dirty="0" err="1"/>
+                        <a:t>pavia</a:t>
+                      </a:r>
+                      <a:r>
+                        <a:rPr lang="en-US" sz="1200" dirty="0"/>
+                        <a:t> university (∼ 58%, ∼ 99%) as compared to singular value decomposition and independent component analysis.</a:t>
+                      </a:r>
+                      <a:endParaRPr lang="en-IN" sz="1200" dirty="0"/>
                     </a:p>
                   </a:txBody>
-                  <a:tcPr/>
-                </a:tc>
-                <a:tc>
-                  <a:txBody>
-                    <a:bodyPr/>
-                    <a:lstStyle/>
-                    <a:p>
-                      <a:endParaRPr lang="en-IN" dirty="0"/>
-                    </a:p>
-                  </a:txBody>
-                  <a:tcPr/>
+                  <a:tcPr anchor="ctr"/>
                 </a:tc>
                 <a:extLst>
                   <a:ext uri="{0D108BD9-81ED-4DB2-BD59-A6C34878D82A}">
@@ -6136,50 +6148,80 @@
                     <a:bodyPr/>
                     <a:lstStyle/>
                     <a:p>
+                      <a:pPr algn="ctr"/>
+                      <a:r>
+                        <a:rPr lang="en-IN" dirty="0">
+                          <a:hlinkClick r:id="rId2" action="ppaction://hlinksldjump"/>
+                        </a:rPr>
+                        <a:t>[2]</a:t>
+                      </a:r>
                       <a:endParaRPr lang="en-IN" dirty="0"/>
                     </a:p>
                   </a:txBody>
-                  <a:tcPr/>
+                  <a:tcPr anchor="ctr"/>
                 </a:tc>
                 <a:tc>
                   <a:txBody>
                     <a:bodyPr/>
                     <a:lstStyle/>
                     <a:p>
-                      <a:endParaRPr lang="en-IN"/>
+                      <a:pPr algn="ctr"/>
+                      <a:r>
+                        <a:rPr lang="en-IN" sz="1200" dirty="0"/>
+                        <a:t>The paper presents a prediction method for Polycystic Ovary Syndrome (PCOS) using transfer learning techniques, including </a:t>
+                      </a:r>
+                      <a:r>
+                        <a:rPr lang="en-IN" sz="1200" dirty="0" err="1"/>
+                        <a:t>AlexNet</a:t>
+                      </a:r>
+                      <a:r>
+                        <a:rPr lang="en-IN" sz="1200" dirty="0"/>
+                        <a:t>, Inception V3, ResNet50, VGG16, and Hybrid Models, through feature extraction and performance coefficient analysis.</a:t>
+                      </a:r>
                     </a:p>
                   </a:txBody>
-                  <a:tcPr/>
+                  <a:tcPr anchor="ctr"/>
                 </a:tc>
                 <a:tc>
                   <a:txBody>
                     <a:bodyPr/>
                     <a:lstStyle/>
                     <a:p>
-                      <a:endParaRPr lang="en-IN"/>
+                      <a:pPr algn="ctr"/>
+                      <a:r>
+                        <a:rPr lang="en-IN" sz="1200" dirty="0" err="1"/>
+                        <a:t>AlexNet</a:t>
+                      </a:r>
+                      <a:r>
+                        <a:rPr lang="en-IN" sz="1200" dirty="0"/>
+                        <a:t>, Inception V3, ResNet50, VGG16, and Hybrid Models</a:t>
+                      </a:r>
                     </a:p>
                   </a:txBody>
-                  <a:tcPr/>
+                  <a:tcPr anchor="ctr"/>
                 </a:tc>
                 <a:tc>
                   <a:txBody>
                     <a:bodyPr/>
                     <a:lstStyle/>
                     <a:p>
-                      <a:endParaRPr lang="en-IN"/>
+                      <a:pPr algn="ctr"/>
+                      <a:r>
+                        <a:rPr lang="en-US" sz="1200" dirty="0"/>
+                        <a:t>Accuracy for various models are </a:t>
+                      </a:r>
+                      <a:r>
+                        <a:rPr lang="en-US" sz="1200" dirty="0" err="1"/>
+                        <a:t>AlexNet</a:t>
+                      </a:r>
+                      <a:r>
+                        <a:rPr lang="en-US" sz="1200" dirty="0"/>
+                        <a:t> - 78% , Inception V3 - 73% , ResNet50 - 90% , VGG16 - 88% , and Hybrid Models - 95%.</a:t>
+                      </a:r>
+                      <a:endParaRPr lang="en-IN" sz="1200" dirty="0"/>
                     </a:p>
                   </a:txBody>
-                  <a:tcPr/>
-                </a:tc>
-                <a:tc>
-                  <a:txBody>
-                    <a:bodyPr/>
-                    <a:lstStyle/>
-                    <a:p>
-                      <a:endParaRPr lang="en-IN" dirty="0"/>
-                    </a:p>
-                  </a:txBody>
-                  <a:tcPr/>
+                  <a:tcPr anchor="ctr"/>
                 </a:tc>
                 <a:extLst>
                   <a:ext uri="{0D108BD9-81ED-4DB2-BD59-A6C34878D82A}">
@@ -6193,50 +6235,78 @@
                     <a:bodyPr/>
                     <a:lstStyle/>
                     <a:p>
+                      <a:pPr algn="ctr"/>
+                      <a:r>
+                        <a:rPr lang="en-IN" dirty="0">
+                          <a:hlinkClick r:id="rId2" action="ppaction://hlinksldjump"/>
+                        </a:rPr>
+                        <a:t>[3]</a:t>
+                      </a:r>
                       <a:endParaRPr lang="en-IN" dirty="0"/>
                     </a:p>
                   </a:txBody>
-                  <a:tcPr/>
+                  <a:tcPr anchor="ctr"/>
                 </a:tc>
                 <a:tc>
                   <a:txBody>
                     <a:bodyPr/>
                     <a:lstStyle/>
                     <a:p>
-                      <a:endParaRPr lang="en-IN"/>
+                      <a:pPr algn="ctr"/>
+                      <a:r>
+                        <a:rPr lang="en-US" sz="1200" dirty="0"/>
+                        <a:t>The research proposes an extended machine learning approach for PCOS prediction using CNN for feature extraction from ovary ultrasound images, combined with ensemble learning techniques, with VGGNet16 and </a:t>
+                      </a:r>
+                      <a:r>
+                        <a:rPr lang="en-US" sz="1200" dirty="0" err="1"/>
+                        <a:t>XGBoost</a:t>
+                      </a:r>
+                      <a:r>
+                        <a:rPr lang="en-US" sz="1200" dirty="0"/>
+                        <a:t> yielding the best performance.</a:t>
+                      </a:r>
+                      <a:endParaRPr lang="en-IN" sz="1200" dirty="0"/>
                     </a:p>
                   </a:txBody>
-                  <a:tcPr/>
+                  <a:tcPr anchor="ctr"/>
                 </a:tc>
                 <a:tc>
                   <a:txBody>
                     <a:bodyPr/>
                     <a:lstStyle/>
                     <a:p>
-                      <a:endParaRPr lang="en-IN"/>
+                      <a:pPr algn="ctr"/>
+                      <a:r>
+                        <a:rPr lang="en-US" sz="1200" dirty="0"/>
+                        <a:t>“VGGNet16” model with meta-learner “</a:t>
+                      </a:r>
+                      <a:r>
+                        <a:rPr lang="en-US" sz="1200" dirty="0" err="1"/>
+                        <a:t>XGBoost</a:t>
+                      </a:r>
+                      <a:r>
+                        <a:rPr lang="en-US" sz="1200" dirty="0"/>
+                        <a:t>”</a:t>
+                      </a:r>
+                      <a:endParaRPr lang="en-IN" sz="1200" dirty="0"/>
                     </a:p>
                   </a:txBody>
-                  <a:tcPr/>
+                  <a:tcPr anchor="ctr"/>
                 </a:tc>
                 <a:tc>
                   <a:txBody>
                     <a:bodyPr/>
                     <a:lstStyle/>
                     <a:p>
-                      <a:endParaRPr lang="en-IN"/>
+                      <a:pPr algn="ctr"/>
+                      <a:r>
+                        <a:rPr lang="en-US" sz="1200" dirty="0"/>
+                        <a:t>Accuracy of 99.89%</a:t>
+                      </a:r>
+                      <a:endParaRPr lang="en-IN" sz="1200" dirty="0"/>
                     </a:p>
                   </a:txBody>
-                  <a:tcPr/>
-                </a:tc>
-                <a:tc>
-                  <a:txBody>
-                    <a:bodyPr/>
-                    <a:lstStyle/>
-                    <a:p>
-                      <a:endParaRPr lang="en-IN" dirty="0"/>
-                    </a:p>
-                  </a:txBody>
-                  <a:tcPr/>
+                  <a:tcPr anchor="ctr"/>
                 </a:tc>
                 <a:extLst>
                   <a:ext uri="{0D108BD9-81ED-4DB2-BD59-A6C34878D82A}">
@@ -6250,50 +6320,61 @@
                     <a:bodyPr/>
                     <a:lstStyle/>
                     <a:p>
-                      <a:endParaRPr lang="en-IN"/>
+                      <a:pPr algn="ctr"/>
+                      <a:r>
+                        <a:rPr lang="en-IN" dirty="0">
+                          <a:hlinkClick r:id="rId2" action="ppaction://hlinksldjump"/>
+                        </a:rPr>
+                        <a:t>[4]</a:t>
+                      </a:r>
+                      <a:endParaRPr lang="en-IN" dirty="0"/>
                     </a:p>
                   </a:txBody>
-                  <a:tcPr/>
+                  <a:tcPr anchor="ctr"/>
                 </a:tc>
                 <a:tc>
                   <a:txBody>
                     <a:bodyPr/>
                     <a:lstStyle/>
                     <a:p>
-                      <a:endParaRPr lang="en-IN"/>
+                      <a:pPr algn="ctr"/>
+                      <a:r>
+                        <a:rPr lang="en-US" sz="1200" dirty="0"/>
+                        <a:t>The deep learning associated Generated Adversarial Networks (GAN) has presenting remarkable outcomes on image segmentation. In this study, the authors have presented a systematic review analysis on recent publications of GAN models and their applications.</a:t>
+                      </a:r>
+                      <a:endParaRPr lang="en-IN" sz="1200" dirty="0"/>
                     </a:p>
                   </a:txBody>
-                  <a:tcPr/>
+                  <a:tcPr anchor="ctr"/>
                 </a:tc>
                 <a:tc>
                   <a:txBody>
                     <a:bodyPr/>
                     <a:lstStyle/>
                     <a:p>
-                      <a:endParaRPr lang="en-IN"/>
+                      <a:pPr algn="ctr"/>
+                      <a:r>
+                        <a:rPr lang="en-IN" sz="1200" dirty="0"/>
+                        <a:t>GAN</a:t>
+                      </a:r>
                     </a:p>
                   </a:txBody>
-                  <a:tcPr/>
+                  <a:tcPr anchor="ctr"/>
                 </a:tc>
                 <a:tc>
                   <a:txBody>
                     <a:bodyPr/>
                     <a:lstStyle/>
                     <a:p>
-                      <a:endParaRPr lang="en-IN"/>
+                      <a:pPr algn="ctr"/>
+                      <a:r>
+                        <a:rPr lang="en-US" sz="1200"/>
+                        <a:t>GAN models integrated with deep learning enable high-resolution ultrasound image generation, facilitate lesion classification with minimal data, and accelerate 3D image analysis through optical clearing techniques.</a:t>
+                      </a:r>
+                      <a:endParaRPr lang="en-IN" sz="1200" dirty="0"/>
                     </a:p>
                   </a:txBody>
-                  <a:tcPr/>
-                </a:tc>
-                <a:tc>
-                  <a:txBody>
-                    <a:bodyPr/>
-                    <a:lstStyle/>
-                    <a:p>
-                      <a:endParaRPr lang="en-IN"/>
-                    </a:p>
-                  </a:txBody>
-                  <a:tcPr/>
+                  <a:tcPr anchor="ctr"/>
                 </a:tc>
                 <a:extLst>
                   <a:ext uri="{0D108BD9-81ED-4DB2-BD59-A6C34878D82A}">
@@ -6307,50 +6388,60 @@
                     <a:bodyPr/>
                     <a:lstStyle/>
                     <a:p>
+                      <a:pPr algn="ctr"/>
+                      <a:r>
+                        <a:rPr lang="en-IN" dirty="0">
+                          <a:hlinkClick r:id="rId2" action="ppaction://hlinksldjump"/>
+                        </a:rPr>
+                        <a:t>[5]</a:t>
+                      </a:r>
                       <a:endParaRPr lang="en-IN" dirty="0"/>
                     </a:p>
                   </a:txBody>
-                  <a:tcPr/>
+                  <a:tcPr anchor="ctr"/>
                 </a:tc>
                 <a:tc>
                   <a:txBody>
                     <a:bodyPr/>
                     <a:lstStyle/>
                     <a:p>
-                      <a:endParaRPr lang="en-IN" dirty="0"/>
+                      <a:pPr algn="ctr"/>
+                      <a:r>
+                        <a:rPr lang="en-IN" sz="1200" dirty="0"/>
+                        <a:t>The paper presents CNN-based algorithms developed in Python for classifying ovarian cysts filled with blood or fluid using ultrasound images, leveraging CNN-based image processing for feature extraction and classification, using an independent dataset related to PCOS for evaluation.</a:t>
+                      </a:r>
                     </a:p>
                   </a:txBody>
-                  <a:tcPr/>
+                  <a:tcPr anchor="ctr"/>
                 </a:tc>
                 <a:tc>
                   <a:txBody>
                     <a:bodyPr/>
                     <a:lstStyle/>
                     <a:p>
-                      <a:endParaRPr lang="en-IN"/>
+                      <a:pPr algn="ctr"/>
+                      <a:r>
+                        <a:rPr lang="en-IN" sz="1200" dirty="0"/>
+                        <a:t>CNN</a:t>
+                      </a:r>
                     </a:p>
                   </a:txBody>
-                  <a:tcPr/>
+                  <a:tcPr anchor="ctr"/>
                 </a:tc>
                 <a:tc>
                   <a:txBody>
                     <a:bodyPr/>
                     <a:lstStyle/>
                     <a:p>
-                      <a:endParaRPr lang="en-IN"/>
+                      <a:pPr algn="ctr"/>
+                      <a:r>
+                        <a:rPr lang="en-US" sz="1200" dirty="0"/>
+                        <a:t>The test dataset is used for performing the feature extraction process and the results are met with 85% accuracy using performance factors</a:t>
+                      </a:r>
+                      <a:endParaRPr lang="en-IN" sz="1200" dirty="0"/>
                     </a:p>
                   </a:txBody>
-                  <a:tcPr/>
-                </a:tc>
-                <a:tc>
-                  <a:txBody>
-                    <a:bodyPr/>
-                    <a:lstStyle/>
-                    <a:p>
-                      <a:endParaRPr lang="en-IN" dirty="0"/>
-                    </a:p>
-                  </a:txBody>
-                  <a:tcPr/>
+                  <a:tcPr anchor="ctr"/>
                 </a:tc>
                 <a:extLst>
                   <a:ext uri="{0D108BD9-81ED-4DB2-BD59-A6C34878D82A}">

--- a/Presentation.pptx
+++ b/Presentation.pptx
@@ -240,7 +240,7 @@
           <a:p>
             <a:fld id="{73E9D15D-1C13-CC45-BE09-4D54E9A973B4}" type="datetimeFigureOut">
               <a:rPr lang="en-US" smtClean="0"/>
-              <a:t>3/30/2024</a:t>
+              <a:t>4/1/2024</a:t>
             </a:fld>
             <a:endParaRPr lang="en-US" dirty="0"/>
           </a:p>
@@ -670,7 +670,7 @@
           <a:p>
             <a:fld id="{FD3D9895-3AFC-9E49-BB6B-D5AF81433D95}" type="datetimeFigureOut">
               <a:rPr lang="en-US" smtClean="0"/>
-              <a:t>3/30/2024</a:t>
+              <a:t>4/1/2024</a:t>
             </a:fld>
             <a:endParaRPr lang="en-US" dirty="0"/>
           </a:p>
@@ -831,7 +831,7 @@
           <a:p>
             <a:fld id="{1703F520-AAB7-4D20-958E-A456239933B0}" type="datetimeFigureOut">
               <a:rPr lang="en-US" smtClean="0"/>
-              <a:t>3/30/2024</a:t>
+              <a:t>4/1/2024</a:t>
             </a:fld>
             <a:endParaRPr lang="en-US" dirty="0"/>
           </a:p>
@@ -2613,10 +2613,10 @@
       </p:sp>
       <p:pic>
         <p:nvPicPr>
-          <p:cNvPr id="5" name="Picture 4">
+          <p:cNvPr id="6" name="Picture 5">
             <a:extLst>
               <a:ext uri="{FF2B5EF4-FFF2-40B4-BE49-F238E27FC236}">
-                <a16:creationId xmlns:a16="http://schemas.microsoft.com/office/drawing/2014/main" id="{54815895-AA28-40D1-0A6D-2B9906AC3AD0}"/>
+                <a16:creationId xmlns:a16="http://schemas.microsoft.com/office/drawing/2014/main" id="{F062E476-71F2-6FA1-A0B3-2D881BD9E90B}"/>
               </a:ext>
             </a:extLst>
           </p:cNvPr>
@@ -2625,16 +2625,15 @@
           </p:cNvPicPr>
           <p:nvPr/>
         </p:nvPicPr>
-        <p:blipFill>
+        <p:blipFill rotWithShape="1">
           <a:blip r:embed="rId2"/>
-          <a:stretch>
-            <a:fillRect/>
-          </a:stretch>
+          <a:srcRect l="1599" t="5306" r="2993" b="4761"/>
+          <a:stretch/>
         </p:blipFill>
         <p:spPr>
           <a:xfrm>
-            <a:off x="2668555" y="833401"/>
-            <a:ext cx="7697112" cy="5636624"/>
+            <a:off x="2240359" y="833401"/>
+            <a:ext cx="8059993" cy="5698028"/>
           </a:xfrm>
           <a:prstGeom prst="rect">
             <a:avLst/>
@@ -2885,10 +2884,10 @@
       </p:sp>
       <p:pic>
         <p:nvPicPr>
-          <p:cNvPr id="8" name="Picture 7">
+          <p:cNvPr id="3" name="Picture 2">
             <a:extLst>
               <a:ext uri="{FF2B5EF4-FFF2-40B4-BE49-F238E27FC236}">
-                <a16:creationId xmlns:a16="http://schemas.microsoft.com/office/drawing/2014/main" id="{A4E7E198-77F7-4D9D-FFFC-F0C6171B4F16}"/>
+                <a16:creationId xmlns:a16="http://schemas.microsoft.com/office/drawing/2014/main" id="{63DD0296-D6FB-14C6-B0A8-294418347EAE}"/>
               </a:ext>
             </a:extLst>
           </p:cNvPr>
@@ -2905,8 +2904,8 @@
         </p:blipFill>
         <p:spPr>
           <a:xfrm>
-            <a:off x="1866123" y="711575"/>
-            <a:ext cx="8322906" cy="5799871"/>
+            <a:off x="2687216" y="711575"/>
+            <a:ext cx="7529804" cy="6019625"/>
           </a:xfrm>
           <a:prstGeom prst="rect">
             <a:avLst/>
@@ -3503,6 +3502,35 @@
           </a:p>
         </p:txBody>
       </p:sp>
+      <p:pic>
+        <p:nvPicPr>
+          <p:cNvPr id="7" name="Picture 6">
+            <a:extLst>
+              <a:ext uri="{FF2B5EF4-FFF2-40B4-BE49-F238E27FC236}">
+                <a16:creationId xmlns:a16="http://schemas.microsoft.com/office/drawing/2014/main" id="{0FDD1B6F-45C6-5F8D-F0CD-7A804CD3A441}"/>
+              </a:ext>
+            </a:extLst>
+          </p:cNvPr>
+          <p:cNvPicPr>
+            <a:picLocks noChangeAspect="1"/>
+          </p:cNvPicPr>
+          <p:nvPr/>
+        </p:nvPicPr>
+        <p:blipFill rotWithShape="1">
+          <a:blip r:embed="rId2"/>
+          <a:srcRect l="5848" t="6156" r="6825" b="7891"/>
+          <a:stretch/>
+        </p:blipFill>
+        <p:spPr>
+          <a:xfrm>
+            <a:off x="3181528" y="1006938"/>
+            <a:ext cx="6074439" cy="5602274"/>
+          </a:xfrm>
+          <a:prstGeom prst="rect">
+            <a:avLst/>
+          </a:prstGeom>
+        </p:spPr>
+      </p:pic>
     </p:spTree>
     <p:extLst>
       <p:ext uri="{BB962C8B-B14F-4D97-AF65-F5344CB8AC3E}">

--- a/Presentation.pptx
+++ b/Presentation.pptx
@@ -240,7 +240,7 @@
           <a:p>
             <a:fld id="{73E9D15D-1C13-CC45-BE09-4D54E9A973B4}" type="datetimeFigureOut">
               <a:rPr lang="en-US" smtClean="0"/>
-              <a:t>4/1/2024</a:t>
+              <a:t>4/4/2024</a:t>
             </a:fld>
             <a:endParaRPr lang="en-US" dirty="0"/>
           </a:p>
@@ -670,7 +670,7 @@
           <a:p>
             <a:fld id="{FD3D9895-3AFC-9E49-BB6B-D5AF81433D95}" type="datetimeFigureOut">
               <a:rPr lang="en-US" smtClean="0"/>
-              <a:t>4/1/2024</a:t>
+              <a:t>4/4/2024</a:t>
             </a:fld>
             <a:endParaRPr lang="en-US" dirty="0"/>
           </a:p>
@@ -831,7 +831,7 @@
           <a:p>
             <a:fld id="{1703F520-AAB7-4D20-958E-A456239933B0}" type="datetimeFigureOut">
               <a:rPr lang="en-US" smtClean="0"/>
-              <a:t>4/1/2024</a:t>
+              <a:t>4/4/2024</a:t>
             </a:fld>
             <a:endParaRPr lang="en-US" dirty="0"/>
           </a:p>
@@ -2904,8 +2904,8 @@
         </p:blipFill>
         <p:spPr>
           <a:xfrm>
-            <a:off x="2687216" y="711575"/>
-            <a:ext cx="7529804" cy="6019625"/>
+            <a:off x="2601686" y="711575"/>
+            <a:ext cx="7231224" cy="5780928"/>
           </a:xfrm>
           <a:prstGeom prst="rect">
             <a:avLst/>
@@ -4637,7 +4637,13 @@
             </a:endParaRPr>
           </a:p>
           <a:p>
-            <a:pPr marL="285750" indent="-285750">
+            <a:pPr marL="285750" indent="-285750" rtl="0">
+              <a:spcBef>
+                <a:spcPts val="0"/>
+              </a:spcBef>
+              <a:spcAft>
+                <a:spcPts val="0"/>
+              </a:spcAft>
               <a:buFont typeface="Arial" panose="020B0604020202020204" pitchFamily="34" charset="0"/>
               <a:buChar char="•"/>
             </a:pPr>
@@ -4646,17 +4652,31 @@
                 <a:latin typeface="Arial" panose="020B0604020202020204" pitchFamily="34" charset="0"/>
                 <a:cs typeface="Arial" panose="020B0604020202020204" pitchFamily="34" charset="0"/>
               </a:rPr>
-              <a:t>Image processing:  </a:t>
+              <a:t>Image processing: </a:t>
             </a:r>
             <a:r>
               <a:rPr lang="en-US" sz="2000" dirty="0">
                 <a:latin typeface="Arial" panose="020B0604020202020204" pitchFamily="34" charset="0"/>
                 <a:cs typeface="Arial" panose="020B0604020202020204" pitchFamily="34" charset="0"/>
               </a:rPr>
-              <a:t>To enhance and extract relevant information from the collected data. Principal Component Analysis (PCA) is subsequently utilized to select essential features, streamlining the representation of the dataset .To augment the dataset and introduce diversity, the innovative approach of applying Generative Adversarial Networks (GAN) comes into play. GANs generate synthetic data by learning the underlying patterns from the selected features, thereby contributing to the enrichment and expansion of the dataset for subsequent analysis and modelling.</a:t>
-            </a:r>
-          </a:p>
-          <a:p>
+              <a:t>We implemented Generative Adversarial Networks (GANs) to generate synthetic data, adding diversity to the dataset. This enriches our data pool and sets the stage for analysis and modeling. Following this, Principal Component Analysis (PCA) is employed to streamline the dataset, selecting essential features while reducing its complexity. This sequential process of using GANs for data augmentation followed by PCA for feature selection improves the efficiency of our image processing, ultimately leading to better PCOS detection </a:t>
+            </a:r>
+            <a:r>
+              <a:rPr lang="en-US" sz="2000">
+                <a:latin typeface="Arial" panose="020B0604020202020204" pitchFamily="34" charset="0"/>
+                <a:cs typeface="Arial" panose="020B0604020202020204" pitchFamily="34" charset="0"/>
+              </a:rPr>
+              <a:t>accuracy.</a:t>
+            </a:r>
+            <a:endParaRPr lang="en-US" sz="2000" dirty="0">
+              <a:latin typeface="Arial" panose="020B0604020202020204" pitchFamily="34" charset="0"/>
+              <a:cs typeface="Arial" panose="020B0604020202020204" pitchFamily="34" charset="0"/>
+            </a:endParaRPr>
+          </a:p>
+          <a:p>
+            <a:br>
+              <a:rPr lang="en-US" sz="2000" dirty="0"/>
+            </a:br>
             <a:endParaRPr lang="en-US" sz="2000" dirty="0">
               <a:latin typeface="Arial" panose="020B0604020202020204" pitchFamily="34" charset="0"/>
               <a:cs typeface="Arial" panose="020B0604020202020204" pitchFamily="34" charset="0"/>

--- a/Presentation.pptx
+++ b/Presentation.pptx
@@ -240,7 +240,7 @@
           <a:p>
             <a:fld id="{73E9D15D-1C13-CC45-BE09-4D54E9A973B4}" type="datetimeFigureOut">
               <a:rPr lang="en-US" smtClean="0"/>
-              <a:t>4/4/2024</a:t>
+              <a:t>4/11/2024</a:t>
             </a:fld>
             <a:endParaRPr lang="en-US" dirty="0"/>
           </a:p>
@@ -670,7 +670,7 @@
           <a:p>
             <a:fld id="{FD3D9895-3AFC-9E49-BB6B-D5AF81433D95}" type="datetimeFigureOut">
               <a:rPr lang="en-US" smtClean="0"/>
-              <a:t>4/4/2024</a:t>
+              <a:t>4/11/2024</a:t>
             </a:fld>
             <a:endParaRPr lang="en-US" dirty="0"/>
           </a:p>
@@ -831,7 +831,7 @@
           <a:p>
             <a:fld id="{1703F520-AAB7-4D20-958E-A456239933B0}" type="datetimeFigureOut">
               <a:rPr lang="en-US" smtClean="0"/>
-              <a:t>4/4/2024</a:t>
+              <a:t>4/11/2024</a:t>
             </a:fld>
             <a:endParaRPr lang="en-US" dirty="0"/>
           </a:p>
@@ -2904,7 +2904,7 @@
         </p:blipFill>
         <p:spPr>
           <a:xfrm>
-            <a:off x="2601686" y="711575"/>
+            <a:off x="2601686" y="823543"/>
             <a:ext cx="7231224" cy="5780928"/>
           </a:xfrm>
           <a:prstGeom prst="rect">
